--- a/Project/Context/GUYP.context.pptx
+++ b/Project/Context/GUYP.context.pptx
@@ -3442,7 +3442,7 @@
         <p:spPr>
           <a:xfrm>
             <a:off x="1028700" y="5802026"/>
-            <a:ext cx="9635546" cy="1600200"/>
+            <a:ext cx="9635546" cy="1401538"/>
           </a:xfrm>
           <a:prstGeom prst="rect">
             <a:avLst/>
@@ -3460,88 +3460,13 @@
               </a:lnSpc>
             </a:pPr>
             <a:r>
-              <a:rPr lang="en-US" sz="6999" b="1" spc="-244" dirty="0" err="1">
+              <a:rPr lang="en-US" sz="7200" b="1" i="0" dirty="0">
                 <a:solidFill>
                   <a:srgbClr val="DAFFFB"/>
                 </a:solidFill>
-                <a:latin typeface="Helvetica World Bold"/>
-                <a:ea typeface="Helvetica World Bold"/>
-                <a:cs typeface="Helvetica World Bold"/>
-                <a:sym typeface="Helvetica World Bold"/>
+                <a:effectLst/>
               </a:rPr>
-              <a:t>Prototipo</a:t>
-            </a:r>
-            <a:r>
-              <a:rPr lang="en-US" sz="6999" b="1" spc="-244" dirty="0">
-                <a:solidFill>
-                  <a:srgbClr val="DAFFFB"/>
-                </a:solidFill>
-                <a:latin typeface="Helvetica World Bold"/>
-                <a:ea typeface="Helvetica World Bold"/>
-                <a:cs typeface="Helvetica World Bold"/>
-                <a:sym typeface="Helvetica World Bold"/>
-              </a:rPr>
-              <a:t> para </a:t>
-            </a:r>
-            <a:r>
-              <a:rPr lang="en-US" sz="6999" b="1" spc="-244" dirty="0" err="1">
-                <a:solidFill>
-                  <a:srgbClr val="DAFFFB"/>
-                </a:solidFill>
-                <a:latin typeface="Helvetica World Bold"/>
-                <a:ea typeface="Helvetica World Bold"/>
-                <a:cs typeface="Helvetica World Bold"/>
-                <a:sym typeface="Helvetica World Bold"/>
-              </a:rPr>
-              <a:t>evaluar</a:t>
-            </a:r>
-            <a:r>
-              <a:rPr lang="en-US" sz="6999" b="1" spc="-244" dirty="0">
-                <a:solidFill>
-                  <a:srgbClr val="DAFFFB"/>
-                </a:solidFill>
-                <a:latin typeface="Helvetica World Bold"/>
-                <a:ea typeface="Helvetica World Bold"/>
-                <a:cs typeface="Helvetica World Bold"/>
-                <a:sym typeface="Helvetica World Bold"/>
-              </a:rPr>
-              <a:t> la </a:t>
-            </a:r>
-            <a:r>
-              <a:rPr lang="en-US" sz="6999" b="1" spc="-244" dirty="0" err="1">
-                <a:solidFill>
-                  <a:srgbClr val="DAFFFB"/>
-                </a:solidFill>
-                <a:latin typeface="Helvetica World Bold"/>
-                <a:ea typeface="Helvetica World Bold"/>
-                <a:cs typeface="Helvetica World Bold"/>
-                <a:sym typeface="Helvetica World Bold"/>
-              </a:rPr>
-              <a:t>salud</a:t>
-            </a:r>
-            <a:r>
-              <a:rPr lang="en-US" sz="6999" b="1" spc="-244" dirty="0">
-                <a:solidFill>
-                  <a:srgbClr val="DAFFFB"/>
-                </a:solidFill>
-                <a:latin typeface="Helvetica World Bold"/>
-                <a:ea typeface="Helvetica World Bold"/>
-                <a:cs typeface="Helvetica World Bold"/>
-                <a:sym typeface="Helvetica World Bold"/>
-              </a:rPr>
-              <a:t> de </a:t>
-            </a:r>
-            <a:r>
-              <a:rPr lang="en-US" sz="6999" b="1" spc="-244" dirty="0" err="1">
-                <a:solidFill>
-                  <a:srgbClr val="DAFFFB"/>
-                </a:solidFill>
-                <a:latin typeface="Helvetica World Bold"/>
-                <a:ea typeface="Helvetica World Bold"/>
-                <a:cs typeface="Helvetica World Bold"/>
-                <a:sym typeface="Helvetica World Bold"/>
-              </a:rPr>
-              <a:t>plantas</a:t>
+              <a:t>Grow Up Your Plant (GUYP)</a:t>
             </a:r>
             <a:endParaRPr lang="en-US" sz="6999" b="1" spc="-244" dirty="0">
               <a:solidFill>
@@ -4300,7 +4225,7 @@
         </p:nvGrpSpPr>
         <p:grpSpPr>
           <a:xfrm>
-            <a:off x="-386085" y="-159421"/>
+            <a:off x="-386085" y="-159422"/>
             <a:ext cx="19060169" cy="10605843"/>
             <a:chOff x="0" y="0"/>
             <a:chExt cx="25413559" cy="14141124"/>
@@ -4616,114 +4541,164 @@
               </a:lnSpc>
             </a:pPr>
             <a:r>
-              <a:rPr lang="es-ES" sz="2800" dirty="0">
+              <a:rPr lang="es-ES" sz="2800" b="0" i="0" dirty="0">
                 <a:solidFill>
-                  <a:schemeClr val="bg1"/>
+                  <a:srgbClr val="FFFFFF"/>
                 </a:solidFill>
+                <a:effectLst/>
               </a:rPr>
-              <a:t>La deforestación y la industrialización han aumentado las emisiones de CO₂, afectando el medio ambiente y la agricultura. Para mitigar estos efectos, se desarrollará una aplicación móvil que, mediante </a:t>
-            </a:r>
-            <a:r>
-              <a:rPr lang="es-ES" sz="2800" b="1" dirty="0">
+              <a:t>La deforestación y la industrialización han aumentado las emisiones de CO₂, afectando el medio ambiente y la agricultura. Para mitigar estos efectos nace una aplicación móvil que, mediante </a:t>
+            </a:r>
+            <a:r>
+              <a:rPr lang="es-ES" sz="2800" b="1" i="0" dirty="0">
                 <a:solidFill>
-                  <a:schemeClr val="bg1"/>
+                  <a:srgbClr val="FFFFFF"/>
                 </a:solidFill>
+                <a:effectLst/>
               </a:rPr>
               <a:t>Deep </a:t>
             </a:r>
             <a:r>
-              <a:rPr lang="es-ES" sz="2800" b="1" dirty="0" err="1">
+              <a:rPr lang="es-ES" sz="2800" b="1" i="0" dirty="0" err="1">
                 <a:solidFill>
-                  <a:schemeClr val="bg1"/>
+                  <a:srgbClr val="FFFFFF"/>
                 </a:solidFill>
+                <a:effectLst/>
               </a:rPr>
               <a:t>Learning</a:t>
             </a:r>
             <a:r>
-              <a:rPr lang="es-ES" sz="2800" dirty="0">
+              <a:rPr lang="es-ES" sz="2800" b="0" i="0" dirty="0">
                 <a:solidFill>
-                  <a:schemeClr val="bg1"/>
+                  <a:srgbClr val="FFFFFF"/>
                 </a:solidFill>
+                <a:effectLst/>
               </a:rPr>
-              <a:t> y </a:t>
-            </a:r>
-            <a:r>
-              <a:rPr lang="es-ES" sz="2800" b="1" dirty="0">
+              <a:t> y</a:t>
+            </a:r>
+            <a:r>
+              <a:rPr lang="es-ES" sz="2800" b="1" i="0" dirty="0">
                 <a:solidFill>
-                  <a:schemeClr val="bg1"/>
+                  <a:srgbClr val="FFFFFF"/>
                 </a:solidFill>
+                <a:effectLst/>
               </a:rPr>
-              <a:t>visión computacional</a:t>
-            </a:r>
-            <a:r>
-              <a:rPr lang="es-ES" sz="2800" dirty="0">
+              <a:t> visión computacional</a:t>
+            </a:r>
+            <a:r>
+              <a:rPr lang="es-ES" sz="2800" b="0" i="0" dirty="0">
                 <a:solidFill>
-                  <a:schemeClr val="bg1"/>
+                  <a:srgbClr val="FFFFFF"/>
                 </a:solidFill>
+                <a:effectLst/>
               </a:rPr>
-              <a:t>, analizará la salud de las plantas a partir de una foto. Integrará una </a:t>
-            </a:r>
-            <a:r>
-              <a:rPr lang="es-ES" sz="2800" b="1" dirty="0">
+              <a:t>, analizara la salud de las plantas a partir de una foto. Integrará una </a:t>
+            </a:r>
+            <a:r>
+              <a:rPr lang="es-ES" sz="2800" b="1" i="0" dirty="0">
                 <a:solidFill>
-                  <a:schemeClr val="bg1"/>
+                  <a:srgbClr val="FFFFFF"/>
                 </a:solidFill>
+                <a:effectLst/>
               </a:rPr>
               <a:t>API externa</a:t>
             </a:r>
             <a:r>
-              <a:rPr lang="es-ES" sz="2800" dirty="0">
+              <a:rPr lang="es-ES" sz="2800" b="0" i="0" dirty="0">
                 <a:solidFill>
-                  <a:schemeClr val="bg1"/>
+                  <a:srgbClr val="FFFFFF"/>
                 </a:solidFill>
+                <a:effectLst/>
               </a:rPr>
               <a:t> para evaluar tallos, frutos y raíces, un </a:t>
             </a:r>
             <a:r>
-              <a:rPr lang="es-ES" sz="2800" b="1" dirty="0">
+              <a:rPr lang="es-ES" sz="2800" b="1" i="0" dirty="0">
                 <a:solidFill>
-                  <a:schemeClr val="bg1"/>
+                  <a:srgbClr val="FFFFFF"/>
                 </a:solidFill>
+                <a:effectLst/>
               </a:rPr>
-              <a:t>modelo de IA</a:t>
-            </a:r>
-            <a:r>
-              <a:rPr lang="es-ES" sz="2800" dirty="0">
+              <a:t>modelo de </a:t>
+            </a:r>
+            <a:r>
+              <a:rPr lang="es-ES" sz="2800" b="1" i="0" dirty="0" err="1">
                 <a:solidFill>
-                  <a:schemeClr val="bg1"/>
+                  <a:srgbClr val="FFFFFF"/>
                 </a:solidFill>
+                <a:effectLst/>
               </a:rPr>
-              <a:t> para detectar anomalías en las hojas y un </a:t>
-            </a:r>
-            <a:r>
-              <a:rPr lang="es-ES" sz="2800" b="1" dirty="0">
+              <a:t>deep</a:t>
+            </a:r>
+            <a:r>
+              <a:rPr lang="es-ES" sz="2800" b="1" i="0" dirty="0">
                 <a:solidFill>
-                  <a:schemeClr val="bg1"/>
+                  <a:srgbClr val="FFFFFF"/>
                 </a:solidFill>
+                <a:effectLst/>
+              </a:rPr>
+              <a:t> </a:t>
+            </a:r>
+            <a:r>
+              <a:rPr lang="es-ES" sz="2800" b="1" i="0" dirty="0" err="1">
+                <a:solidFill>
+                  <a:srgbClr val="FFFFFF"/>
+                </a:solidFill>
+                <a:effectLst/>
+              </a:rPr>
+              <a:t>learning</a:t>
+            </a:r>
+            <a:r>
+              <a:rPr lang="es-ES" sz="2800" b="1" i="0" dirty="0">
+                <a:solidFill>
+                  <a:srgbClr val="FFFFFF"/>
+                </a:solidFill>
+                <a:effectLst/>
+              </a:rPr>
+              <a:t> </a:t>
+            </a:r>
+            <a:r>
+              <a:rPr lang="es-ES" sz="2800" b="0" i="0" dirty="0">
+                <a:solidFill>
+                  <a:srgbClr val="FFFFFF"/>
+                </a:solidFill>
+                <a:effectLst/>
+              </a:rPr>
+              <a:t>para detectar anomalías en las hojas y un </a:t>
+            </a:r>
+            <a:r>
+              <a:rPr lang="es-ES" sz="2800" b="1" i="0" dirty="0">
+                <a:solidFill>
+                  <a:srgbClr val="FFFFFF"/>
+                </a:solidFill>
+                <a:effectLst/>
               </a:rPr>
               <a:t>sistema de geolocalización</a:t>
             </a:r>
             <a:r>
-              <a:rPr lang="es-ES" sz="2800" dirty="0">
+              <a:rPr lang="es-ES" sz="2800" b="0" i="0" dirty="0">
                 <a:solidFill>
-                  <a:schemeClr val="bg1"/>
+                  <a:srgbClr val="FFFFFF"/>
                 </a:solidFill>
+                <a:effectLst/>
               </a:rPr>
-              <a:t> para considerar factores ambientales. La aplicación proporcionará un diagnóstico detallado, facilitando decisiones preventivas para promover la </a:t>
-            </a:r>
-            <a:r>
-              <a:rPr lang="es-ES" sz="2800" b="1" dirty="0">
+              <a:t> para considerar factores ambientales. La aplicación proporcionará un estado de la planta, facilitando decisiones preventivas para promover la </a:t>
+            </a:r>
+            <a:r>
+              <a:rPr lang="es-ES" sz="2800" b="1" i="0" dirty="0">
                 <a:solidFill>
-                  <a:schemeClr val="bg1"/>
+                  <a:srgbClr val="FFFFFF"/>
                 </a:solidFill>
+                <a:effectLst/>
               </a:rPr>
               <a:t>agricultura sostenible</a:t>
             </a:r>
             <a:r>
-              <a:rPr lang="es-ES" sz="2800" dirty="0">
+              <a:rPr lang="es-ES" sz="2800" b="0" i="0" dirty="0">
                 <a:solidFill>
-                  <a:schemeClr val="bg1"/>
+                  <a:srgbClr val="FFFFFF"/>
                 </a:solidFill>
+                <a:effectLst/>
               </a:rPr>
               <a:t>.</a:t>
             </a:r>

--- a/Project/Context/GUYP.context.pptx
+++ b/Project/Context/GUYP.context.pptx
@@ -1,29 +1,40 @@
 
 <file path=ppt/presentation.xml><?xml version="1.0" encoding="utf-8"?>
-<p:presentation xmlns:a="http://schemas.openxmlformats.org/drawingml/2006/main" xmlns:r="http://schemas.openxmlformats.org/officeDocument/2006/relationships" xmlns:p="http://schemas.openxmlformats.org/presentationml/2006/main" saveSubsetFonts="1" embedTrueTypeFonts="true">
+<p:presentation xmlns:a="http://schemas.openxmlformats.org/drawingml/2006/main" xmlns:r="http://schemas.openxmlformats.org/officeDocument/2006/relationships" xmlns:p="http://schemas.openxmlformats.org/presentationml/2006/main" embedTrueTypeFonts="1" saveSubsetFonts="1">
   <p:sldMasterIdLst>
     <p:sldMasterId id="2147483648" r:id="rId1"/>
   </p:sldMasterIdLst>
   <p:notesMasterIdLst>
-    <p:notesMasterId r:id="rId15"/>
+    <p:notesMasterId r:id="rId11"/>
   </p:notesMasterIdLst>
   <p:sldIdLst>
-    <p:sldId id="256" r:id="rId6"/>
-    <p:sldId id="257" r:id="rId7"/>
-    <p:sldId id="258" r:id="rId8"/>
-    <p:sldId id="259" r:id="rId9"/>
-    <p:sldId id="260" r:id="rId10"/>
-    <p:sldId id="261" r:id="rId11"/>
-    <p:sldId id="262" r:id="rId12"/>
-    <p:sldId id="263" r:id="rId13"/>
-    <p:sldId id="264" r:id="rId14"/>
+    <p:sldId id="256" r:id="rId2"/>
+    <p:sldId id="257" r:id="rId3"/>
+    <p:sldId id="258" r:id="rId4"/>
+    <p:sldId id="259" r:id="rId5"/>
+    <p:sldId id="260" r:id="rId6"/>
+    <p:sldId id="261" r:id="rId7"/>
+    <p:sldId id="262" r:id="rId8"/>
+    <p:sldId id="263" r:id="rId9"/>
+    <p:sldId id="264" r:id="rId10"/>
   </p:sldIdLst>
   <p:sldSz cx="18288000" cy="10287000"/>
   <p:notesSz cx="6858000" cy="9144000"/>
   <p:embeddedFontLst>
     <p:embeddedFont>
-      <p:font typeface="Poppins" charset="1" panose="00000500000000000000"/>
-      <p:regular r:id="rId18"/>
+      <p:font typeface="Calibri" panose="020F0502020204030204" pitchFamily="34" charset="0"/>
+      <p:regular r:id="rId12"/>
+      <p:bold r:id="rId13"/>
+      <p:italic r:id="rId14"/>
+      <p:boldItalic r:id="rId15"/>
+    </p:embeddedFont>
+    <p:embeddedFont>
+      <p:font typeface="Open Sans Bold" panose="020B0604020202020204" charset="0"/>
+      <p:regular r:id="rId16"/>
+    </p:embeddedFont>
+    <p:embeddedFont>
+      <p:font typeface="Poppins" panose="00000500000000000000" pitchFamily="2" charset="0"/>
+      <p:regular r:id="rId17"/>
     </p:embeddedFont>
   </p:embeddedFontLst>
   <p:defaultTextStyle>
@@ -121,6 +132,22 @@
       </a:defRPr>
     </a:lvl9pPr>
   </p:defaultTextStyle>
+  <p:extLst>
+    <p:ext uri="{EFAFB233-063F-42B5-8137-9DF3F51BA10A}">
+      <p15:sldGuideLst xmlns:p15="http://schemas.microsoft.com/office/powerpoint/2012/main">
+        <p15:guide id="1" orient="horz" pos="2160">
+          <p15:clr>
+            <a:srgbClr val="A4A3A4"/>
+          </p15:clr>
+        </p15:guide>
+        <p15:guide id="2" pos="2880">
+          <p15:clr>
+            <a:srgbClr val="A4A3A4"/>
+          </p15:clr>
+        </p15:guide>
+      </p15:sldGuideLst>
+    </p:ext>
+  </p:extLst>
 </p:presentation>
 </file>
 
@@ -206,7 +233,7 @@
           <a:p>
             <a:fld id="{B7268E1E-0E44-426D-905E-8AD9B19D2182}" type="datetimeFigureOut">
               <a:rPr lang="cs-CZ" smtClean="0"/>
-              <a:t>1.7.2013</a:t>
+              <a:t>09.04.2025</a:t>
             </a:fld>
             <a:endParaRPr lang="cs-CZ"/>
           </a:p>
@@ -270,35 +297,35 @@
           <a:p>
             <a:pPr lvl="0"/>
             <a:r>
-              <a:rPr lang="en-US" smtClean="0"/>
+              <a:rPr lang="en-US"/>
               <a:t>Click to edit Master text styles</a:t>
             </a:r>
           </a:p>
           <a:p>
             <a:pPr lvl="1"/>
             <a:r>
-              <a:rPr lang="en-US" smtClean="0"/>
+              <a:rPr lang="en-US"/>
               <a:t>Second level</a:t>
             </a:r>
           </a:p>
           <a:p>
             <a:pPr lvl="2"/>
             <a:r>
-              <a:rPr lang="en-US" smtClean="0"/>
+              <a:rPr lang="en-US"/>
               <a:t>Third level</a:t>
             </a:r>
           </a:p>
           <a:p>
             <a:pPr lvl="3"/>
             <a:r>
-              <a:rPr lang="en-US" smtClean="0"/>
+              <a:rPr lang="en-US"/>
               <a:t>Fourth level</a:t>
             </a:r>
           </a:p>
           <a:p>
             <a:pPr lvl="4"/>
             <a:r>
-              <a:rPr lang="en-US" smtClean="0"/>
+              <a:rPr lang="en-US"/>
               <a:t>Fifth level</a:t>
             </a:r>
             <a:endParaRPr lang="cs-CZ"/>
@@ -365,7 +392,7 @@
           <a:p>
             <a:fld id="{871B2431-D351-4C6E-A3CF-9DFAC0E3E050}" type="slidenum">
               <a:rPr lang="cs-CZ" smtClean="0"/>
-              <a:t>‹#›</a:t>
+              <a:t>‹Nº›</a:t>
             </a:fld>
             <a:endParaRPr lang="cs-CZ"/>
           </a:p>
@@ -475,9 +502,9 @@
 </file>
 
 <file path=ppt/notesSlides/notesSlide1.xml><?xml version="1.0" encoding="utf-8"?>
-<p:notes xmlns:p="http://schemas.openxmlformats.org/presentationml/2006/main" xmlns:a="http://schemas.openxmlformats.org/drawingml/2006/main">
+<p:notes xmlns:a="http://schemas.openxmlformats.org/drawingml/2006/main" xmlns:r="http://schemas.openxmlformats.org/officeDocument/2006/relationships" xmlns:p="http://schemas.openxmlformats.org/presentationml/2006/main">
   <p:cSld>
-    <p:spTree xmlns:r="http://schemas.openxmlformats.org/officeDocument/2006/relationships">
+    <p:spTree>
       <p:nvGrpSpPr>
         <p:cNvPr id="1" name=""/>
         <p:cNvGrpSpPr/>
@@ -517,7 +544,9 @@
               <a:defRPr sz="1200"/>
             </a:lvl1pPr>
           </a:lstStyle>
-          <a:p/>
+          <a:p>
+            <a:endParaRPr/>
+          </a:p>
         </p:txBody>
       </p:sp>
       <p:sp>
@@ -547,8 +576,8 @@
             </a:lvl1pPr>
           </a:lstStyle>
           <a:p>
-            <a:r id="{B7268E1E-0E44-426D-905E-8AD9B19D2182}" type="datetimeFigureOut">
-              <a:rPr lang="cs-CZ" smtClean="0"/>
+            <a:r>
+              <a:rPr lang="cs-CZ"/>
               <a:t>1.7.2013</a:t>
             </a:r>
           </a:p>
@@ -582,7 +611,9 @@
         <p:txBody>
           <a:bodyPr vert="horz" lIns="91440" tIns="45720" rIns="91440" bIns="45720" rtlCol="0" anchor="ctr"/>
           <a:lstStyle/>
-          <a:p/>
+          <a:p>
+            <a:endParaRPr/>
+          </a:p>
         </p:txBody>
       </p:sp>
       <p:sp>
@@ -608,11 +639,7 @@
           <a:bodyPr vert="horz" lIns="91440" tIns="45720" rIns="91440" bIns="45720" rtlCol="0"/>
           <a:lstStyle/>
           <a:p>
-            <a:r>
-              <a:rPr lang="en-US"/>
-              <a:t/>
-            </a:r>
-            <a:endParaRPr lang="en-US" smtClean="0"/>
+            <a:endParaRPr lang="en-US"/>
           </a:p>
         </p:txBody>
       </p:sp>
@@ -642,7 +669,9 @@
               <a:defRPr sz="1200"/>
             </a:lvl1pPr>
           </a:lstStyle>
-          <a:p/>
+          <a:p>
+            <a:endParaRPr/>
+          </a:p>
         </p:txBody>
       </p:sp>
       <p:sp>
@@ -672,8 +701,8 @@
             </a:lvl1pPr>
           </a:lstStyle>
           <a:p>
-            <a:r id="{871B2431-D351-4C6E-A3CF-9DFAC0E3E050}" type="slidenum">
-              <a:rPr lang="cs-CZ" smtClean="0"/>
+            <a:r>
+              <a:rPr lang="cs-CZ"/>
               <a:t>‹#›</a:t>
             </a:r>
           </a:p>
@@ -688,9 +717,9 @@
 </file>
 
 <file path=ppt/notesSlides/notesSlide2.xml><?xml version="1.0" encoding="utf-8"?>
-<p:notes xmlns:p="http://schemas.openxmlformats.org/presentationml/2006/main" xmlns:a="http://schemas.openxmlformats.org/drawingml/2006/main">
+<p:notes xmlns:a="http://schemas.openxmlformats.org/drawingml/2006/main" xmlns:r="http://schemas.openxmlformats.org/officeDocument/2006/relationships" xmlns:p="http://schemas.openxmlformats.org/presentationml/2006/main">
   <p:cSld>
-    <p:spTree xmlns:r="http://schemas.openxmlformats.org/officeDocument/2006/relationships">
+    <p:spTree>
       <p:nvGrpSpPr>
         <p:cNvPr id="1" name=""/>
         <p:cNvGrpSpPr/>
@@ -730,7 +759,9 @@
               <a:defRPr sz="1200"/>
             </a:lvl1pPr>
           </a:lstStyle>
-          <a:p/>
+          <a:p>
+            <a:endParaRPr/>
+          </a:p>
         </p:txBody>
       </p:sp>
       <p:sp>
@@ -760,8 +791,8 @@
             </a:lvl1pPr>
           </a:lstStyle>
           <a:p>
-            <a:r id="{B7268E1E-0E44-426D-905E-8AD9B19D2182}" type="datetimeFigureOut">
-              <a:rPr lang="cs-CZ" smtClean="0"/>
+            <a:r>
+              <a:rPr lang="cs-CZ"/>
               <a:t>1.7.2013</a:t>
             </a:r>
           </a:p>
@@ -795,7 +826,9 @@
         <p:txBody>
           <a:bodyPr vert="horz" lIns="91440" tIns="45720" rIns="91440" bIns="45720" rtlCol="0" anchor="ctr"/>
           <a:lstStyle/>
-          <a:p/>
+          <a:p>
+            <a:endParaRPr/>
+          </a:p>
         </p:txBody>
       </p:sp>
       <p:sp>
@@ -821,11 +854,7 @@
           <a:bodyPr vert="horz" lIns="91440" tIns="45720" rIns="91440" bIns="45720" rtlCol="0"/>
           <a:lstStyle/>
           <a:p>
-            <a:r>
-              <a:rPr lang="en-US"/>
-              <a:t/>
-            </a:r>
-            <a:endParaRPr lang="en-US" smtClean="0"/>
+            <a:endParaRPr lang="en-US"/>
           </a:p>
         </p:txBody>
       </p:sp>
@@ -855,7 +884,9 @@
               <a:defRPr sz="1200"/>
             </a:lvl1pPr>
           </a:lstStyle>
-          <a:p/>
+          <a:p>
+            <a:endParaRPr/>
+          </a:p>
         </p:txBody>
       </p:sp>
       <p:sp>
@@ -885,8 +916,8 @@
             </a:lvl1pPr>
           </a:lstStyle>
           <a:p>
-            <a:r id="{871B2431-D351-4C6E-A3CF-9DFAC0E3E050}" type="slidenum">
-              <a:rPr lang="cs-CZ" smtClean="0"/>
+            <a:r>
+              <a:rPr lang="cs-CZ"/>
               <a:t>‹#›</a:t>
             </a:r>
           </a:p>
@@ -901,9 +932,9 @@
 </file>
 
 <file path=ppt/notesSlides/notesSlide3.xml><?xml version="1.0" encoding="utf-8"?>
-<p:notes xmlns:p="http://schemas.openxmlformats.org/presentationml/2006/main" xmlns:a="http://schemas.openxmlformats.org/drawingml/2006/main">
+<p:notes xmlns:a="http://schemas.openxmlformats.org/drawingml/2006/main" xmlns:r="http://schemas.openxmlformats.org/officeDocument/2006/relationships" xmlns:p="http://schemas.openxmlformats.org/presentationml/2006/main">
   <p:cSld>
-    <p:spTree xmlns:r="http://schemas.openxmlformats.org/officeDocument/2006/relationships">
+    <p:spTree>
       <p:nvGrpSpPr>
         <p:cNvPr id="1" name=""/>
         <p:cNvGrpSpPr/>
@@ -943,7 +974,9 @@
               <a:defRPr sz="1200"/>
             </a:lvl1pPr>
           </a:lstStyle>
-          <a:p/>
+          <a:p>
+            <a:endParaRPr/>
+          </a:p>
         </p:txBody>
       </p:sp>
       <p:sp>
@@ -973,8 +1006,8 @@
             </a:lvl1pPr>
           </a:lstStyle>
           <a:p>
-            <a:r id="{B7268E1E-0E44-426D-905E-8AD9B19D2182}" type="datetimeFigureOut">
-              <a:rPr lang="cs-CZ" smtClean="0"/>
+            <a:r>
+              <a:rPr lang="cs-CZ"/>
               <a:t>1.7.2013</a:t>
             </a:r>
           </a:p>
@@ -1008,7 +1041,9 @@
         <p:txBody>
           <a:bodyPr vert="horz" lIns="91440" tIns="45720" rIns="91440" bIns="45720" rtlCol="0" anchor="ctr"/>
           <a:lstStyle/>
-          <a:p/>
+          <a:p>
+            <a:endParaRPr/>
+          </a:p>
         </p:txBody>
       </p:sp>
       <p:sp>
@@ -1034,11 +1069,7 @@
           <a:bodyPr vert="horz" lIns="91440" tIns="45720" rIns="91440" bIns="45720" rtlCol="0"/>
           <a:lstStyle/>
           <a:p>
-            <a:r>
-              <a:rPr lang="en-US"/>
-              <a:t/>
-            </a:r>
-            <a:endParaRPr lang="en-US" smtClean="0"/>
+            <a:endParaRPr lang="en-US"/>
           </a:p>
         </p:txBody>
       </p:sp>
@@ -1068,7 +1099,9 @@
               <a:defRPr sz="1200"/>
             </a:lvl1pPr>
           </a:lstStyle>
-          <a:p/>
+          <a:p>
+            <a:endParaRPr/>
+          </a:p>
         </p:txBody>
       </p:sp>
       <p:sp>
@@ -1098,8 +1131,8 @@
             </a:lvl1pPr>
           </a:lstStyle>
           <a:p>
-            <a:r id="{871B2431-D351-4C6E-A3CF-9DFAC0E3E050}" type="slidenum">
-              <a:rPr lang="cs-CZ" smtClean="0"/>
+            <a:r>
+              <a:rPr lang="cs-CZ"/>
               <a:t>‹#›</a:t>
             </a:r>
           </a:p>
@@ -1114,9 +1147,9 @@
 </file>
 
 <file path=ppt/notesSlides/notesSlide4.xml><?xml version="1.0" encoding="utf-8"?>
-<p:notes xmlns:p="http://schemas.openxmlformats.org/presentationml/2006/main" xmlns:a="http://schemas.openxmlformats.org/drawingml/2006/main">
+<p:notes xmlns:a="http://schemas.openxmlformats.org/drawingml/2006/main" xmlns:r="http://schemas.openxmlformats.org/officeDocument/2006/relationships" xmlns:p="http://schemas.openxmlformats.org/presentationml/2006/main">
   <p:cSld>
-    <p:spTree xmlns:r="http://schemas.openxmlformats.org/officeDocument/2006/relationships">
+    <p:spTree>
       <p:nvGrpSpPr>
         <p:cNvPr id="1" name=""/>
         <p:cNvGrpSpPr/>
@@ -1156,7 +1189,9 @@
               <a:defRPr sz="1200"/>
             </a:lvl1pPr>
           </a:lstStyle>
-          <a:p/>
+          <a:p>
+            <a:endParaRPr/>
+          </a:p>
         </p:txBody>
       </p:sp>
       <p:sp>
@@ -1186,8 +1221,8 @@
             </a:lvl1pPr>
           </a:lstStyle>
           <a:p>
-            <a:r id="{B7268E1E-0E44-426D-905E-8AD9B19D2182}" type="datetimeFigureOut">
-              <a:rPr lang="cs-CZ" smtClean="0"/>
+            <a:r>
+              <a:rPr lang="cs-CZ"/>
               <a:t>1.7.2013</a:t>
             </a:r>
           </a:p>
@@ -1221,7 +1256,9 @@
         <p:txBody>
           <a:bodyPr vert="horz" lIns="91440" tIns="45720" rIns="91440" bIns="45720" rtlCol="0" anchor="ctr"/>
           <a:lstStyle/>
-          <a:p/>
+          <a:p>
+            <a:endParaRPr/>
+          </a:p>
         </p:txBody>
       </p:sp>
       <p:sp>
@@ -1247,11 +1284,7 @@
           <a:bodyPr vert="horz" lIns="91440" tIns="45720" rIns="91440" bIns="45720" rtlCol="0"/>
           <a:lstStyle/>
           <a:p>
-            <a:r>
-              <a:rPr lang="en-US"/>
-              <a:t/>
-            </a:r>
-            <a:endParaRPr lang="en-US" smtClean="0"/>
+            <a:endParaRPr lang="en-US"/>
           </a:p>
         </p:txBody>
       </p:sp>
@@ -1281,7 +1314,9 @@
               <a:defRPr sz="1200"/>
             </a:lvl1pPr>
           </a:lstStyle>
-          <a:p/>
+          <a:p>
+            <a:endParaRPr/>
+          </a:p>
         </p:txBody>
       </p:sp>
       <p:sp>
@@ -1311,8 +1346,8 @@
             </a:lvl1pPr>
           </a:lstStyle>
           <a:p>
-            <a:r id="{871B2431-D351-4C6E-A3CF-9DFAC0E3E050}" type="slidenum">
-              <a:rPr lang="cs-CZ" smtClean="0"/>
+            <a:r>
+              <a:rPr lang="cs-CZ"/>
               <a:t>‹#›</a:t>
             </a:r>
           </a:p>
@@ -1327,9 +1362,9 @@
 </file>
 
 <file path=ppt/notesSlides/notesSlide5.xml><?xml version="1.0" encoding="utf-8"?>
-<p:notes xmlns:p="http://schemas.openxmlformats.org/presentationml/2006/main" xmlns:a="http://schemas.openxmlformats.org/drawingml/2006/main">
+<p:notes xmlns:a="http://schemas.openxmlformats.org/drawingml/2006/main" xmlns:r="http://schemas.openxmlformats.org/officeDocument/2006/relationships" xmlns:p="http://schemas.openxmlformats.org/presentationml/2006/main">
   <p:cSld>
-    <p:spTree xmlns:r="http://schemas.openxmlformats.org/officeDocument/2006/relationships">
+    <p:spTree>
       <p:nvGrpSpPr>
         <p:cNvPr id="1" name=""/>
         <p:cNvGrpSpPr/>
@@ -1369,7 +1404,9 @@
               <a:defRPr sz="1200"/>
             </a:lvl1pPr>
           </a:lstStyle>
-          <a:p/>
+          <a:p>
+            <a:endParaRPr/>
+          </a:p>
         </p:txBody>
       </p:sp>
       <p:sp>
@@ -1399,8 +1436,8 @@
             </a:lvl1pPr>
           </a:lstStyle>
           <a:p>
-            <a:r id="{B7268E1E-0E44-426D-905E-8AD9B19D2182}" type="datetimeFigureOut">
-              <a:rPr lang="cs-CZ" smtClean="0"/>
+            <a:r>
+              <a:rPr lang="cs-CZ"/>
               <a:t>1.7.2013</a:t>
             </a:r>
           </a:p>
@@ -1434,7 +1471,9 @@
         <p:txBody>
           <a:bodyPr vert="horz" lIns="91440" tIns="45720" rIns="91440" bIns="45720" rtlCol="0" anchor="ctr"/>
           <a:lstStyle/>
-          <a:p/>
+          <a:p>
+            <a:endParaRPr/>
+          </a:p>
         </p:txBody>
       </p:sp>
       <p:sp>
@@ -1460,11 +1499,7 @@
           <a:bodyPr vert="horz" lIns="91440" tIns="45720" rIns="91440" bIns="45720" rtlCol="0"/>
           <a:lstStyle/>
           <a:p>
-            <a:r>
-              <a:rPr lang="en-US"/>
-              <a:t/>
-            </a:r>
-            <a:endParaRPr lang="en-US" smtClean="0"/>
+            <a:endParaRPr lang="en-US"/>
           </a:p>
         </p:txBody>
       </p:sp>
@@ -1494,7 +1529,9 @@
               <a:defRPr sz="1200"/>
             </a:lvl1pPr>
           </a:lstStyle>
-          <a:p/>
+          <a:p>
+            <a:endParaRPr/>
+          </a:p>
         </p:txBody>
       </p:sp>
       <p:sp>
@@ -1524,8 +1561,8 @@
             </a:lvl1pPr>
           </a:lstStyle>
           <a:p>
-            <a:r id="{871B2431-D351-4C6E-A3CF-9DFAC0E3E050}" type="slidenum">
-              <a:rPr lang="cs-CZ" smtClean="0"/>
+            <a:r>
+              <a:rPr lang="cs-CZ"/>
               <a:t>‹#›</a:t>
             </a:r>
           </a:p>
@@ -1540,9 +1577,9 @@
 </file>
 
 <file path=ppt/notesSlides/notesSlide6.xml><?xml version="1.0" encoding="utf-8"?>
-<p:notes xmlns:p="http://schemas.openxmlformats.org/presentationml/2006/main" xmlns:a="http://schemas.openxmlformats.org/drawingml/2006/main">
+<p:notes xmlns:a="http://schemas.openxmlformats.org/drawingml/2006/main" xmlns:r="http://schemas.openxmlformats.org/officeDocument/2006/relationships" xmlns:p="http://schemas.openxmlformats.org/presentationml/2006/main">
   <p:cSld>
-    <p:spTree xmlns:r="http://schemas.openxmlformats.org/officeDocument/2006/relationships">
+    <p:spTree>
       <p:nvGrpSpPr>
         <p:cNvPr id="1" name=""/>
         <p:cNvGrpSpPr/>
@@ -1582,7 +1619,9 @@
               <a:defRPr sz="1200"/>
             </a:lvl1pPr>
           </a:lstStyle>
-          <a:p/>
+          <a:p>
+            <a:endParaRPr/>
+          </a:p>
         </p:txBody>
       </p:sp>
       <p:sp>
@@ -1612,8 +1651,8 @@
             </a:lvl1pPr>
           </a:lstStyle>
           <a:p>
-            <a:r id="{B7268E1E-0E44-426D-905E-8AD9B19D2182}" type="datetimeFigureOut">
-              <a:rPr lang="cs-CZ" smtClean="0"/>
+            <a:r>
+              <a:rPr lang="cs-CZ"/>
               <a:t>1.7.2013</a:t>
             </a:r>
           </a:p>
@@ -1647,7 +1686,9 @@
         <p:txBody>
           <a:bodyPr vert="horz" lIns="91440" tIns="45720" rIns="91440" bIns="45720" rtlCol="0" anchor="ctr"/>
           <a:lstStyle/>
-          <a:p/>
+          <a:p>
+            <a:endParaRPr/>
+          </a:p>
         </p:txBody>
       </p:sp>
       <p:sp>
@@ -1673,11 +1714,7 @@
           <a:bodyPr vert="horz" lIns="91440" tIns="45720" rIns="91440" bIns="45720" rtlCol="0"/>
           <a:lstStyle/>
           <a:p>
-            <a:r>
-              <a:rPr lang="en-US"/>
-              <a:t/>
-            </a:r>
-            <a:endParaRPr lang="en-US" smtClean="0"/>
+            <a:endParaRPr lang="en-US"/>
           </a:p>
         </p:txBody>
       </p:sp>
@@ -1707,7 +1744,9 @@
               <a:defRPr sz="1200"/>
             </a:lvl1pPr>
           </a:lstStyle>
-          <a:p/>
+          <a:p>
+            <a:endParaRPr/>
+          </a:p>
         </p:txBody>
       </p:sp>
       <p:sp>
@@ -1737,8 +1776,8 @@
             </a:lvl1pPr>
           </a:lstStyle>
           <a:p>
-            <a:r id="{871B2431-D351-4C6E-A3CF-9DFAC0E3E050}" type="slidenum">
-              <a:rPr lang="cs-CZ" smtClean="0"/>
+            <a:r>
+              <a:rPr lang="cs-CZ"/>
               <a:t>‹#›</a:t>
             </a:r>
           </a:p>
@@ -1753,9 +1792,9 @@
 </file>
 
 <file path=ppt/notesSlides/notesSlide7.xml><?xml version="1.0" encoding="utf-8"?>
-<p:notes xmlns:p="http://schemas.openxmlformats.org/presentationml/2006/main" xmlns:a="http://schemas.openxmlformats.org/drawingml/2006/main">
+<p:notes xmlns:a="http://schemas.openxmlformats.org/drawingml/2006/main" xmlns:r="http://schemas.openxmlformats.org/officeDocument/2006/relationships" xmlns:p="http://schemas.openxmlformats.org/presentationml/2006/main">
   <p:cSld>
-    <p:spTree xmlns:r="http://schemas.openxmlformats.org/officeDocument/2006/relationships">
+    <p:spTree>
       <p:nvGrpSpPr>
         <p:cNvPr id="1" name=""/>
         <p:cNvGrpSpPr/>
@@ -1795,7 +1834,9 @@
               <a:defRPr sz="1200"/>
             </a:lvl1pPr>
           </a:lstStyle>
-          <a:p/>
+          <a:p>
+            <a:endParaRPr/>
+          </a:p>
         </p:txBody>
       </p:sp>
       <p:sp>
@@ -1825,8 +1866,8 @@
             </a:lvl1pPr>
           </a:lstStyle>
           <a:p>
-            <a:r id="{B7268E1E-0E44-426D-905E-8AD9B19D2182}" type="datetimeFigureOut">
-              <a:rPr lang="cs-CZ" smtClean="0"/>
+            <a:r>
+              <a:rPr lang="cs-CZ"/>
               <a:t>1.7.2013</a:t>
             </a:r>
           </a:p>
@@ -1860,7 +1901,9 @@
         <p:txBody>
           <a:bodyPr vert="horz" lIns="91440" tIns="45720" rIns="91440" bIns="45720" rtlCol="0" anchor="ctr"/>
           <a:lstStyle/>
-          <a:p/>
+          <a:p>
+            <a:endParaRPr/>
+          </a:p>
         </p:txBody>
       </p:sp>
       <p:sp>
@@ -1886,11 +1929,7 @@
           <a:bodyPr vert="horz" lIns="91440" tIns="45720" rIns="91440" bIns="45720" rtlCol="0"/>
           <a:lstStyle/>
           <a:p>
-            <a:r>
-              <a:rPr lang="en-US"/>
-              <a:t/>
-            </a:r>
-            <a:endParaRPr lang="en-US" smtClean="0"/>
+            <a:endParaRPr lang="en-US"/>
           </a:p>
         </p:txBody>
       </p:sp>
@@ -1920,7 +1959,9 @@
               <a:defRPr sz="1200"/>
             </a:lvl1pPr>
           </a:lstStyle>
-          <a:p/>
+          <a:p>
+            <a:endParaRPr/>
+          </a:p>
         </p:txBody>
       </p:sp>
       <p:sp>
@@ -1950,8 +1991,8 @@
             </a:lvl1pPr>
           </a:lstStyle>
           <a:p>
-            <a:r id="{871B2431-D351-4C6E-A3CF-9DFAC0E3E050}" type="slidenum">
-              <a:rPr lang="cs-CZ" smtClean="0"/>
+            <a:r>
+              <a:rPr lang="cs-CZ"/>
               <a:t>‹#›</a:t>
             </a:r>
           </a:p>
@@ -1966,9 +2007,9 @@
 </file>
 
 <file path=ppt/notesSlides/notesSlide8.xml><?xml version="1.0" encoding="utf-8"?>
-<p:notes xmlns:p="http://schemas.openxmlformats.org/presentationml/2006/main" xmlns:a="http://schemas.openxmlformats.org/drawingml/2006/main">
+<p:notes xmlns:a="http://schemas.openxmlformats.org/drawingml/2006/main" xmlns:r="http://schemas.openxmlformats.org/officeDocument/2006/relationships" xmlns:p="http://schemas.openxmlformats.org/presentationml/2006/main">
   <p:cSld>
-    <p:spTree xmlns:r="http://schemas.openxmlformats.org/officeDocument/2006/relationships">
+    <p:spTree>
       <p:nvGrpSpPr>
         <p:cNvPr id="1" name=""/>
         <p:cNvGrpSpPr/>
@@ -2008,7 +2049,9 @@
               <a:defRPr sz="1200"/>
             </a:lvl1pPr>
           </a:lstStyle>
-          <a:p/>
+          <a:p>
+            <a:endParaRPr/>
+          </a:p>
         </p:txBody>
       </p:sp>
       <p:sp>
@@ -2038,8 +2081,8 @@
             </a:lvl1pPr>
           </a:lstStyle>
           <a:p>
-            <a:r id="{B7268E1E-0E44-426D-905E-8AD9B19D2182}" type="datetimeFigureOut">
-              <a:rPr lang="cs-CZ" smtClean="0"/>
+            <a:r>
+              <a:rPr lang="cs-CZ"/>
               <a:t>1.7.2013</a:t>
             </a:r>
           </a:p>
@@ -2073,7 +2116,9 @@
         <p:txBody>
           <a:bodyPr vert="horz" lIns="91440" tIns="45720" rIns="91440" bIns="45720" rtlCol="0" anchor="ctr"/>
           <a:lstStyle/>
-          <a:p/>
+          <a:p>
+            <a:endParaRPr/>
+          </a:p>
         </p:txBody>
       </p:sp>
       <p:sp>
@@ -2099,11 +2144,7 @@
           <a:bodyPr vert="horz" lIns="91440" tIns="45720" rIns="91440" bIns="45720" rtlCol="0"/>
           <a:lstStyle/>
           <a:p>
-            <a:r>
-              <a:rPr lang="en-US"/>
-              <a:t/>
-            </a:r>
-            <a:endParaRPr lang="en-US" smtClean="0"/>
+            <a:endParaRPr lang="en-US"/>
           </a:p>
         </p:txBody>
       </p:sp>
@@ -2133,7 +2174,9 @@
               <a:defRPr sz="1200"/>
             </a:lvl1pPr>
           </a:lstStyle>
-          <a:p/>
+          <a:p>
+            <a:endParaRPr/>
+          </a:p>
         </p:txBody>
       </p:sp>
       <p:sp>
@@ -2163,8 +2206,8 @@
             </a:lvl1pPr>
           </a:lstStyle>
           <a:p>
-            <a:r id="{871B2431-D351-4C6E-A3CF-9DFAC0E3E050}" type="slidenum">
-              <a:rPr lang="cs-CZ" smtClean="0"/>
+            <a:r>
+              <a:rPr lang="cs-CZ"/>
               <a:t>‹#›</a:t>
             </a:r>
           </a:p>
@@ -2179,9 +2222,9 @@
 </file>
 
 <file path=ppt/notesSlides/notesSlide9.xml><?xml version="1.0" encoding="utf-8"?>
-<p:notes xmlns:p="http://schemas.openxmlformats.org/presentationml/2006/main" xmlns:a="http://schemas.openxmlformats.org/drawingml/2006/main">
+<p:notes xmlns:a="http://schemas.openxmlformats.org/drawingml/2006/main" xmlns:r="http://schemas.openxmlformats.org/officeDocument/2006/relationships" xmlns:p="http://schemas.openxmlformats.org/presentationml/2006/main">
   <p:cSld>
-    <p:spTree xmlns:r="http://schemas.openxmlformats.org/officeDocument/2006/relationships">
+    <p:spTree>
       <p:nvGrpSpPr>
         <p:cNvPr id="1" name=""/>
         <p:cNvGrpSpPr/>
@@ -2221,7 +2264,9 @@
               <a:defRPr sz="1200"/>
             </a:lvl1pPr>
           </a:lstStyle>
-          <a:p/>
+          <a:p>
+            <a:endParaRPr/>
+          </a:p>
         </p:txBody>
       </p:sp>
       <p:sp>
@@ -2251,8 +2296,8 @@
             </a:lvl1pPr>
           </a:lstStyle>
           <a:p>
-            <a:r id="{B7268E1E-0E44-426D-905E-8AD9B19D2182}" type="datetimeFigureOut">
-              <a:rPr lang="cs-CZ" smtClean="0"/>
+            <a:r>
+              <a:rPr lang="cs-CZ"/>
               <a:t>1.7.2013</a:t>
             </a:r>
           </a:p>
@@ -2286,7 +2331,9 @@
         <p:txBody>
           <a:bodyPr vert="horz" lIns="91440" tIns="45720" rIns="91440" bIns="45720" rtlCol="0" anchor="ctr"/>
           <a:lstStyle/>
-          <a:p/>
+          <a:p>
+            <a:endParaRPr/>
+          </a:p>
         </p:txBody>
       </p:sp>
       <p:sp>
@@ -2312,11 +2359,7 @@
           <a:bodyPr vert="horz" lIns="91440" tIns="45720" rIns="91440" bIns="45720" rtlCol="0"/>
           <a:lstStyle/>
           <a:p>
-            <a:r>
-              <a:rPr lang="en-US"/>
-              <a:t/>
-            </a:r>
-            <a:endParaRPr lang="en-US" smtClean="0"/>
+            <a:endParaRPr lang="en-US"/>
           </a:p>
         </p:txBody>
       </p:sp>
@@ -2346,7 +2389,9 @@
               <a:defRPr sz="1200"/>
             </a:lvl1pPr>
           </a:lstStyle>
-          <a:p/>
+          <a:p>
+            <a:endParaRPr/>
+          </a:p>
         </p:txBody>
       </p:sp>
       <p:sp>
@@ -2376,8 +2421,8 @@
             </a:lvl1pPr>
           </a:lstStyle>
           <a:p>
-            <a:r id="{871B2431-D351-4C6E-A3CF-9DFAC0E3E050}" type="slidenum">
-              <a:rPr lang="cs-CZ" smtClean="0"/>
+            <a:r>
+              <a:rPr lang="cs-CZ"/>
               <a:t>‹#›</a:t>
             </a:r>
           </a:p>
@@ -2429,10 +2474,9 @@
           <a:lstStyle/>
           <a:p>
             <a:r>
-              <a:rPr lang="en-US" smtClean="0"/>
+              <a:rPr lang="en-US"/>
               <a:t>Click to edit Master title style</a:t>
             </a:r>
-            <a:endParaRPr lang="en-US"/>
           </a:p>
         </p:txBody>
       </p:sp>
@@ -2548,10 +2592,9 @@
           </a:lstStyle>
           <a:p>
             <a:r>
-              <a:rPr lang="en-US" smtClean="0"/>
+              <a:rPr lang="en-US"/>
               <a:t>Click to edit Master subtitle style</a:t>
             </a:r>
-            <a:endParaRPr lang="en-US"/>
           </a:p>
         </p:txBody>
       </p:sp>
@@ -2573,7 +2616,7 @@
             <a:fld id="{1D8BD707-D9CF-40AE-B4C6-C98DA3205C09}" type="datetimeFigureOut">
               <a:rPr lang="en-US" smtClean="0"/>
               <a:pPr/>
-              <a:t>8/1/2011</a:t>
+              <a:t>4/9/2025</a:t>
             </a:fld>
             <a:endParaRPr lang="en-US"/>
           </a:p>
@@ -2616,7 +2659,7 @@
             <a:fld id="{B6F15528-21DE-4FAA-801E-634DDDAF4B2B}" type="slidenum">
               <a:rPr lang="en-US" smtClean="0"/>
               <a:pPr/>
-              <a:t>‹#›</a:t>
+              <a:t>‹Nº›</a:t>
             </a:fld>
             <a:endParaRPr lang="en-US"/>
           </a:p>
@@ -2663,10 +2706,9 @@
           <a:lstStyle/>
           <a:p>
             <a:r>
-              <a:rPr lang="en-US" smtClean="0"/>
+              <a:rPr lang="en-US"/>
               <a:t>Click to edit Master title style</a:t>
             </a:r>
-            <a:endParaRPr lang="en-US"/>
           </a:p>
         </p:txBody>
       </p:sp>
@@ -2687,38 +2729,37 @@
           <a:p>
             <a:pPr lvl="0"/>
             <a:r>
-              <a:rPr lang="en-US" smtClean="0"/>
+              <a:rPr lang="en-US"/>
               <a:t>Click to edit Master text styles</a:t>
             </a:r>
           </a:p>
           <a:p>
             <a:pPr lvl="1"/>
             <a:r>
-              <a:rPr lang="en-US" smtClean="0"/>
+              <a:rPr lang="en-US"/>
               <a:t>Second level</a:t>
             </a:r>
           </a:p>
           <a:p>
             <a:pPr lvl="2"/>
             <a:r>
-              <a:rPr lang="en-US" smtClean="0"/>
+              <a:rPr lang="en-US"/>
               <a:t>Third level</a:t>
             </a:r>
           </a:p>
           <a:p>
             <a:pPr lvl="3"/>
             <a:r>
-              <a:rPr lang="en-US" smtClean="0"/>
+              <a:rPr lang="en-US"/>
               <a:t>Fourth level</a:t>
             </a:r>
           </a:p>
           <a:p>
             <a:pPr lvl="4"/>
             <a:r>
-              <a:rPr lang="en-US" smtClean="0"/>
+              <a:rPr lang="en-US"/>
               <a:t>Fifth level</a:t>
             </a:r>
-            <a:endParaRPr lang="en-US"/>
           </a:p>
         </p:txBody>
       </p:sp>
@@ -2740,7 +2781,7 @@
             <a:fld id="{1D8BD707-D9CF-40AE-B4C6-C98DA3205C09}" type="datetimeFigureOut">
               <a:rPr lang="en-US" smtClean="0"/>
               <a:pPr/>
-              <a:t>8/1/2011</a:t>
+              <a:t>4/9/2025</a:t>
             </a:fld>
             <a:endParaRPr lang="en-US"/>
           </a:p>
@@ -2783,7 +2824,7 @@
             <a:fld id="{B6F15528-21DE-4FAA-801E-634DDDAF4B2B}" type="slidenum">
               <a:rPr lang="en-US" smtClean="0"/>
               <a:pPr/>
-              <a:t>‹#›</a:t>
+              <a:t>‹Nº›</a:t>
             </a:fld>
             <a:endParaRPr lang="en-US"/>
           </a:p>
@@ -2835,10 +2876,9 @@
           <a:lstStyle/>
           <a:p>
             <a:r>
-              <a:rPr lang="en-US" smtClean="0"/>
+              <a:rPr lang="en-US"/>
               <a:t>Click to edit Master title style</a:t>
             </a:r>
-            <a:endParaRPr lang="en-US"/>
           </a:p>
         </p:txBody>
       </p:sp>
@@ -2864,38 +2904,37 @@
           <a:p>
             <a:pPr lvl="0"/>
             <a:r>
-              <a:rPr lang="en-US" smtClean="0"/>
+              <a:rPr lang="en-US"/>
               <a:t>Click to edit Master text styles</a:t>
             </a:r>
           </a:p>
           <a:p>
             <a:pPr lvl="1"/>
             <a:r>
-              <a:rPr lang="en-US" smtClean="0"/>
+              <a:rPr lang="en-US"/>
               <a:t>Second level</a:t>
             </a:r>
           </a:p>
           <a:p>
             <a:pPr lvl="2"/>
             <a:r>
-              <a:rPr lang="en-US" smtClean="0"/>
+              <a:rPr lang="en-US"/>
               <a:t>Third level</a:t>
             </a:r>
           </a:p>
           <a:p>
             <a:pPr lvl="3"/>
             <a:r>
-              <a:rPr lang="en-US" smtClean="0"/>
+              <a:rPr lang="en-US"/>
               <a:t>Fourth level</a:t>
             </a:r>
           </a:p>
           <a:p>
             <a:pPr lvl="4"/>
             <a:r>
-              <a:rPr lang="en-US" smtClean="0"/>
+              <a:rPr lang="en-US"/>
               <a:t>Fifth level</a:t>
             </a:r>
-            <a:endParaRPr lang="en-US"/>
           </a:p>
         </p:txBody>
       </p:sp>
@@ -2917,7 +2956,7 @@
             <a:fld id="{1D8BD707-D9CF-40AE-B4C6-C98DA3205C09}" type="datetimeFigureOut">
               <a:rPr lang="en-US" smtClean="0"/>
               <a:pPr/>
-              <a:t>8/1/2011</a:t>
+              <a:t>4/9/2025</a:t>
             </a:fld>
             <a:endParaRPr lang="en-US"/>
           </a:p>
@@ -2960,7 +2999,7 @@
             <a:fld id="{B6F15528-21DE-4FAA-801E-634DDDAF4B2B}" type="slidenum">
               <a:rPr lang="en-US" smtClean="0"/>
               <a:pPr/>
-              <a:t>‹#›</a:t>
+              <a:t>‹Nº›</a:t>
             </a:fld>
             <a:endParaRPr lang="en-US"/>
           </a:p>
@@ -3007,10 +3046,9 @@
           <a:lstStyle/>
           <a:p>
             <a:r>
-              <a:rPr lang="en-US" smtClean="0"/>
+              <a:rPr lang="en-US"/>
               <a:t>Click to edit Master title style</a:t>
             </a:r>
-            <a:endParaRPr lang="en-US"/>
           </a:p>
         </p:txBody>
       </p:sp>
@@ -3031,38 +3069,37 @@
           <a:p>
             <a:pPr lvl="0"/>
             <a:r>
-              <a:rPr lang="en-US" smtClean="0"/>
+              <a:rPr lang="en-US"/>
               <a:t>Click to edit Master text styles</a:t>
             </a:r>
           </a:p>
           <a:p>
             <a:pPr lvl="1"/>
             <a:r>
-              <a:rPr lang="en-US" smtClean="0"/>
+              <a:rPr lang="en-US"/>
               <a:t>Second level</a:t>
             </a:r>
           </a:p>
           <a:p>
             <a:pPr lvl="2"/>
             <a:r>
-              <a:rPr lang="en-US" smtClean="0"/>
+              <a:rPr lang="en-US"/>
               <a:t>Third level</a:t>
             </a:r>
           </a:p>
           <a:p>
             <a:pPr lvl="3"/>
             <a:r>
-              <a:rPr lang="en-US" smtClean="0"/>
+              <a:rPr lang="en-US"/>
               <a:t>Fourth level</a:t>
             </a:r>
           </a:p>
           <a:p>
             <a:pPr lvl="4"/>
             <a:r>
-              <a:rPr lang="en-US" smtClean="0"/>
+              <a:rPr lang="en-US"/>
               <a:t>Fifth level</a:t>
             </a:r>
-            <a:endParaRPr lang="en-US"/>
           </a:p>
         </p:txBody>
       </p:sp>
@@ -3084,7 +3121,7 @@
             <a:fld id="{1D8BD707-D9CF-40AE-B4C6-C98DA3205C09}" type="datetimeFigureOut">
               <a:rPr lang="en-US" smtClean="0"/>
               <a:pPr/>
-              <a:t>8/1/2011</a:t>
+              <a:t>4/9/2025</a:t>
             </a:fld>
             <a:endParaRPr lang="en-US"/>
           </a:p>
@@ -3127,7 +3164,7 @@
             <a:fld id="{B6F15528-21DE-4FAA-801E-634DDDAF4B2B}" type="slidenum">
               <a:rPr lang="en-US" smtClean="0"/>
               <a:pPr/>
-              <a:t>‹#›</a:t>
+              <a:t>‹Nº›</a:t>
             </a:fld>
             <a:endParaRPr lang="en-US"/>
           </a:p>
@@ -3183,10 +3220,9 @@
           </a:lstStyle>
           <a:p>
             <a:r>
-              <a:rPr lang="en-US" smtClean="0"/>
+              <a:rPr lang="en-US"/>
               <a:t>Click to edit Master title style</a:t>
             </a:r>
-            <a:endParaRPr lang="en-US"/>
           </a:p>
         </p:txBody>
       </p:sp>
@@ -3303,7 +3339,7 @@
           <a:p>
             <a:pPr lvl="0"/>
             <a:r>
-              <a:rPr lang="en-US" smtClean="0"/>
+              <a:rPr lang="en-US"/>
               <a:t>Click to edit Master text styles</a:t>
             </a:r>
           </a:p>
@@ -3327,7 +3363,7 @@
             <a:fld id="{1D8BD707-D9CF-40AE-B4C6-C98DA3205C09}" type="datetimeFigureOut">
               <a:rPr lang="en-US" smtClean="0"/>
               <a:pPr/>
-              <a:t>8/1/2011</a:t>
+              <a:t>4/9/2025</a:t>
             </a:fld>
             <a:endParaRPr lang="en-US"/>
           </a:p>
@@ -3370,7 +3406,7 @@
             <a:fld id="{B6F15528-21DE-4FAA-801E-634DDDAF4B2B}" type="slidenum">
               <a:rPr lang="en-US" smtClean="0"/>
               <a:pPr/>
-              <a:t>‹#›</a:t>
+              <a:t>‹Nº›</a:t>
             </a:fld>
             <a:endParaRPr lang="en-US"/>
           </a:p>
@@ -3417,10 +3453,9 @@
           <a:lstStyle/>
           <a:p>
             <a:r>
-              <a:rPr lang="en-US" smtClean="0"/>
+              <a:rPr lang="en-US"/>
               <a:t>Click to edit Master title style</a:t>
             </a:r>
-            <a:endParaRPr lang="en-US"/>
           </a:p>
         </p:txBody>
       </p:sp>
@@ -3474,38 +3509,37 @@
           <a:p>
             <a:pPr lvl="0"/>
             <a:r>
-              <a:rPr lang="en-US" smtClean="0"/>
+              <a:rPr lang="en-US"/>
               <a:t>Click to edit Master text styles</a:t>
             </a:r>
           </a:p>
           <a:p>
             <a:pPr lvl="1"/>
             <a:r>
-              <a:rPr lang="en-US" smtClean="0"/>
+              <a:rPr lang="en-US"/>
               <a:t>Second level</a:t>
             </a:r>
           </a:p>
           <a:p>
             <a:pPr lvl="2"/>
             <a:r>
-              <a:rPr lang="en-US" smtClean="0"/>
+              <a:rPr lang="en-US"/>
               <a:t>Third level</a:t>
             </a:r>
           </a:p>
           <a:p>
             <a:pPr lvl="3"/>
             <a:r>
-              <a:rPr lang="en-US" smtClean="0"/>
+              <a:rPr lang="en-US"/>
               <a:t>Fourth level</a:t>
             </a:r>
           </a:p>
           <a:p>
             <a:pPr lvl="4"/>
             <a:r>
-              <a:rPr lang="en-US" smtClean="0"/>
+              <a:rPr lang="en-US"/>
               <a:t>Fifth level</a:t>
             </a:r>
-            <a:endParaRPr lang="en-US"/>
           </a:p>
         </p:txBody>
       </p:sp>
@@ -3559,38 +3593,37 @@
           <a:p>
             <a:pPr lvl="0"/>
             <a:r>
-              <a:rPr lang="en-US" smtClean="0"/>
+              <a:rPr lang="en-US"/>
               <a:t>Click to edit Master text styles</a:t>
             </a:r>
           </a:p>
           <a:p>
             <a:pPr lvl="1"/>
             <a:r>
-              <a:rPr lang="en-US" smtClean="0"/>
+              <a:rPr lang="en-US"/>
               <a:t>Second level</a:t>
             </a:r>
           </a:p>
           <a:p>
             <a:pPr lvl="2"/>
             <a:r>
-              <a:rPr lang="en-US" smtClean="0"/>
+              <a:rPr lang="en-US"/>
               <a:t>Third level</a:t>
             </a:r>
           </a:p>
           <a:p>
             <a:pPr lvl="3"/>
             <a:r>
-              <a:rPr lang="en-US" smtClean="0"/>
+              <a:rPr lang="en-US"/>
               <a:t>Fourth level</a:t>
             </a:r>
           </a:p>
           <a:p>
             <a:pPr lvl="4"/>
             <a:r>
-              <a:rPr lang="en-US" smtClean="0"/>
+              <a:rPr lang="en-US"/>
               <a:t>Fifth level</a:t>
             </a:r>
-            <a:endParaRPr lang="en-US"/>
           </a:p>
         </p:txBody>
       </p:sp>
@@ -3612,7 +3645,7 @@
             <a:fld id="{1D8BD707-D9CF-40AE-B4C6-C98DA3205C09}" type="datetimeFigureOut">
               <a:rPr lang="en-US" smtClean="0"/>
               <a:pPr/>
-              <a:t>8/1/2011</a:t>
+              <a:t>4/9/2025</a:t>
             </a:fld>
             <a:endParaRPr lang="en-US"/>
           </a:p>
@@ -3655,7 +3688,7 @@
             <a:fld id="{B6F15528-21DE-4FAA-801E-634DDDAF4B2B}" type="slidenum">
               <a:rPr lang="en-US" smtClean="0"/>
               <a:pPr/>
-              <a:t>‹#›</a:t>
+              <a:t>‹Nº›</a:t>
             </a:fld>
             <a:endParaRPr lang="en-US"/>
           </a:p>
@@ -3706,10 +3739,9 @@
           </a:lstStyle>
           <a:p>
             <a:r>
-              <a:rPr lang="en-US" smtClean="0"/>
+              <a:rPr lang="en-US"/>
               <a:t>Click to edit Master title style</a:t>
             </a:r>
-            <a:endParaRPr lang="en-US"/>
           </a:p>
         </p:txBody>
       </p:sp>
@@ -3772,7 +3804,7 @@
           <a:p>
             <a:pPr lvl="0"/>
             <a:r>
-              <a:rPr lang="en-US" smtClean="0"/>
+              <a:rPr lang="en-US"/>
               <a:t>Click to edit Master text styles</a:t>
             </a:r>
           </a:p>
@@ -3828,38 +3860,37 @@
           <a:p>
             <a:pPr lvl="0"/>
             <a:r>
-              <a:rPr lang="en-US" smtClean="0"/>
+              <a:rPr lang="en-US"/>
               <a:t>Click to edit Master text styles</a:t>
             </a:r>
           </a:p>
           <a:p>
             <a:pPr lvl="1"/>
             <a:r>
-              <a:rPr lang="en-US" smtClean="0"/>
+              <a:rPr lang="en-US"/>
               <a:t>Second level</a:t>
             </a:r>
           </a:p>
           <a:p>
             <a:pPr lvl="2"/>
             <a:r>
-              <a:rPr lang="en-US" smtClean="0"/>
+              <a:rPr lang="en-US"/>
               <a:t>Third level</a:t>
             </a:r>
           </a:p>
           <a:p>
             <a:pPr lvl="3"/>
             <a:r>
-              <a:rPr lang="en-US" smtClean="0"/>
+              <a:rPr lang="en-US"/>
               <a:t>Fourth level</a:t>
             </a:r>
           </a:p>
           <a:p>
             <a:pPr lvl="4"/>
             <a:r>
-              <a:rPr lang="en-US" smtClean="0"/>
+              <a:rPr lang="en-US"/>
               <a:t>Fifth level</a:t>
             </a:r>
-            <a:endParaRPr lang="en-US"/>
           </a:p>
         </p:txBody>
       </p:sp>
@@ -3922,7 +3953,7 @@
           <a:p>
             <a:pPr lvl="0"/>
             <a:r>
-              <a:rPr lang="en-US" smtClean="0"/>
+              <a:rPr lang="en-US"/>
               <a:t>Click to edit Master text styles</a:t>
             </a:r>
           </a:p>
@@ -3978,38 +4009,37 @@
           <a:p>
             <a:pPr lvl="0"/>
             <a:r>
-              <a:rPr lang="en-US" smtClean="0"/>
+              <a:rPr lang="en-US"/>
               <a:t>Click to edit Master text styles</a:t>
             </a:r>
           </a:p>
           <a:p>
             <a:pPr lvl="1"/>
             <a:r>
-              <a:rPr lang="en-US" smtClean="0"/>
+              <a:rPr lang="en-US"/>
               <a:t>Second level</a:t>
             </a:r>
           </a:p>
           <a:p>
             <a:pPr lvl="2"/>
             <a:r>
-              <a:rPr lang="en-US" smtClean="0"/>
+              <a:rPr lang="en-US"/>
               <a:t>Third level</a:t>
             </a:r>
           </a:p>
           <a:p>
             <a:pPr lvl="3"/>
             <a:r>
-              <a:rPr lang="en-US" smtClean="0"/>
+              <a:rPr lang="en-US"/>
               <a:t>Fourth level</a:t>
             </a:r>
           </a:p>
           <a:p>
             <a:pPr lvl="4"/>
             <a:r>
-              <a:rPr lang="en-US" smtClean="0"/>
+              <a:rPr lang="en-US"/>
               <a:t>Fifth level</a:t>
             </a:r>
-            <a:endParaRPr lang="en-US"/>
           </a:p>
         </p:txBody>
       </p:sp>
@@ -4031,7 +4061,7 @@
             <a:fld id="{1D8BD707-D9CF-40AE-B4C6-C98DA3205C09}" type="datetimeFigureOut">
               <a:rPr lang="en-US" smtClean="0"/>
               <a:pPr/>
-              <a:t>8/1/2011</a:t>
+              <a:t>4/9/2025</a:t>
             </a:fld>
             <a:endParaRPr lang="en-US"/>
           </a:p>
@@ -4074,7 +4104,7 @@
             <a:fld id="{B6F15528-21DE-4FAA-801E-634DDDAF4B2B}" type="slidenum">
               <a:rPr lang="en-US" smtClean="0"/>
               <a:pPr/>
-              <a:t>‹#›</a:t>
+              <a:t>‹Nº›</a:t>
             </a:fld>
             <a:endParaRPr lang="en-US"/>
           </a:p>
@@ -4121,10 +4151,9 @@
           <a:lstStyle/>
           <a:p>
             <a:r>
-              <a:rPr lang="en-US" smtClean="0"/>
+              <a:rPr lang="en-US"/>
               <a:t>Click to edit Master title style</a:t>
             </a:r>
-            <a:endParaRPr lang="en-US"/>
           </a:p>
         </p:txBody>
       </p:sp>
@@ -4146,7 +4175,7 @@
             <a:fld id="{1D8BD707-D9CF-40AE-B4C6-C98DA3205C09}" type="datetimeFigureOut">
               <a:rPr lang="en-US" smtClean="0"/>
               <a:pPr/>
-              <a:t>8/1/2011</a:t>
+              <a:t>4/9/2025</a:t>
             </a:fld>
             <a:endParaRPr lang="en-US"/>
           </a:p>
@@ -4189,7 +4218,7 @@
             <a:fld id="{B6F15528-21DE-4FAA-801E-634DDDAF4B2B}" type="slidenum">
               <a:rPr lang="en-US" smtClean="0"/>
               <a:pPr/>
-              <a:t>‹#›</a:t>
+              <a:t>‹Nº›</a:t>
             </a:fld>
             <a:endParaRPr lang="en-US"/>
           </a:p>
@@ -4238,7 +4267,7 @@
             <a:fld id="{1D8BD707-D9CF-40AE-B4C6-C98DA3205C09}" type="datetimeFigureOut">
               <a:rPr lang="en-US" smtClean="0"/>
               <a:pPr/>
-              <a:t>8/1/2011</a:t>
+              <a:t>4/9/2025</a:t>
             </a:fld>
             <a:endParaRPr lang="en-US"/>
           </a:p>
@@ -4281,7 +4310,7 @@
             <a:fld id="{B6F15528-21DE-4FAA-801E-634DDDAF4B2B}" type="slidenum">
               <a:rPr lang="en-US" smtClean="0"/>
               <a:pPr/>
-              <a:t>‹#›</a:t>
+              <a:t>‹Nº›</a:t>
             </a:fld>
             <a:endParaRPr lang="en-US"/>
           </a:p>
@@ -4337,10 +4366,9 @@
           </a:lstStyle>
           <a:p>
             <a:r>
-              <a:rPr lang="en-US" smtClean="0"/>
+              <a:rPr lang="en-US"/>
               <a:t>Click to edit Master title style</a:t>
             </a:r>
-            <a:endParaRPr lang="en-US"/>
           </a:p>
         </p:txBody>
       </p:sp>
@@ -4394,38 +4422,37 @@
           <a:p>
             <a:pPr lvl="0"/>
             <a:r>
-              <a:rPr lang="en-US" smtClean="0"/>
+              <a:rPr lang="en-US"/>
               <a:t>Click to edit Master text styles</a:t>
             </a:r>
           </a:p>
           <a:p>
             <a:pPr lvl="1"/>
             <a:r>
-              <a:rPr lang="en-US" smtClean="0"/>
+              <a:rPr lang="en-US"/>
               <a:t>Second level</a:t>
             </a:r>
           </a:p>
           <a:p>
             <a:pPr lvl="2"/>
             <a:r>
-              <a:rPr lang="en-US" smtClean="0"/>
+              <a:rPr lang="en-US"/>
               <a:t>Third level</a:t>
             </a:r>
           </a:p>
           <a:p>
             <a:pPr lvl="3"/>
             <a:r>
-              <a:rPr lang="en-US" smtClean="0"/>
+              <a:rPr lang="en-US"/>
               <a:t>Fourth level</a:t>
             </a:r>
           </a:p>
           <a:p>
             <a:pPr lvl="4"/>
             <a:r>
-              <a:rPr lang="en-US" smtClean="0"/>
+              <a:rPr lang="en-US"/>
               <a:t>Fifth level</a:t>
             </a:r>
-            <a:endParaRPr lang="en-US"/>
           </a:p>
         </p:txBody>
       </p:sp>
@@ -4488,7 +4515,7 @@
           <a:p>
             <a:pPr lvl="0"/>
             <a:r>
-              <a:rPr lang="en-US" smtClean="0"/>
+              <a:rPr lang="en-US"/>
               <a:t>Click to edit Master text styles</a:t>
             </a:r>
           </a:p>
@@ -4512,7 +4539,7 @@
             <a:fld id="{1D8BD707-D9CF-40AE-B4C6-C98DA3205C09}" type="datetimeFigureOut">
               <a:rPr lang="en-US" smtClean="0"/>
               <a:pPr/>
-              <a:t>8/1/2011</a:t>
+              <a:t>4/9/2025</a:t>
             </a:fld>
             <a:endParaRPr lang="en-US"/>
           </a:p>
@@ -4555,7 +4582,7 @@
             <a:fld id="{B6F15528-21DE-4FAA-801E-634DDDAF4B2B}" type="slidenum">
               <a:rPr lang="en-US" smtClean="0"/>
               <a:pPr/>
-              <a:t>‹#›</a:t>
+              <a:t>‹Nº›</a:t>
             </a:fld>
             <a:endParaRPr lang="en-US"/>
           </a:p>
@@ -4611,10 +4638,9 @@
           </a:lstStyle>
           <a:p>
             <a:r>
-              <a:rPr lang="en-US" smtClean="0"/>
+              <a:rPr lang="en-US"/>
               <a:t>Click to edit Master title style</a:t>
             </a:r>
-            <a:endParaRPr lang="en-US"/>
           </a:p>
         </p:txBody>
       </p:sp>
@@ -4738,7 +4764,7 @@
           <a:p>
             <a:pPr lvl="0"/>
             <a:r>
-              <a:rPr lang="en-US" smtClean="0"/>
+              <a:rPr lang="en-US"/>
               <a:t>Click to edit Master text styles</a:t>
             </a:r>
           </a:p>
@@ -4762,7 +4788,7 @@
             <a:fld id="{1D8BD707-D9CF-40AE-B4C6-C98DA3205C09}" type="datetimeFigureOut">
               <a:rPr lang="en-US" smtClean="0"/>
               <a:pPr/>
-              <a:t>8/1/2011</a:t>
+              <a:t>4/9/2025</a:t>
             </a:fld>
             <a:endParaRPr lang="en-US"/>
           </a:p>
@@ -4805,7 +4831,7 @@
             <a:fld id="{B6F15528-21DE-4FAA-801E-634DDDAF4B2B}" type="slidenum">
               <a:rPr lang="en-US" smtClean="0"/>
               <a:pPr/>
-              <a:t>‹#›</a:t>
+              <a:t>‹Nº›</a:t>
             </a:fld>
             <a:endParaRPr lang="en-US"/>
           </a:p>
@@ -4867,10 +4893,9 @@
           <a:lstStyle/>
           <a:p>
             <a:r>
-              <a:rPr lang="en-US" smtClean="0"/>
+              <a:rPr lang="en-US"/>
               <a:t>Click to edit Master title style</a:t>
             </a:r>
-            <a:endParaRPr lang="en-US"/>
           </a:p>
         </p:txBody>
       </p:sp>
@@ -4901,38 +4926,37 @@
           <a:p>
             <a:pPr lvl="0"/>
             <a:r>
-              <a:rPr lang="en-US" smtClean="0"/>
+              <a:rPr lang="en-US"/>
               <a:t>Click to edit Master text styles</a:t>
             </a:r>
           </a:p>
           <a:p>
             <a:pPr lvl="1"/>
             <a:r>
-              <a:rPr lang="en-US" smtClean="0"/>
+              <a:rPr lang="en-US"/>
               <a:t>Second level</a:t>
             </a:r>
           </a:p>
           <a:p>
             <a:pPr lvl="2"/>
             <a:r>
-              <a:rPr lang="en-US" smtClean="0"/>
+              <a:rPr lang="en-US"/>
               <a:t>Third level</a:t>
             </a:r>
           </a:p>
           <a:p>
             <a:pPr lvl="3"/>
             <a:r>
-              <a:rPr lang="en-US" smtClean="0"/>
+              <a:rPr lang="en-US"/>
               <a:t>Fourth level</a:t>
             </a:r>
           </a:p>
           <a:p>
             <a:pPr lvl="4"/>
             <a:r>
-              <a:rPr lang="en-US" smtClean="0"/>
+              <a:rPr lang="en-US"/>
               <a:t>Fifth level</a:t>
             </a:r>
-            <a:endParaRPr lang="en-US"/>
           </a:p>
         </p:txBody>
       </p:sp>
@@ -4972,7 +4996,7 @@
             <a:fld id="{1D8BD707-D9CF-40AE-B4C6-C98DA3205C09}" type="datetimeFigureOut">
               <a:rPr lang="en-US" smtClean="0"/>
               <a:pPr/>
-              <a:t>8/1/2011</a:t>
+              <a:t>4/9/2025</a:t>
             </a:fld>
             <a:endParaRPr lang="en-US"/>
           </a:p>
@@ -5051,7 +5075,7 @@
             <a:fld id="{B6F15528-21DE-4FAA-801E-634DDDAF4B2B}" type="slidenum">
               <a:rPr lang="en-US" smtClean="0"/>
               <a:pPr/>
-              <a:t>‹#›</a:t>
+              <a:t>‹Nº›</a:t>
             </a:fld>
             <a:endParaRPr lang="en-US"/>
           </a:p>
@@ -5327,7 +5351,7 @@
 </file>
 
 <file path=ppt/slides/slide1.xml><?xml version="1.0" encoding="utf-8"?>
-<p:sld xmlns:p="http://schemas.openxmlformats.org/presentationml/2006/main" xmlns:a="http://schemas.openxmlformats.org/drawingml/2006/main" xmlns:r="http://schemas.openxmlformats.org/officeDocument/2006/relationships">
+<p:sld xmlns:a="http://schemas.openxmlformats.org/drawingml/2006/main" xmlns:r="http://schemas.openxmlformats.org/officeDocument/2006/relationships" xmlns:p="http://schemas.openxmlformats.org/presentationml/2006/main">
   <p:cSld>
     <p:spTree>
       <p:nvGrpSpPr>
@@ -5345,12 +5369,12 @@
       </p:grpSpPr>
       <p:sp>
         <p:nvSpPr>
-          <p:cNvPr name="Freeform 2" id="2"/>
+          <p:cNvPr id="2" name="Freeform 2"/>
           <p:cNvSpPr/>
           <p:nvPr/>
         </p:nvSpPr>
         <p:spPr>
-          <a:xfrm flipH="false" flipV="false" rot="0">
+          <a:xfrm>
             <a:off x="-4547072" y="-4741689"/>
             <a:ext cx="8098534" cy="5954130"/>
           </a:xfrm>
@@ -5359,9 +5383,9 @@
             <a:gdLst/>
             <a:ahLst/>
             <a:cxnLst/>
-            <a:rect r="r" b="b" t="t" l="l"/>
+            <a:rect l="l" t="t" r="r" b="b"/>
             <a:pathLst>
-              <a:path h="5954130" w="8098534">
+              <a:path w="8098534" h="5954130">
                 <a:moveTo>
                   <a:pt x="0" y="0"/>
                 </a:moveTo>
@@ -5390,19 +5414,19 @@
               </a:extLst>
             </a:blip>
             <a:stretch>
-              <a:fillRect l="0" t="0" r="0" b="0"/>
+              <a:fillRect/>
             </a:stretch>
           </a:blipFill>
         </p:spPr>
       </p:sp>
       <p:grpSp>
         <p:nvGrpSpPr>
-          <p:cNvPr name="Group 3" id="3"/>
+          <p:cNvPr id="3" name="Group 3"/>
           <p:cNvGrpSpPr/>
           <p:nvPr/>
         </p:nvGrpSpPr>
         <p:grpSpPr>
-          <a:xfrm rot="0">
+          <a:xfrm>
             <a:off x="25624586" y="1745548"/>
             <a:ext cx="289966" cy="544630"/>
             <a:chOff x="0" y="0"/>
@@ -5411,12 +5435,12 @@
         </p:grpSpPr>
         <p:sp>
           <p:nvSpPr>
-            <p:cNvPr name="Freeform 4" id="4"/>
+            <p:cNvPr id="4" name="Freeform 4"/>
             <p:cNvSpPr/>
             <p:nvPr/>
           </p:nvSpPr>
           <p:spPr>
-            <a:xfrm flipH="false" flipV="false" rot="0">
+            <a:xfrm>
               <a:off x="508" y="508"/>
               <a:ext cx="386080" cy="725678"/>
             </a:xfrm>
@@ -5425,9 +5449,9 @@
               <a:gdLst/>
               <a:ahLst/>
               <a:cxnLst/>
-              <a:rect r="r" b="b" t="t" l="l"/>
+              <a:rect l="l" t="t" r="r" b="b"/>
               <a:pathLst>
-                <a:path h="725678" w="386080">
+                <a:path w="386080" h="725678">
                   <a:moveTo>
                     <a:pt x="18288" y="0"/>
                   </a:moveTo>
@@ -5478,12 +5502,12 @@
       </p:grpSp>
       <p:grpSp>
         <p:nvGrpSpPr>
-          <p:cNvPr name="Group 5" id="5"/>
+          <p:cNvPr id="5" name="Group 5"/>
           <p:cNvGrpSpPr/>
           <p:nvPr/>
         </p:nvGrpSpPr>
         <p:grpSpPr>
-          <a:xfrm rot="0">
+          <a:xfrm>
             <a:off x="25269482" y="1968812"/>
             <a:ext cx="331950" cy="452420"/>
             <a:chOff x="0" y="0"/>
@@ -5492,12 +5516,12 @@
         </p:grpSpPr>
         <p:sp>
           <p:nvSpPr>
-            <p:cNvPr name="Freeform 6" id="6"/>
+            <p:cNvPr id="6" name="Freeform 6"/>
             <p:cNvSpPr/>
             <p:nvPr/>
           </p:nvSpPr>
           <p:spPr>
-            <a:xfrm flipH="false" flipV="false" rot="0">
+            <a:xfrm>
               <a:off x="508" y="0"/>
               <a:ext cx="442087" cy="602615"/>
             </a:xfrm>
@@ -5506,9 +5530,9 @@
               <a:gdLst/>
               <a:ahLst/>
               <a:cxnLst/>
-              <a:rect r="r" b="b" t="t" l="l"/>
+              <a:rect l="l" t="t" r="r" b="b"/>
               <a:pathLst>
-                <a:path h="602615" w="442087">
+                <a:path w="442087" h="602615">
                   <a:moveTo>
                     <a:pt x="420116" y="0"/>
                   </a:moveTo>
@@ -5562,12 +5586,12 @@
       </p:grpSp>
       <p:grpSp>
         <p:nvGrpSpPr>
-          <p:cNvPr name="Group 7" id="7"/>
+          <p:cNvPr id="7" name="Group 7"/>
           <p:cNvGrpSpPr/>
           <p:nvPr/>
         </p:nvGrpSpPr>
         <p:grpSpPr>
-          <a:xfrm rot="0">
+          <a:xfrm>
             <a:off x="24713717" y="5284657"/>
             <a:ext cx="242806" cy="116856"/>
             <a:chOff x="0" y="0"/>
@@ -5576,12 +5600,12 @@
         </p:grpSpPr>
         <p:sp>
           <p:nvSpPr>
-            <p:cNvPr name="Freeform 8" id="8"/>
+            <p:cNvPr id="8" name="Freeform 8"/>
             <p:cNvSpPr/>
             <p:nvPr/>
           </p:nvSpPr>
           <p:spPr>
-            <a:xfrm flipH="false" flipV="false" rot="0">
+            <a:xfrm>
               <a:off x="-381" y="-762"/>
               <a:ext cx="325120" cy="156972"/>
             </a:xfrm>
@@ -5590,9 +5614,9 @@
               <a:gdLst/>
               <a:ahLst/>
               <a:cxnLst/>
-              <a:rect r="r" b="b" t="t" l="l"/>
+              <a:rect l="l" t="t" r="r" b="b"/>
               <a:pathLst>
-                <a:path h="156972" w="325120">
+                <a:path w="325120" h="156972">
                   <a:moveTo>
                     <a:pt x="4191" y="144780"/>
                   </a:moveTo>
@@ -5648,12 +5672,12 @@
       </p:grpSp>
       <p:sp>
         <p:nvSpPr>
-          <p:cNvPr name="Freeform 9" id="9"/>
+          <p:cNvPr id="9" name="Freeform 9"/>
           <p:cNvSpPr/>
           <p:nvPr/>
         </p:nvSpPr>
         <p:spPr>
-          <a:xfrm flipH="false" flipV="false" rot="0">
+          <a:xfrm>
             <a:off x="9006983" y="1418113"/>
             <a:ext cx="9281017" cy="8908008"/>
           </a:xfrm>
@@ -5662,9 +5686,9 @@
             <a:gdLst/>
             <a:ahLst/>
             <a:cxnLst/>
-            <a:rect r="r" b="b" t="t" l="l"/>
+            <a:rect l="l" t="t" r="r" b="b"/>
             <a:pathLst>
-              <a:path h="8908008" w="9281017">
+              <a:path w="9281017" h="8908008">
                 <a:moveTo>
                   <a:pt x="0" y="0"/>
                 </a:moveTo>
@@ -5693,19 +5717,19 @@
               </a:extLst>
             </a:blip>
             <a:stretch>
-              <a:fillRect l="0" t="0" r="0" b="0"/>
+              <a:fillRect/>
             </a:stretch>
           </a:blipFill>
         </p:spPr>
       </p:sp>
       <p:grpSp>
         <p:nvGrpSpPr>
-          <p:cNvPr name="Group 10" id="10"/>
+          <p:cNvPr id="10" name="Group 10"/>
           <p:cNvGrpSpPr/>
           <p:nvPr/>
         </p:nvGrpSpPr>
         <p:grpSpPr>
-          <a:xfrm rot="0">
+          <a:xfrm>
             <a:off x="1571100" y="2290178"/>
             <a:ext cx="5662200" cy="544800"/>
             <a:chOff x="0" y="0"/>
@@ -5714,12 +5738,12 @@
         </p:grpSpPr>
         <p:sp>
           <p:nvSpPr>
-            <p:cNvPr name="Freeform 11" id="11"/>
+            <p:cNvPr id="11" name="Freeform 11"/>
             <p:cNvSpPr/>
             <p:nvPr/>
           </p:nvSpPr>
           <p:spPr>
-            <a:xfrm flipH="false" flipV="false" rot="0">
+            <a:xfrm>
               <a:off x="0" y="0"/>
               <a:ext cx="7549642" cy="726440"/>
             </a:xfrm>
@@ -5728,9 +5752,9 @@
               <a:gdLst/>
               <a:ahLst/>
               <a:cxnLst/>
-              <a:rect r="r" b="b" t="t" l="l"/>
+              <a:rect l="l" t="t" r="r" b="b"/>
               <a:pathLst>
-                <a:path h="726440" w="7549642">
+                <a:path w="7549642" h="726440">
                   <a:moveTo>
                     <a:pt x="0" y="363220"/>
                   </a:moveTo>
@@ -5772,12 +5796,12 @@
       </p:grpSp>
       <p:grpSp>
         <p:nvGrpSpPr>
-          <p:cNvPr name="Group 12" id="12"/>
+          <p:cNvPr id="12" name="Group 12"/>
           <p:cNvGrpSpPr/>
           <p:nvPr/>
         </p:nvGrpSpPr>
         <p:grpSpPr>
-          <a:xfrm rot="0">
+          <a:xfrm>
             <a:off x="1308900" y="-992700"/>
             <a:ext cx="14488851" cy="4042800"/>
             <a:chOff x="0" y="0"/>
@@ -5786,12 +5810,12 @@
         </p:grpSpPr>
         <p:sp>
           <p:nvSpPr>
-            <p:cNvPr name="Freeform 13" id="13"/>
+            <p:cNvPr id="13" name="Freeform 13"/>
             <p:cNvSpPr/>
             <p:nvPr/>
           </p:nvSpPr>
           <p:spPr>
-            <a:xfrm flipH="false" flipV="false" rot="0">
+            <a:xfrm>
               <a:off x="0" y="0"/>
               <a:ext cx="19318469" cy="5390400"/>
             </a:xfrm>
@@ -5800,9 +5824,9 @@
               <a:gdLst/>
               <a:ahLst/>
               <a:cxnLst/>
-              <a:rect r="r" b="b" t="t" l="l"/>
+              <a:rect l="l" t="t" r="r" b="b"/>
               <a:pathLst>
-                <a:path h="5390400" w="19318469">
+                <a:path w="19318469" h="5390400">
                   <a:moveTo>
                     <a:pt x="0" y="0"/>
                   </a:moveTo>
@@ -5828,8 +5852,8 @@
         </p:sp>
         <p:sp>
           <p:nvSpPr>
-            <p:cNvPr name="TextBox 14" id="14"/>
-            <p:cNvSpPr txBox="true"/>
+            <p:cNvPr id="14" name="TextBox 14"/>
+            <p:cNvSpPr txBox="1"/>
             <p:nvPr/>
           </p:nvSpPr>
           <p:spPr>
@@ -5842,7 +5866,7 @@
             </a:prstGeom>
           </p:spPr>
           <p:txBody>
-            <a:bodyPr anchor="b" rtlCol="false" tIns="0" lIns="0" bIns="0" rIns="0"/>
+            <a:bodyPr lIns="0" tIns="0" rIns="0" bIns="0" rtlCol="0" anchor="b"/>
             <a:lstStyle/>
             <a:p>
               <a:pPr algn="l">
@@ -5868,12 +5892,12 @@
       </p:grpSp>
       <p:grpSp>
         <p:nvGrpSpPr>
-          <p:cNvPr name="Group 15" id="15"/>
+          <p:cNvPr id="15" name="Group 15"/>
           <p:cNvGrpSpPr/>
           <p:nvPr/>
         </p:nvGrpSpPr>
         <p:grpSpPr>
-          <a:xfrm rot="0">
+          <a:xfrm>
             <a:off x="1308900" y="7811837"/>
             <a:ext cx="5924400" cy="2252777"/>
             <a:chOff x="0" y="0"/>
@@ -5882,12 +5906,12 @@
         </p:grpSpPr>
         <p:sp>
           <p:nvSpPr>
-            <p:cNvPr name="Freeform 16" id="16"/>
+            <p:cNvPr id="16" name="Freeform 16"/>
             <p:cNvSpPr/>
             <p:nvPr/>
           </p:nvSpPr>
           <p:spPr>
-            <a:xfrm flipH="false" flipV="false" rot="0">
+            <a:xfrm>
               <a:off x="0" y="0"/>
               <a:ext cx="7899200" cy="3003703"/>
             </a:xfrm>
@@ -5896,9 +5920,9 @@
               <a:gdLst/>
               <a:ahLst/>
               <a:cxnLst/>
-              <a:rect r="r" b="b" t="t" l="l"/>
+              <a:rect l="l" t="t" r="r" b="b"/>
               <a:pathLst>
-                <a:path h="3003703" w="7899200">
+                <a:path w="7899200" h="3003703">
                   <a:moveTo>
                     <a:pt x="0" y="0"/>
                   </a:moveTo>
@@ -5924,8 +5948,8 @@
         </p:sp>
         <p:sp>
           <p:nvSpPr>
-            <p:cNvPr name="TextBox 17" id="17"/>
-            <p:cNvSpPr txBox="true"/>
+            <p:cNvPr id="17" name="TextBox 17"/>
+            <p:cNvSpPr txBox="1"/>
             <p:nvPr/>
           </p:nvSpPr>
           <p:spPr>
@@ -5938,7 +5962,7 @@
             </a:prstGeom>
           </p:spPr>
           <p:txBody>
-            <a:bodyPr anchor="t" rtlCol="false" tIns="0" lIns="0" bIns="0" rIns="0"/>
+            <a:bodyPr lIns="0" tIns="0" rIns="0" bIns="0" rtlCol="0" anchor="t"/>
             <a:lstStyle/>
             <a:p>
               <a:pPr algn="l">
@@ -5956,19 +5980,7 @@
                   <a:cs typeface="Poppins"/>
                   <a:sym typeface="Poppins"/>
                 </a:rPr>
-                <a:t>Pres</a:t>
-              </a:r>
-              <a:r>
-                <a:rPr lang="en-US" sz="3200" spc="-32">
-                  <a:solidFill>
-                    <a:srgbClr val="263238"/>
-                  </a:solidFill>
-                  <a:latin typeface="Poppins"/>
-                  <a:ea typeface="Poppins"/>
-                  <a:cs typeface="Poppins"/>
-                  <a:sym typeface="Poppins"/>
-                </a:rPr>
-                <a:t>entado por:</a:t>
+                <a:t>Presentado por:</a:t>
               </a:r>
             </a:p>
             <a:p>
@@ -6015,18 +6027,27 @@
                   <a:spcPts val="3840"/>
                 </a:lnSpc>
               </a:pPr>
+              <a:endParaRPr lang="en-US" sz="3200" spc="-32">
+                <a:solidFill>
+                  <a:srgbClr val="263238"/>
+                </a:solidFill>
+                <a:latin typeface="Poppins"/>
+                <a:ea typeface="Poppins"/>
+                <a:cs typeface="Poppins"/>
+                <a:sym typeface="Poppins"/>
+              </a:endParaRPr>
             </a:p>
           </p:txBody>
         </p:sp>
       </p:grpSp>
       <p:sp>
         <p:nvSpPr>
-          <p:cNvPr name="TextBox 18" id="18"/>
-          <p:cNvSpPr txBox="true"/>
+          <p:cNvPr id="18" name="TextBox 18"/>
+          <p:cNvSpPr txBox="1"/>
           <p:nvPr/>
         </p:nvSpPr>
         <p:spPr>
-          <a:xfrm rot="0">
+          <a:xfrm>
             <a:off x="1083357" y="3776617"/>
             <a:ext cx="8060643" cy="2095500"/>
           </a:xfrm>
@@ -6035,7 +6056,7 @@
           </a:prstGeom>
         </p:spPr>
         <p:txBody>
-          <a:bodyPr anchor="t" rtlCol="false" tIns="0" lIns="0" bIns="0" rIns="0">
+          <a:bodyPr lIns="0" tIns="0" rIns="0" bIns="0" rtlCol="0" anchor="t">
             <a:spAutoFit/>
           </a:bodyPr>
           <a:lstStyle/>
@@ -6072,7 +6093,7 @@
 </file>
 
 <file path=ppt/slides/slide2.xml><?xml version="1.0" encoding="utf-8"?>
-<p:sld xmlns:p="http://schemas.openxmlformats.org/presentationml/2006/main" xmlns:a="http://schemas.openxmlformats.org/drawingml/2006/main" xmlns:r="http://schemas.openxmlformats.org/officeDocument/2006/relationships">
+<p:sld xmlns:a="http://schemas.openxmlformats.org/drawingml/2006/main" xmlns:r="http://schemas.openxmlformats.org/officeDocument/2006/relationships" xmlns:p="http://schemas.openxmlformats.org/presentationml/2006/main">
   <p:cSld>
     <p:spTree>
       <p:nvGrpSpPr>
@@ -6090,12 +6111,12 @@
       </p:grpSpPr>
       <p:grpSp>
         <p:nvGrpSpPr>
-          <p:cNvPr name="Group 2" id="2"/>
+          <p:cNvPr id="2" name="Group 2"/>
           <p:cNvGrpSpPr/>
           <p:nvPr/>
         </p:nvGrpSpPr>
         <p:grpSpPr>
-          <a:xfrm rot="0">
+          <a:xfrm>
             <a:off x="1440000" y="1455600"/>
             <a:ext cx="11556000" cy="544800"/>
             <a:chOff x="0" y="0"/>
@@ -6104,12 +6125,12 @@
         </p:grpSpPr>
         <p:sp>
           <p:nvSpPr>
-            <p:cNvPr name="Freeform 3" id="3"/>
+            <p:cNvPr id="3" name="Freeform 3"/>
             <p:cNvSpPr/>
             <p:nvPr/>
           </p:nvSpPr>
           <p:spPr>
-            <a:xfrm flipH="false" flipV="false" rot="0">
+            <a:xfrm>
               <a:off x="0" y="0"/>
               <a:ext cx="15408021" cy="726440"/>
             </a:xfrm>
@@ -6118,9 +6139,9 @@
               <a:gdLst/>
               <a:ahLst/>
               <a:cxnLst/>
-              <a:rect r="r" b="b" t="t" l="l"/>
+              <a:rect l="l" t="t" r="r" b="b"/>
               <a:pathLst>
-                <a:path h="726440" w="15408021">
+                <a:path w="15408021" h="726440">
                   <a:moveTo>
                     <a:pt x="0" y="363220"/>
                   </a:moveTo>
@@ -6162,12 +6183,12 @@
       </p:grpSp>
       <p:sp>
         <p:nvSpPr>
-          <p:cNvPr name="Freeform 4" id="4"/>
+          <p:cNvPr id="4" name="Freeform 4"/>
           <p:cNvSpPr/>
           <p:nvPr/>
         </p:nvSpPr>
         <p:spPr>
-          <a:xfrm flipH="false" flipV="false" rot="0">
+          <a:xfrm>
             <a:off x="14126109" y="-3573451"/>
             <a:ext cx="9693219" cy="8458026"/>
           </a:xfrm>
@@ -6176,9 +6197,9 @@
             <a:gdLst/>
             <a:ahLst/>
             <a:cxnLst/>
-            <a:rect r="r" b="b" t="t" l="l"/>
+            <a:rect l="l" t="t" r="r" b="b"/>
             <a:pathLst>
-              <a:path h="8458026" w="9693219">
+              <a:path w="9693219" h="8458026">
                 <a:moveTo>
                   <a:pt x="0" y="0"/>
                 </a:moveTo>
@@ -6207,19 +6228,19 @@
               </a:extLst>
             </a:blip>
             <a:stretch>
-              <a:fillRect l="0" t="0" r="0" b="0"/>
+              <a:fillRect/>
             </a:stretch>
           </a:blipFill>
         </p:spPr>
       </p:sp>
       <p:sp>
         <p:nvSpPr>
-          <p:cNvPr name="Freeform 5" id="5"/>
+          <p:cNvPr id="5" name="Freeform 5"/>
           <p:cNvSpPr/>
           <p:nvPr/>
         </p:nvSpPr>
         <p:spPr>
-          <a:xfrm flipH="false" flipV="false" rot="0">
+          <a:xfrm>
             <a:off x="-4819443" y="5445865"/>
             <a:ext cx="9727918" cy="10040635"/>
           </a:xfrm>
@@ -6228,9 +6249,9 @@
             <a:gdLst/>
             <a:ahLst/>
             <a:cxnLst/>
-            <a:rect r="r" b="b" t="t" l="l"/>
+            <a:rect l="l" t="t" r="r" b="b"/>
             <a:pathLst>
-              <a:path h="10040635" w="9727918">
+              <a:path w="9727918" h="10040635">
                 <a:moveTo>
                   <a:pt x="0" y="0"/>
                 </a:moveTo>
@@ -6259,19 +6280,19 @@
               </a:extLst>
             </a:blip>
             <a:stretch>
-              <a:fillRect l="0" t="0" r="0" b="0"/>
+              <a:fillRect/>
             </a:stretch>
           </a:blipFill>
         </p:spPr>
       </p:sp>
       <p:grpSp>
         <p:nvGrpSpPr>
-          <p:cNvPr name="Group 6" id="6"/>
+          <p:cNvPr id="6" name="Group 6"/>
           <p:cNvGrpSpPr/>
           <p:nvPr/>
         </p:nvGrpSpPr>
         <p:grpSpPr>
-          <a:xfrm rot="0">
+          <a:xfrm>
             <a:off x="11567692" y="3347046"/>
             <a:ext cx="6620470" cy="742800"/>
             <a:chOff x="0" y="0"/>
@@ -6280,12 +6301,12 @@
         </p:grpSpPr>
         <p:sp>
           <p:nvSpPr>
-            <p:cNvPr name="Freeform 7" id="7"/>
+            <p:cNvPr id="7" name="Freeform 7"/>
             <p:cNvSpPr/>
             <p:nvPr/>
           </p:nvSpPr>
           <p:spPr>
-            <a:xfrm flipH="false" flipV="false" rot="0">
+            <a:xfrm>
               <a:off x="0" y="0"/>
               <a:ext cx="8827293" cy="990400"/>
             </a:xfrm>
@@ -6294,9 +6315,9 @@
               <a:gdLst/>
               <a:ahLst/>
               <a:cxnLst/>
-              <a:rect r="r" b="b" t="t" l="l"/>
+              <a:rect l="l" t="t" r="r" b="b"/>
               <a:pathLst>
-                <a:path h="990400" w="8827293">
+                <a:path w="8827293" h="990400">
                   <a:moveTo>
                     <a:pt x="0" y="0"/>
                   </a:moveTo>
@@ -6322,8 +6343,8 @@
         </p:sp>
         <p:sp>
           <p:nvSpPr>
-            <p:cNvPr name="TextBox 8" id="8"/>
-            <p:cNvSpPr txBox="true"/>
+            <p:cNvPr id="8" name="TextBox 8"/>
+            <p:cNvSpPr txBox="1"/>
             <p:nvPr/>
           </p:nvSpPr>
           <p:spPr>
@@ -6336,7 +6357,7 @@
             </a:prstGeom>
           </p:spPr>
           <p:txBody>
-            <a:bodyPr anchor="t" rtlCol="false" tIns="0" lIns="0" bIns="0" rIns="0"/>
+            <a:bodyPr lIns="0" tIns="0" rIns="0" bIns="0" rtlCol="0" anchor="t"/>
             <a:lstStyle/>
             <a:p>
               <a:pPr algn="l">
@@ -6354,19 +6375,7 @@
                   <a:cs typeface="Poppins"/>
                   <a:sym typeface="Poppins"/>
                 </a:rPr>
-                <a:t>R</a:t>
-              </a:r>
-              <a:r>
-                <a:rPr lang="en-US" sz="2799">
-                  <a:solidFill>
-                    <a:srgbClr val="263238"/>
-                  </a:solidFill>
-                  <a:latin typeface="Poppins"/>
-                  <a:ea typeface="Poppins"/>
-                  <a:cs typeface="Poppins"/>
-                  <a:sym typeface="Poppins"/>
-                </a:rPr>
-                <a:t>equerimientos funcionales</a:t>
+                <a:t>Requerimientos funcionales</a:t>
               </a:r>
             </a:p>
           </p:txBody>
@@ -6374,12 +6383,12 @@
       </p:grpSp>
       <p:grpSp>
         <p:nvGrpSpPr>
-          <p:cNvPr name="Group 9" id="9"/>
+          <p:cNvPr id="9" name="Group 9"/>
           <p:cNvGrpSpPr/>
           <p:nvPr/>
         </p:nvGrpSpPr>
         <p:grpSpPr>
-          <a:xfrm rot="0">
+          <a:xfrm>
             <a:off x="1440000" y="775200"/>
             <a:ext cx="15408000" cy="1225200"/>
             <a:chOff x="0" y="0"/>
@@ -6388,12 +6397,12 @@
         </p:grpSpPr>
         <p:sp>
           <p:nvSpPr>
-            <p:cNvPr name="Freeform 10" id="10"/>
+            <p:cNvPr id="10" name="Freeform 10"/>
             <p:cNvSpPr/>
             <p:nvPr/>
           </p:nvSpPr>
           <p:spPr>
-            <a:xfrm flipH="false" flipV="false" rot="0">
+            <a:xfrm>
               <a:off x="0" y="0"/>
               <a:ext cx="20544000" cy="1633600"/>
             </a:xfrm>
@@ -6402,9 +6411,9 @@
               <a:gdLst/>
               <a:ahLst/>
               <a:cxnLst/>
-              <a:rect r="r" b="b" t="t" l="l"/>
+              <a:rect l="l" t="t" r="r" b="b"/>
               <a:pathLst>
-                <a:path h="1633600" w="20544000">
+                <a:path w="20544000" h="1633600">
                   <a:moveTo>
                     <a:pt x="0" y="0"/>
                   </a:moveTo>
@@ -6430,8 +6439,8 @@
         </p:sp>
         <p:sp>
           <p:nvSpPr>
-            <p:cNvPr name="TextBox 11" id="11"/>
-            <p:cNvSpPr txBox="true"/>
+            <p:cNvPr id="11" name="TextBox 11"/>
+            <p:cNvSpPr txBox="1"/>
             <p:nvPr/>
           </p:nvSpPr>
           <p:spPr>
@@ -6444,7 +6453,7 @@
             </a:prstGeom>
           </p:spPr>
           <p:txBody>
-            <a:bodyPr anchor="t" rtlCol="false" tIns="0" lIns="0" bIns="0" rIns="0"/>
+            <a:bodyPr lIns="0" tIns="0" rIns="0" bIns="0" rtlCol="0" anchor="t"/>
             <a:lstStyle/>
             <a:p>
               <a:pPr algn="l">
@@ -6470,12 +6479,12 @@
       </p:grpSp>
       <p:grpSp>
         <p:nvGrpSpPr>
-          <p:cNvPr name="Group 12" id="12"/>
+          <p:cNvPr id="12" name="Group 12"/>
           <p:cNvGrpSpPr/>
           <p:nvPr/>
         </p:nvGrpSpPr>
         <p:grpSpPr>
-          <a:xfrm rot="0">
+          <a:xfrm>
             <a:off x="3519750" y="3277477"/>
             <a:ext cx="5365200" cy="742800"/>
             <a:chOff x="0" y="0"/>
@@ -6484,12 +6493,12 @@
         </p:grpSpPr>
         <p:sp>
           <p:nvSpPr>
-            <p:cNvPr name="Freeform 13" id="13"/>
+            <p:cNvPr id="13" name="Freeform 13"/>
             <p:cNvSpPr/>
             <p:nvPr/>
           </p:nvSpPr>
           <p:spPr>
-            <a:xfrm flipH="false" flipV="false" rot="0">
+            <a:xfrm>
               <a:off x="0" y="0"/>
               <a:ext cx="7153600" cy="990400"/>
             </a:xfrm>
@@ -6498,9 +6507,9 @@
               <a:gdLst/>
               <a:ahLst/>
               <a:cxnLst/>
-              <a:rect r="r" b="b" t="t" l="l"/>
+              <a:rect l="l" t="t" r="r" b="b"/>
               <a:pathLst>
-                <a:path h="990400" w="7153600">
+                <a:path w="7153600" h="990400">
                   <a:moveTo>
                     <a:pt x="0" y="0"/>
                   </a:moveTo>
@@ -6526,8 +6535,8 @@
         </p:sp>
         <p:sp>
           <p:nvSpPr>
-            <p:cNvPr name="TextBox 14" id="14"/>
-            <p:cNvSpPr txBox="true"/>
+            <p:cNvPr id="14" name="TextBox 14"/>
+            <p:cNvSpPr txBox="1"/>
             <p:nvPr/>
           </p:nvSpPr>
           <p:spPr>
@@ -6540,7 +6549,7 @@
             </a:prstGeom>
           </p:spPr>
           <p:txBody>
-            <a:bodyPr anchor="t" rtlCol="false" tIns="0" lIns="0" bIns="0" rIns="0"/>
+            <a:bodyPr lIns="0" tIns="0" rIns="0" bIns="0" rtlCol="0" anchor="t"/>
             <a:lstStyle/>
             <a:p>
               <a:pPr algn="l">
@@ -6566,12 +6575,12 @@
       </p:grpSp>
       <p:grpSp>
         <p:nvGrpSpPr>
-          <p:cNvPr name="Group 15" id="15"/>
+          <p:cNvPr id="15" name="Group 15"/>
           <p:cNvGrpSpPr/>
           <p:nvPr/>
         </p:nvGrpSpPr>
         <p:grpSpPr>
-          <a:xfrm rot="0">
+          <a:xfrm>
             <a:off x="1440000" y="2917325"/>
             <a:ext cx="1967250" cy="1967250"/>
             <a:chOff x="0" y="0"/>
@@ -6580,12 +6589,12 @@
         </p:grpSpPr>
         <p:grpSp>
           <p:nvGrpSpPr>
-            <p:cNvPr name="Group 16" id="16"/>
+            <p:cNvPr id="16" name="Group 16"/>
             <p:cNvGrpSpPr/>
             <p:nvPr/>
           </p:nvGrpSpPr>
           <p:grpSpPr>
-            <a:xfrm rot="0">
+            <a:xfrm>
               <a:off x="0" y="0"/>
               <a:ext cx="2623000" cy="2623000"/>
               <a:chOff x="0" y="0"/>
@@ -6594,12 +6603,12 @@
           </p:grpSpPr>
           <p:sp>
             <p:nvSpPr>
-              <p:cNvPr name="Freeform 17" id="17"/>
+              <p:cNvPr id="17" name="Freeform 17"/>
               <p:cNvSpPr/>
               <p:nvPr/>
             </p:nvSpPr>
             <p:spPr>
-              <a:xfrm flipH="false" flipV="false" rot="0">
+              <a:xfrm>
                 <a:off x="0" y="0"/>
                 <a:ext cx="2623058" cy="2623058"/>
               </a:xfrm>
@@ -6608,9 +6617,9 @@
                 <a:gdLst/>
                 <a:ahLst/>
                 <a:cxnLst/>
-                <a:rect r="r" b="b" t="t" l="l"/>
+                <a:rect l="l" t="t" r="r" b="b"/>
                 <a:pathLst>
-                  <a:path h="2623058" w="2623058">
+                  <a:path w="2623058" h="2623058">
                     <a:moveTo>
                       <a:pt x="0" y="1311529"/>
                     </a:moveTo>
@@ -6725,12 +6734,12 @@
         </p:grpSp>
         <p:grpSp>
           <p:nvGrpSpPr>
-            <p:cNvPr name="Group 18" id="18"/>
+            <p:cNvPr id="18" name="Group 18"/>
             <p:cNvGrpSpPr/>
             <p:nvPr/>
           </p:nvGrpSpPr>
           <p:grpSpPr>
-            <a:xfrm rot="0">
+            <a:xfrm>
               <a:off x="130281" y="371892"/>
               <a:ext cx="2362400" cy="1879200"/>
               <a:chOff x="0" y="0"/>
@@ -6739,12 +6748,12 @@
           </p:grpSpPr>
           <p:sp>
             <p:nvSpPr>
-              <p:cNvPr name="Freeform 19" id="19"/>
+              <p:cNvPr id="19" name="Freeform 19"/>
               <p:cNvSpPr/>
               <p:nvPr/>
             </p:nvSpPr>
             <p:spPr>
-              <a:xfrm flipH="false" flipV="false" rot="0">
+              <a:xfrm>
                 <a:off x="0" y="0"/>
                 <a:ext cx="2362400" cy="1879200"/>
               </a:xfrm>
@@ -6753,9 +6762,9 @@
                 <a:gdLst/>
                 <a:ahLst/>
                 <a:cxnLst/>
-                <a:rect r="r" b="b" t="t" l="l"/>
+                <a:rect l="l" t="t" r="r" b="b"/>
                 <a:pathLst>
-                  <a:path h="1879200" w="2362400">
+                  <a:path w="2362400" h="1879200">
                     <a:moveTo>
                       <a:pt x="0" y="0"/>
                     </a:moveTo>
@@ -6781,8 +6790,8 @@
           </p:sp>
           <p:sp>
             <p:nvSpPr>
-              <p:cNvPr name="TextBox 20" id="20"/>
-              <p:cNvSpPr txBox="true"/>
+              <p:cNvPr id="20" name="TextBox 20"/>
+              <p:cNvSpPr txBox="1"/>
               <p:nvPr/>
             </p:nvSpPr>
             <p:spPr>
@@ -6795,7 +6804,7 @@
               </a:prstGeom>
             </p:spPr>
             <p:txBody>
-              <a:bodyPr anchor="ctr" rtlCol="false" tIns="0" lIns="0" bIns="0" rIns="0"/>
+              <a:bodyPr lIns="0" tIns="0" rIns="0" bIns="0" rtlCol="0" anchor="ctr"/>
               <a:lstStyle/>
               <a:p>
                 <a:pPr algn="ctr">
@@ -6822,12 +6831,12 @@
       </p:grpSp>
       <p:grpSp>
         <p:nvGrpSpPr>
-          <p:cNvPr name="Group 21" id="21"/>
+          <p:cNvPr id="21" name="Group 21"/>
           <p:cNvGrpSpPr/>
           <p:nvPr/>
         </p:nvGrpSpPr>
         <p:grpSpPr>
-          <a:xfrm rot="0">
+          <a:xfrm>
             <a:off x="1440000" y="5142625"/>
             <a:ext cx="1967250" cy="1967250"/>
             <a:chOff x="0" y="0"/>
@@ -6836,12 +6845,12 @@
         </p:grpSpPr>
         <p:grpSp>
           <p:nvGrpSpPr>
-            <p:cNvPr name="Group 22" id="22"/>
+            <p:cNvPr id="22" name="Group 22"/>
             <p:cNvGrpSpPr/>
             <p:nvPr/>
           </p:nvGrpSpPr>
           <p:grpSpPr>
-            <a:xfrm rot="0">
+            <a:xfrm>
               <a:off x="0" y="0"/>
               <a:ext cx="2623000" cy="2623000"/>
               <a:chOff x="0" y="0"/>
@@ -6850,12 +6859,12 @@
           </p:grpSpPr>
           <p:sp>
             <p:nvSpPr>
-              <p:cNvPr name="Freeform 23" id="23"/>
+              <p:cNvPr id="23" name="Freeform 23"/>
               <p:cNvSpPr/>
               <p:nvPr/>
             </p:nvSpPr>
             <p:spPr>
-              <a:xfrm flipH="false" flipV="false" rot="0">
+              <a:xfrm>
                 <a:off x="0" y="0"/>
                 <a:ext cx="2623058" cy="2623058"/>
               </a:xfrm>
@@ -6864,9 +6873,9 @@
                 <a:gdLst/>
                 <a:ahLst/>
                 <a:cxnLst/>
-                <a:rect r="r" b="b" t="t" l="l"/>
+                <a:rect l="l" t="t" r="r" b="b"/>
                 <a:pathLst>
-                  <a:path h="2623058" w="2623058">
+                  <a:path w="2623058" h="2623058">
                     <a:moveTo>
                       <a:pt x="0" y="1311529"/>
                     </a:moveTo>
@@ -6981,12 +6990,12 @@
         </p:grpSp>
         <p:grpSp>
           <p:nvGrpSpPr>
-            <p:cNvPr name="Group 24" id="24"/>
+            <p:cNvPr id="24" name="Group 24"/>
             <p:cNvGrpSpPr/>
             <p:nvPr/>
           </p:nvGrpSpPr>
           <p:grpSpPr>
-            <a:xfrm rot="0">
+            <a:xfrm>
               <a:off x="130300" y="371892"/>
               <a:ext cx="2362400" cy="1879200"/>
               <a:chOff x="0" y="0"/>
@@ -6995,12 +7004,12 @@
           </p:grpSpPr>
           <p:sp>
             <p:nvSpPr>
-              <p:cNvPr name="Freeform 25" id="25"/>
+              <p:cNvPr id="25" name="Freeform 25"/>
               <p:cNvSpPr/>
               <p:nvPr/>
             </p:nvSpPr>
             <p:spPr>
-              <a:xfrm flipH="false" flipV="false" rot="0">
+              <a:xfrm>
                 <a:off x="0" y="0"/>
                 <a:ext cx="2362400" cy="1879200"/>
               </a:xfrm>
@@ -7009,9 +7018,9 @@
                 <a:gdLst/>
                 <a:ahLst/>
                 <a:cxnLst/>
-                <a:rect r="r" b="b" t="t" l="l"/>
+                <a:rect l="l" t="t" r="r" b="b"/>
                 <a:pathLst>
-                  <a:path h="1879200" w="2362400">
+                  <a:path w="2362400" h="1879200">
                     <a:moveTo>
                       <a:pt x="0" y="0"/>
                     </a:moveTo>
@@ -7037,8 +7046,8 @@
           </p:sp>
           <p:sp>
             <p:nvSpPr>
-              <p:cNvPr name="TextBox 26" id="26"/>
-              <p:cNvSpPr txBox="true"/>
+              <p:cNvPr id="26" name="TextBox 26"/>
+              <p:cNvSpPr txBox="1"/>
               <p:nvPr/>
             </p:nvSpPr>
             <p:spPr>
@@ -7051,7 +7060,7 @@
               </a:prstGeom>
             </p:spPr>
             <p:txBody>
-              <a:bodyPr anchor="ctr" rtlCol="false" tIns="0" lIns="0" bIns="0" rIns="0"/>
+              <a:bodyPr lIns="0" tIns="0" rIns="0" bIns="0" rtlCol="0" anchor="ctr"/>
               <a:lstStyle/>
               <a:p>
                 <a:pPr algn="ctr">
@@ -7078,12 +7087,12 @@
       </p:grpSp>
       <p:grpSp>
         <p:nvGrpSpPr>
-          <p:cNvPr name="Group 27" id="27"/>
+          <p:cNvPr id="27" name="Group 27"/>
           <p:cNvGrpSpPr/>
           <p:nvPr/>
         </p:nvGrpSpPr>
         <p:grpSpPr>
-          <a:xfrm rot="0">
+          <a:xfrm>
             <a:off x="3529253" y="5680594"/>
             <a:ext cx="7263413" cy="742800"/>
             <a:chOff x="0" y="0"/>
@@ -7092,12 +7101,12 @@
         </p:grpSpPr>
         <p:sp>
           <p:nvSpPr>
-            <p:cNvPr name="Freeform 28" id="28"/>
+            <p:cNvPr id="28" name="Freeform 28"/>
             <p:cNvSpPr/>
             <p:nvPr/>
           </p:nvSpPr>
           <p:spPr>
-            <a:xfrm flipH="false" flipV="false" rot="0">
+            <a:xfrm>
               <a:off x="0" y="0"/>
               <a:ext cx="9684551" cy="990400"/>
             </a:xfrm>
@@ -7106,9 +7115,9 @@
               <a:gdLst/>
               <a:ahLst/>
               <a:cxnLst/>
-              <a:rect r="r" b="b" t="t" l="l"/>
+              <a:rect l="l" t="t" r="r" b="b"/>
               <a:pathLst>
-                <a:path h="990400" w="9684551">
+                <a:path w="9684551" h="990400">
                   <a:moveTo>
                     <a:pt x="0" y="0"/>
                   </a:moveTo>
@@ -7134,8 +7143,8 @@
         </p:sp>
         <p:sp>
           <p:nvSpPr>
-            <p:cNvPr name="TextBox 29" id="29"/>
-            <p:cNvSpPr txBox="true"/>
+            <p:cNvPr id="29" name="TextBox 29"/>
+            <p:cNvSpPr txBox="1"/>
             <p:nvPr/>
           </p:nvSpPr>
           <p:spPr>
@@ -7148,7 +7157,7 @@
             </a:prstGeom>
           </p:spPr>
           <p:txBody>
-            <a:bodyPr anchor="t" rtlCol="false" tIns="0" lIns="0" bIns="0" rIns="0"/>
+            <a:bodyPr lIns="0" tIns="0" rIns="0" bIns="0" rtlCol="0" anchor="t"/>
             <a:lstStyle/>
             <a:p>
               <a:pPr algn="l">
@@ -7166,19 +7175,7 @@
                   <a:cs typeface="Poppins"/>
                   <a:sym typeface="Poppins"/>
                 </a:rPr>
-                <a:t>Requerimientos no func</a:t>
-              </a:r>
-              <a:r>
-                <a:rPr lang="en-US" sz="2799">
-                  <a:solidFill>
-                    <a:srgbClr val="263238"/>
-                  </a:solidFill>
-                  <a:latin typeface="Poppins"/>
-                  <a:ea typeface="Poppins"/>
-                  <a:cs typeface="Poppins"/>
-                  <a:sym typeface="Poppins"/>
-                </a:rPr>
-                <a:t>ionales</a:t>
+                <a:t>Requerimientos no funcionales</a:t>
               </a:r>
             </a:p>
           </p:txBody>
@@ -7186,12 +7183,12 @@
       </p:grpSp>
       <p:grpSp>
         <p:nvGrpSpPr>
-          <p:cNvPr name="Group 30" id="30"/>
+          <p:cNvPr id="30" name="Group 30"/>
           <p:cNvGrpSpPr/>
           <p:nvPr/>
         </p:nvGrpSpPr>
         <p:grpSpPr>
-          <a:xfrm rot="0">
+          <a:xfrm>
             <a:off x="9396093" y="5071605"/>
             <a:ext cx="1967250" cy="1967250"/>
             <a:chOff x="0" y="0"/>
@@ -7200,12 +7197,12 @@
         </p:grpSpPr>
         <p:grpSp>
           <p:nvGrpSpPr>
-            <p:cNvPr name="Group 31" id="31"/>
+            <p:cNvPr id="31" name="Group 31"/>
             <p:cNvGrpSpPr/>
             <p:nvPr/>
           </p:nvGrpSpPr>
           <p:grpSpPr>
-            <a:xfrm rot="0">
+            <a:xfrm>
               <a:off x="0" y="0"/>
               <a:ext cx="2623000" cy="2623000"/>
               <a:chOff x="0" y="0"/>
@@ -7214,12 +7211,12 @@
           </p:grpSpPr>
           <p:sp>
             <p:nvSpPr>
-              <p:cNvPr name="Freeform 32" id="32"/>
+              <p:cNvPr id="32" name="Freeform 32"/>
               <p:cNvSpPr/>
               <p:nvPr/>
             </p:nvSpPr>
             <p:spPr>
-              <a:xfrm flipH="false" flipV="false" rot="0">
+              <a:xfrm>
                 <a:off x="0" y="0"/>
                 <a:ext cx="2623058" cy="2623058"/>
               </a:xfrm>
@@ -7228,9 +7225,9 @@
                 <a:gdLst/>
                 <a:ahLst/>
                 <a:cxnLst/>
-                <a:rect r="r" b="b" t="t" l="l"/>
+                <a:rect l="l" t="t" r="r" b="b"/>
                 <a:pathLst>
-                  <a:path h="2623058" w="2623058">
+                  <a:path w="2623058" h="2623058">
                     <a:moveTo>
                       <a:pt x="0" y="1311529"/>
                     </a:moveTo>
@@ -7345,12 +7342,12 @@
         </p:grpSp>
         <p:grpSp>
           <p:nvGrpSpPr>
-            <p:cNvPr name="Group 33" id="33"/>
+            <p:cNvPr id="33" name="Group 33"/>
             <p:cNvGrpSpPr/>
             <p:nvPr/>
           </p:nvGrpSpPr>
           <p:grpSpPr>
-            <a:xfrm rot="0">
+            <a:xfrm>
               <a:off x="130300" y="371892"/>
               <a:ext cx="2362400" cy="1879200"/>
               <a:chOff x="0" y="0"/>
@@ -7359,12 +7356,12 @@
           </p:grpSpPr>
           <p:sp>
             <p:nvSpPr>
-              <p:cNvPr name="Freeform 34" id="34"/>
+              <p:cNvPr id="34" name="Freeform 34"/>
               <p:cNvSpPr/>
               <p:nvPr/>
             </p:nvSpPr>
             <p:spPr>
-              <a:xfrm flipH="false" flipV="false" rot="0">
+              <a:xfrm>
                 <a:off x="0" y="0"/>
                 <a:ext cx="2362400" cy="1879200"/>
               </a:xfrm>
@@ -7373,9 +7370,9 @@
                 <a:gdLst/>
                 <a:ahLst/>
                 <a:cxnLst/>
-                <a:rect r="r" b="b" t="t" l="l"/>
+                <a:rect l="l" t="t" r="r" b="b"/>
                 <a:pathLst>
-                  <a:path h="1879200" w="2362400">
+                  <a:path w="2362400" h="1879200">
                     <a:moveTo>
                       <a:pt x="0" y="0"/>
                     </a:moveTo>
@@ -7401,8 +7398,8 @@
           </p:sp>
           <p:sp>
             <p:nvSpPr>
-              <p:cNvPr name="TextBox 35" id="35"/>
-              <p:cNvSpPr txBox="true"/>
+              <p:cNvPr id="35" name="TextBox 35"/>
+              <p:cNvSpPr txBox="1"/>
               <p:nvPr/>
             </p:nvSpPr>
             <p:spPr>
@@ -7415,7 +7412,7 @@
               </a:prstGeom>
             </p:spPr>
             <p:txBody>
-              <a:bodyPr anchor="ctr" rtlCol="false" tIns="0" lIns="0" bIns="0" rIns="0"/>
+              <a:bodyPr lIns="0" tIns="0" rIns="0" bIns="0" rtlCol="0" anchor="ctr"/>
               <a:lstStyle/>
               <a:p>
                 <a:pPr algn="ctr">
@@ -7442,12 +7439,12 @@
       </p:grpSp>
       <p:grpSp>
         <p:nvGrpSpPr>
-          <p:cNvPr name="Group 36" id="36"/>
+          <p:cNvPr id="36" name="Group 36"/>
           <p:cNvGrpSpPr/>
           <p:nvPr/>
         </p:nvGrpSpPr>
         <p:grpSpPr>
-          <a:xfrm rot="0">
+          <a:xfrm>
             <a:off x="11563368" y="5585003"/>
             <a:ext cx="5365200" cy="742800"/>
             <a:chOff x="0" y="0"/>
@@ -7456,12 +7453,12 @@
         </p:grpSpPr>
         <p:sp>
           <p:nvSpPr>
-            <p:cNvPr name="Freeform 37" id="37"/>
+            <p:cNvPr id="37" name="Freeform 37"/>
             <p:cNvSpPr/>
             <p:nvPr/>
           </p:nvSpPr>
           <p:spPr>
-            <a:xfrm flipH="false" flipV="false" rot="0">
+            <a:xfrm>
               <a:off x="0" y="0"/>
               <a:ext cx="7153600" cy="990400"/>
             </a:xfrm>
@@ -7470,9 +7467,9 @@
               <a:gdLst/>
               <a:ahLst/>
               <a:cxnLst/>
-              <a:rect r="r" b="b" t="t" l="l"/>
+              <a:rect l="l" t="t" r="r" b="b"/>
               <a:pathLst>
-                <a:path h="990400" w="7153600">
+                <a:path w="7153600" h="990400">
                   <a:moveTo>
                     <a:pt x="0" y="0"/>
                   </a:moveTo>
@@ -7498,8 +7495,8 @@
         </p:sp>
         <p:sp>
           <p:nvSpPr>
-            <p:cNvPr name="TextBox 38" id="38"/>
-            <p:cNvSpPr txBox="true"/>
+            <p:cNvPr id="38" name="TextBox 38"/>
+            <p:cNvSpPr txBox="1"/>
             <p:nvPr/>
           </p:nvSpPr>
           <p:spPr>
@@ -7512,7 +7509,7 @@
             </a:prstGeom>
           </p:spPr>
           <p:txBody>
-            <a:bodyPr anchor="t" rtlCol="false" tIns="0" lIns="0" bIns="0" rIns="0"/>
+            <a:bodyPr lIns="0" tIns="0" rIns="0" bIns="0" rtlCol="0" anchor="t"/>
             <a:lstStyle/>
             <a:p>
               <a:pPr algn="l">
@@ -7538,12 +7535,12 @@
       </p:grpSp>
       <p:grpSp>
         <p:nvGrpSpPr>
-          <p:cNvPr name="Group 39" id="39"/>
+          <p:cNvPr id="39" name="Group 39"/>
           <p:cNvGrpSpPr/>
           <p:nvPr/>
         </p:nvGrpSpPr>
         <p:grpSpPr>
-          <a:xfrm rot="0">
+          <a:xfrm>
             <a:off x="9396093" y="2809076"/>
             <a:ext cx="1967250" cy="1967250"/>
             <a:chOff x="0" y="0"/>
@@ -7552,12 +7549,12 @@
         </p:grpSpPr>
         <p:grpSp>
           <p:nvGrpSpPr>
-            <p:cNvPr name="Group 40" id="40"/>
+            <p:cNvPr id="40" name="Group 40"/>
             <p:cNvGrpSpPr/>
             <p:nvPr/>
           </p:nvGrpSpPr>
           <p:grpSpPr>
-            <a:xfrm rot="0">
+            <a:xfrm>
               <a:off x="0" y="0"/>
               <a:ext cx="2623000" cy="2623000"/>
               <a:chOff x="0" y="0"/>
@@ -7566,12 +7563,12 @@
           </p:grpSpPr>
           <p:sp>
             <p:nvSpPr>
-              <p:cNvPr name="Freeform 41" id="41"/>
+              <p:cNvPr id="41" name="Freeform 41"/>
               <p:cNvSpPr/>
               <p:nvPr/>
             </p:nvSpPr>
             <p:spPr>
-              <a:xfrm flipH="false" flipV="false" rot="0">
+              <a:xfrm>
                 <a:off x="0" y="0"/>
                 <a:ext cx="2623058" cy="2623058"/>
               </a:xfrm>
@@ -7580,9 +7577,9 @@
                 <a:gdLst/>
                 <a:ahLst/>
                 <a:cxnLst/>
-                <a:rect r="r" b="b" t="t" l="l"/>
+                <a:rect l="l" t="t" r="r" b="b"/>
                 <a:pathLst>
-                  <a:path h="2623058" w="2623058">
+                  <a:path w="2623058" h="2623058">
                     <a:moveTo>
                       <a:pt x="0" y="1311529"/>
                     </a:moveTo>
@@ -7697,12 +7694,12 @@
         </p:grpSp>
         <p:grpSp>
           <p:nvGrpSpPr>
-            <p:cNvPr name="Group 42" id="42"/>
+            <p:cNvPr id="42" name="Group 42"/>
             <p:cNvGrpSpPr/>
             <p:nvPr/>
           </p:nvGrpSpPr>
           <p:grpSpPr>
-            <a:xfrm rot="0">
+            <a:xfrm>
               <a:off x="130281" y="371892"/>
               <a:ext cx="2362400" cy="1879200"/>
               <a:chOff x="0" y="0"/>
@@ -7711,12 +7708,12 @@
           </p:grpSpPr>
           <p:sp>
             <p:nvSpPr>
-              <p:cNvPr name="Freeform 43" id="43"/>
+              <p:cNvPr id="43" name="Freeform 43"/>
               <p:cNvSpPr/>
               <p:nvPr/>
             </p:nvSpPr>
             <p:spPr>
-              <a:xfrm flipH="false" flipV="false" rot="0">
+              <a:xfrm>
                 <a:off x="0" y="0"/>
                 <a:ext cx="2362400" cy="1879200"/>
               </a:xfrm>
@@ -7725,9 +7722,9 @@
                 <a:gdLst/>
                 <a:ahLst/>
                 <a:cxnLst/>
-                <a:rect r="r" b="b" t="t" l="l"/>
+                <a:rect l="l" t="t" r="r" b="b"/>
                 <a:pathLst>
-                  <a:path h="1879200" w="2362400">
+                  <a:path w="2362400" h="1879200">
                     <a:moveTo>
                       <a:pt x="0" y="0"/>
                     </a:moveTo>
@@ -7753,8 +7750,8 @@
           </p:sp>
           <p:sp>
             <p:nvSpPr>
-              <p:cNvPr name="TextBox 44" id="44"/>
-              <p:cNvSpPr txBox="true"/>
+              <p:cNvPr id="44" name="TextBox 44"/>
+              <p:cNvSpPr txBox="1"/>
               <p:nvPr/>
             </p:nvSpPr>
             <p:spPr>
@@ -7767,7 +7764,7 @@
               </a:prstGeom>
             </p:spPr>
             <p:txBody>
-              <a:bodyPr anchor="ctr" rtlCol="false" tIns="0" lIns="0" bIns="0" rIns="0"/>
+              <a:bodyPr lIns="0" tIns="0" rIns="0" bIns="0" rtlCol="0" anchor="ctr"/>
               <a:lstStyle/>
               <a:p>
                 <a:pPr algn="ctr">
@@ -7794,12 +7791,12 @@
       </p:grpSp>
       <p:grpSp>
         <p:nvGrpSpPr>
-          <p:cNvPr name="Group 45" id="45"/>
+          <p:cNvPr id="45" name="Group 45"/>
           <p:cNvGrpSpPr/>
           <p:nvPr/>
         </p:nvGrpSpPr>
         <p:grpSpPr>
-          <a:xfrm rot="0">
+          <a:xfrm>
             <a:off x="1440000" y="7367925"/>
             <a:ext cx="1967250" cy="1967250"/>
             <a:chOff x="0" y="0"/>
@@ -7808,12 +7805,12 @@
         </p:grpSpPr>
         <p:sp>
           <p:nvSpPr>
-            <p:cNvPr name="Freeform 46" id="46"/>
+            <p:cNvPr id="46" name="Freeform 46"/>
             <p:cNvSpPr/>
             <p:nvPr/>
           </p:nvSpPr>
           <p:spPr>
-            <a:xfrm flipH="false" flipV="false" rot="0">
+            <a:xfrm>
               <a:off x="0" y="0"/>
               <a:ext cx="2623058" cy="2623058"/>
             </a:xfrm>
@@ -7822,9 +7819,9 @@
               <a:gdLst/>
               <a:ahLst/>
               <a:cxnLst/>
-              <a:rect r="r" b="b" t="t" l="l"/>
+              <a:rect l="l" t="t" r="r" b="b"/>
               <a:pathLst>
-                <a:path h="2623058" w="2623058">
+                <a:path w="2623058" h="2623058">
                   <a:moveTo>
                     <a:pt x="0" y="1311529"/>
                   </a:moveTo>
@@ -7939,12 +7936,12 @@
       </p:grpSp>
       <p:grpSp>
         <p:nvGrpSpPr>
-          <p:cNvPr name="Group 47" id="47"/>
+          <p:cNvPr id="47" name="Group 47"/>
           <p:cNvGrpSpPr/>
           <p:nvPr/>
         </p:nvGrpSpPr>
         <p:grpSpPr>
-          <a:xfrm rot="0">
+          <a:xfrm>
             <a:off x="1537725" y="7110750"/>
             <a:ext cx="1771800" cy="3843680"/>
             <a:chOff x="0" y="0"/>
@@ -7953,12 +7950,12 @@
         </p:grpSpPr>
         <p:sp>
           <p:nvSpPr>
-            <p:cNvPr name="Freeform 48" id="48"/>
+            <p:cNvPr id="48" name="Freeform 48"/>
             <p:cNvSpPr/>
             <p:nvPr/>
           </p:nvSpPr>
           <p:spPr>
-            <a:xfrm flipH="false" flipV="false" rot="0">
+            <a:xfrm>
               <a:off x="0" y="0"/>
               <a:ext cx="2362400" cy="5124907"/>
             </a:xfrm>
@@ -7967,9 +7964,9 @@
               <a:gdLst/>
               <a:ahLst/>
               <a:cxnLst/>
-              <a:rect r="r" b="b" t="t" l="l"/>
+              <a:rect l="l" t="t" r="r" b="b"/>
               <a:pathLst>
-                <a:path h="5124907" w="2362400">
+                <a:path w="2362400" h="5124907">
                   <a:moveTo>
                     <a:pt x="0" y="0"/>
                   </a:moveTo>
@@ -7995,8 +7992,8 @@
         </p:sp>
         <p:sp>
           <p:nvSpPr>
-            <p:cNvPr name="TextBox 49" id="49"/>
-            <p:cNvSpPr txBox="true"/>
+            <p:cNvPr id="49" name="TextBox 49"/>
+            <p:cNvSpPr txBox="1"/>
             <p:nvPr/>
           </p:nvSpPr>
           <p:spPr>
@@ -8009,7 +8006,7 @@
             </a:prstGeom>
           </p:spPr>
           <p:txBody>
-            <a:bodyPr anchor="ctr" rtlCol="false" tIns="0" lIns="0" bIns="0" rIns="0"/>
+            <a:bodyPr lIns="0" tIns="0" rIns="0" bIns="0" rtlCol="0" anchor="ctr"/>
             <a:lstStyle/>
             <a:p>
               <a:pPr algn="ctr">
@@ -8036,18 +8033,27 @@
                   <a:spcPts val="11519"/>
                 </a:lnSpc>
               </a:pPr>
+              <a:endParaRPr lang="en-US" sz="9600">
+                <a:solidFill>
+                  <a:srgbClr val="80ED99"/>
+                </a:solidFill>
+                <a:latin typeface="Poppins"/>
+                <a:ea typeface="Poppins"/>
+                <a:cs typeface="Poppins"/>
+                <a:sym typeface="Poppins"/>
+              </a:endParaRPr>
             </a:p>
           </p:txBody>
         </p:sp>
       </p:grpSp>
       <p:grpSp>
         <p:nvGrpSpPr>
-          <p:cNvPr name="Group 50" id="50"/>
+          <p:cNvPr id="50" name="Group 50"/>
           <p:cNvGrpSpPr/>
           <p:nvPr/>
         </p:nvGrpSpPr>
         <p:grpSpPr>
-          <a:xfrm rot="0">
+          <a:xfrm>
             <a:off x="3611599" y="7977789"/>
             <a:ext cx="6620470" cy="742800"/>
             <a:chOff x="0" y="0"/>
@@ -8056,12 +8062,12 @@
         </p:grpSpPr>
         <p:sp>
           <p:nvSpPr>
-            <p:cNvPr name="Freeform 51" id="51"/>
+            <p:cNvPr id="51" name="Freeform 51"/>
             <p:cNvSpPr/>
             <p:nvPr/>
           </p:nvSpPr>
           <p:spPr>
-            <a:xfrm flipH="false" flipV="false" rot="0">
+            <a:xfrm>
               <a:off x="0" y="0"/>
               <a:ext cx="8827293" cy="990400"/>
             </a:xfrm>
@@ -8070,9 +8076,9 @@
               <a:gdLst/>
               <a:ahLst/>
               <a:cxnLst/>
-              <a:rect r="r" b="b" t="t" l="l"/>
+              <a:rect l="l" t="t" r="r" b="b"/>
               <a:pathLst>
-                <a:path h="990400" w="8827293">
+                <a:path w="8827293" h="990400">
                   <a:moveTo>
                     <a:pt x="0" y="0"/>
                   </a:moveTo>
@@ -8098,8 +8104,8 @@
         </p:sp>
         <p:sp>
           <p:nvSpPr>
-            <p:cNvPr name="TextBox 52" id="52"/>
-            <p:cNvSpPr txBox="true"/>
+            <p:cNvPr id="52" name="TextBox 52"/>
+            <p:cNvSpPr txBox="1"/>
             <p:nvPr/>
           </p:nvSpPr>
           <p:spPr>
@@ -8112,7 +8118,7 @@
             </a:prstGeom>
           </p:spPr>
           <p:txBody>
-            <a:bodyPr anchor="t" rtlCol="false" tIns="0" lIns="0" bIns="0" rIns="0"/>
+            <a:bodyPr lIns="0" tIns="0" rIns="0" bIns="0" rtlCol="0" anchor="t"/>
             <a:lstStyle/>
             <a:p>
               <a:pPr algn="l">
@@ -8145,7 +8151,7 @@
 </file>
 
 <file path=ppt/slides/slide3.xml><?xml version="1.0" encoding="utf-8"?>
-<p:sld xmlns:p="http://schemas.openxmlformats.org/presentationml/2006/main" xmlns:a="http://schemas.openxmlformats.org/drawingml/2006/main">
+<p:sld xmlns:a="http://schemas.openxmlformats.org/drawingml/2006/main" xmlns:r="http://schemas.openxmlformats.org/officeDocument/2006/relationships" xmlns:p="http://schemas.openxmlformats.org/presentationml/2006/main">
   <p:cSld>
     <p:spTree>
       <p:nvGrpSpPr>
@@ -8163,12 +8169,12 @@
       </p:grpSpPr>
       <p:grpSp>
         <p:nvGrpSpPr>
-          <p:cNvPr name="Group 2" id="2"/>
+          <p:cNvPr id="2" name="Group 2"/>
           <p:cNvGrpSpPr/>
           <p:nvPr/>
         </p:nvGrpSpPr>
         <p:grpSpPr>
-          <a:xfrm rot="0">
+          <a:xfrm>
             <a:off x="1140514" y="1003631"/>
             <a:ext cx="6641400" cy="544800"/>
             <a:chOff x="0" y="0"/>
@@ -8177,12 +8183,12 @@
         </p:grpSpPr>
         <p:sp>
           <p:nvSpPr>
-            <p:cNvPr name="Freeform 3" id="3"/>
+            <p:cNvPr id="3" name="Freeform 3"/>
             <p:cNvSpPr/>
             <p:nvPr/>
           </p:nvSpPr>
           <p:spPr>
-            <a:xfrm flipH="false" flipV="false" rot="0">
+            <a:xfrm>
               <a:off x="0" y="0"/>
               <a:ext cx="8855201" cy="726440"/>
             </a:xfrm>
@@ -8191,9 +8197,9 @@
               <a:gdLst/>
               <a:ahLst/>
               <a:cxnLst/>
-              <a:rect r="r" b="b" t="t" l="l"/>
+              <a:rect l="l" t="t" r="r" b="b"/>
               <a:pathLst>
-                <a:path h="726440" w="8855201">
+                <a:path w="8855201" h="726440">
                   <a:moveTo>
                     <a:pt x="0" y="363220"/>
                   </a:moveTo>
@@ -8235,12 +8241,12 @@
       </p:grpSp>
       <p:grpSp>
         <p:nvGrpSpPr>
-          <p:cNvPr name="Group 4" id="4"/>
+          <p:cNvPr id="4" name="Group 4"/>
           <p:cNvGrpSpPr/>
           <p:nvPr/>
         </p:nvGrpSpPr>
         <p:grpSpPr>
-          <a:xfrm rot="0">
+          <a:xfrm>
             <a:off x="1584662" y="155151"/>
             <a:ext cx="7732200" cy="1983867"/>
             <a:chOff x="0" y="0"/>
@@ -8249,12 +8255,12 @@
         </p:grpSpPr>
         <p:sp>
           <p:nvSpPr>
-            <p:cNvPr name="Freeform 5" id="5"/>
+            <p:cNvPr id="5" name="Freeform 5"/>
             <p:cNvSpPr/>
             <p:nvPr/>
           </p:nvSpPr>
           <p:spPr>
-            <a:xfrm flipH="false" flipV="false" rot="0">
+            <a:xfrm>
               <a:off x="0" y="0"/>
               <a:ext cx="10309600" cy="2645156"/>
             </a:xfrm>
@@ -8263,9 +8269,9 @@
               <a:gdLst/>
               <a:ahLst/>
               <a:cxnLst/>
-              <a:rect r="r" b="b" t="t" l="l"/>
+              <a:rect l="l" t="t" r="r" b="b"/>
               <a:pathLst>
-                <a:path h="2645156" w="10309600">
+                <a:path w="10309600" h="2645156">
                   <a:moveTo>
                     <a:pt x="0" y="0"/>
                   </a:moveTo>
@@ -8291,8 +8297,8 @@
         </p:sp>
         <p:sp>
           <p:nvSpPr>
-            <p:cNvPr name="TextBox 6" id="6"/>
-            <p:cNvSpPr txBox="true"/>
+            <p:cNvPr id="6" name="TextBox 6"/>
+            <p:cNvSpPr txBox="1"/>
             <p:nvPr/>
           </p:nvSpPr>
           <p:spPr>
@@ -8305,7 +8311,7 @@
             </a:prstGeom>
           </p:spPr>
           <p:txBody>
-            <a:bodyPr anchor="t" rtlCol="false" tIns="0" lIns="0" bIns="0" rIns="0"/>
+            <a:bodyPr lIns="0" tIns="0" rIns="0" bIns="0" rtlCol="0" anchor="t"/>
             <a:lstStyle/>
             <a:p>
               <a:pPr algn="l">
@@ -8323,19 +8329,7 @@
                   <a:cs typeface="Poppins"/>
                   <a:sym typeface="Poppins"/>
                 </a:rPr>
-                <a:t>Co</a:t>
-              </a:r>
-              <a:r>
-                <a:rPr lang="en-US" sz="8000">
-                  <a:solidFill>
-                    <a:srgbClr val="263238"/>
-                  </a:solidFill>
-                  <a:latin typeface="Poppins"/>
-                  <a:ea typeface="Poppins"/>
-                  <a:cs typeface="Poppins"/>
-                  <a:sym typeface="Poppins"/>
-                </a:rPr>
-                <a:t>ntexto</a:t>
+                <a:t>Contexto</a:t>
               </a:r>
             </a:p>
           </p:txBody>
@@ -8343,12 +8337,12 @@
       </p:grpSp>
       <p:grpSp>
         <p:nvGrpSpPr>
-          <p:cNvPr name="Group 7" id="7"/>
+          <p:cNvPr id="7" name="Group 7"/>
           <p:cNvGrpSpPr/>
           <p:nvPr/>
         </p:nvGrpSpPr>
         <p:grpSpPr>
-          <a:xfrm rot="0">
+          <a:xfrm>
             <a:off x="814922" y="3491011"/>
             <a:ext cx="16658155" cy="3947922"/>
             <a:chOff x="0" y="0"/>
@@ -8357,12 +8351,12 @@
         </p:grpSpPr>
         <p:sp>
           <p:nvSpPr>
-            <p:cNvPr name="Freeform 8" id="8"/>
+            <p:cNvPr id="8" name="Freeform 8"/>
             <p:cNvSpPr/>
             <p:nvPr/>
           </p:nvSpPr>
           <p:spPr>
-            <a:xfrm flipH="false" flipV="false" rot="0">
+            <a:xfrm>
               <a:off x="0" y="0"/>
               <a:ext cx="22210874" cy="5263896"/>
             </a:xfrm>
@@ -8371,9 +8365,9 @@
               <a:gdLst/>
               <a:ahLst/>
               <a:cxnLst/>
-              <a:rect r="r" b="b" t="t" l="l"/>
+              <a:rect l="l" t="t" r="r" b="b"/>
               <a:pathLst>
-                <a:path h="5263896" w="22210874">
+                <a:path w="22210874" h="5263896">
                   <a:moveTo>
                     <a:pt x="0" y="0"/>
                   </a:moveTo>
@@ -8399,8 +8393,8 @@
         </p:sp>
         <p:sp>
           <p:nvSpPr>
-            <p:cNvPr name="TextBox 9" id="9"/>
-            <p:cNvSpPr txBox="true"/>
+            <p:cNvPr id="9" name="TextBox 9"/>
+            <p:cNvSpPr txBox="1"/>
             <p:nvPr/>
           </p:nvSpPr>
           <p:spPr>
@@ -8413,7 +8407,7 @@
             </a:prstGeom>
           </p:spPr>
           <p:txBody>
-            <a:bodyPr anchor="t" rtlCol="false" tIns="0" lIns="0" bIns="0" rIns="0"/>
+            <a:bodyPr lIns="0" tIns="0" rIns="0" bIns="0" rtlCol="0" anchor="t"/>
             <a:lstStyle/>
             <a:p>
               <a:pPr algn="just">
@@ -8431,19 +8425,7 @@
                   <a:cs typeface="Poppins"/>
                   <a:sym typeface="Poppins"/>
                 </a:rPr>
-                <a:t>La d</a:t>
-              </a:r>
-              <a:r>
-                <a:rPr lang="en-US" sz="3000">
-                  <a:solidFill>
-                    <a:srgbClr val="263238"/>
-                  </a:solidFill>
-                  <a:latin typeface="Poppins"/>
-                  <a:ea typeface="Poppins"/>
-                  <a:cs typeface="Poppins"/>
-                  <a:sym typeface="Poppins"/>
-                </a:rPr>
-                <a:t>eforestación y la industrialización han aumentado las emisiones de CO₂, afectando el medio ambiente y la agricultura. Para mitigar estos efectos nace una aplicación móvil que, mediante Deep Learning y visión computacional, analizara el estado general de la planta a partir de una foto. Integrará una API externa para analizar visualmente tallos, frutos y raíces, un modelo de aprendizaje profundo para identificar anormalidades en las hojas y un sistema de geolocalización para considerar factores ambientales. Su objetivo es ofrecer una visión clara y accesible del estado de la planta, facilitando decisiones preventivas para promover la agricultura sostenible</a:t>
+                <a:t>La deforestación y la industrialización han aumentado las emisiones de CO₂, afectando el medio ambiente y la agricultura. Para mitigar estos efectos nace una aplicación móvil que, mediante Deep Learning y visión computacional, analizara el estado general de la planta a partir de una foto. Integrará una API externa para analizar visualmente tallos, frutos y raíces, un modelo de aprendizaje profundo para identificar anormalidades en las hojas y un sistema de geolocalización para considerar factores ambientales. Su objetivo es ofrecer una visión clara y accesible del estado de la planta, facilitando decisiones preventivas para promover la agricultura sostenible</a:t>
               </a:r>
             </a:p>
           </p:txBody>
@@ -8451,12 +8433,12 @@
       </p:grpSp>
       <p:grpSp>
         <p:nvGrpSpPr>
-          <p:cNvPr name="Group 10" id="10"/>
+          <p:cNvPr id="10" name="Group 10"/>
           <p:cNvGrpSpPr/>
           <p:nvPr/>
         </p:nvGrpSpPr>
         <p:grpSpPr>
-          <a:xfrm rot="0">
+          <a:xfrm>
             <a:off x="814922" y="8862950"/>
             <a:ext cx="16658155" cy="526336"/>
             <a:chOff x="0" y="0"/>
@@ -8465,12 +8447,12 @@
         </p:grpSpPr>
         <p:sp>
           <p:nvSpPr>
-            <p:cNvPr name="Freeform 11" id="11"/>
+            <p:cNvPr id="11" name="Freeform 11"/>
             <p:cNvSpPr/>
             <p:nvPr/>
           </p:nvSpPr>
           <p:spPr>
-            <a:xfrm flipH="false" flipV="false" rot="0">
+            <a:xfrm>
               <a:off x="0" y="127"/>
               <a:ext cx="22210747" cy="701675"/>
             </a:xfrm>
@@ -8479,9 +8461,9 @@
               <a:gdLst/>
               <a:ahLst/>
               <a:cxnLst/>
-              <a:rect r="r" b="b" t="t" l="l"/>
+              <a:rect l="l" t="t" r="r" b="b"/>
               <a:pathLst>
-                <a:path h="701675" w="22210747">
+                <a:path w="22210747" h="701675">
                   <a:moveTo>
                     <a:pt x="11105373" y="0"/>
                   </a:moveTo>
@@ -8524,7 +8506,7 @@
 </file>
 
 <file path=ppt/slides/slide4.xml><?xml version="1.0" encoding="utf-8"?>
-<p:sld xmlns:p="http://schemas.openxmlformats.org/presentationml/2006/main" xmlns:a="http://schemas.openxmlformats.org/drawingml/2006/main" xmlns:r="http://schemas.openxmlformats.org/officeDocument/2006/relationships">
+<p:sld xmlns:a="http://schemas.openxmlformats.org/drawingml/2006/main" xmlns:r="http://schemas.openxmlformats.org/officeDocument/2006/relationships" xmlns:p="http://schemas.openxmlformats.org/presentationml/2006/main">
   <p:cSld>
     <p:spTree>
       <p:nvGrpSpPr>
@@ -8542,12 +8524,12 @@
       </p:grpSpPr>
       <p:grpSp>
         <p:nvGrpSpPr>
-          <p:cNvPr name="Group 2" id="2"/>
+          <p:cNvPr id="2" name="Group 2"/>
           <p:cNvGrpSpPr/>
           <p:nvPr/>
         </p:nvGrpSpPr>
         <p:grpSpPr>
-          <a:xfrm rot="0">
+          <a:xfrm>
             <a:off x="1140514" y="1003631"/>
             <a:ext cx="10652140" cy="544800"/>
             <a:chOff x="0" y="0"/>
@@ -8556,12 +8538,12 @@
         </p:grpSpPr>
         <p:sp>
           <p:nvSpPr>
-            <p:cNvPr name="Freeform 3" id="3"/>
+            <p:cNvPr id="3" name="Freeform 3"/>
             <p:cNvSpPr/>
             <p:nvPr/>
           </p:nvSpPr>
           <p:spPr>
-            <a:xfrm flipH="false" flipV="false" rot="0">
+            <a:xfrm>
               <a:off x="0" y="0"/>
               <a:ext cx="14202856" cy="726440"/>
             </a:xfrm>
@@ -8570,9 +8552,9 @@
               <a:gdLst/>
               <a:ahLst/>
               <a:cxnLst/>
-              <a:rect r="r" b="b" t="t" l="l"/>
+              <a:rect l="l" t="t" r="r" b="b"/>
               <a:pathLst>
-                <a:path h="726440" w="14202856">
+                <a:path w="14202856" h="726440">
                   <a:moveTo>
                     <a:pt x="0" y="363220"/>
                   </a:moveTo>
@@ -8614,12 +8596,12 @@
       </p:grpSp>
       <p:grpSp>
         <p:nvGrpSpPr>
-          <p:cNvPr name="Group 4" id="4"/>
+          <p:cNvPr id="4" name="Group 4"/>
           <p:cNvGrpSpPr/>
           <p:nvPr/>
         </p:nvGrpSpPr>
         <p:grpSpPr>
-          <a:xfrm rot="0">
+          <a:xfrm>
             <a:off x="1140514" y="146324"/>
             <a:ext cx="11283695" cy="1983867"/>
             <a:chOff x="0" y="0"/>
@@ -8628,12 +8610,12 @@
         </p:grpSpPr>
         <p:sp>
           <p:nvSpPr>
-            <p:cNvPr name="Freeform 5" id="5"/>
+            <p:cNvPr id="5" name="Freeform 5"/>
             <p:cNvSpPr/>
             <p:nvPr/>
           </p:nvSpPr>
           <p:spPr>
-            <a:xfrm flipH="false" flipV="false" rot="0">
+            <a:xfrm>
               <a:off x="0" y="0"/>
               <a:ext cx="15044927" cy="2645156"/>
             </a:xfrm>
@@ -8642,9 +8624,9 @@
               <a:gdLst/>
               <a:ahLst/>
               <a:cxnLst/>
-              <a:rect r="r" b="b" t="t" l="l"/>
+              <a:rect l="l" t="t" r="r" b="b"/>
               <a:pathLst>
-                <a:path h="2645156" w="15044927">
+                <a:path w="15044927" h="2645156">
                   <a:moveTo>
                     <a:pt x="0" y="0"/>
                   </a:moveTo>
@@ -8670,8 +8652,8 @@
         </p:sp>
         <p:sp>
           <p:nvSpPr>
-            <p:cNvPr name="TextBox 6" id="6"/>
-            <p:cNvSpPr txBox="true"/>
+            <p:cNvPr id="6" name="TextBox 6"/>
+            <p:cNvSpPr txBox="1"/>
             <p:nvPr/>
           </p:nvSpPr>
           <p:spPr>
@@ -8684,7 +8666,7 @@
             </a:prstGeom>
           </p:spPr>
           <p:txBody>
-            <a:bodyPr anchor="t" rtlCol="false" tIns="0" lIns="0" bIns="0" rIns="0"/>
+            <a:bodyPr lIns="0" tIns="0" rIns="0" bIns="0" rtlCol="0" anchor="t"/>
             <a:lstStyle/>
             <a:p>
               <a:pPr algn="l">
@@ -8710,12 +8692,12 @@
       </p:grpSp>
       <p:sp>
         <p:nvSpPr>
-          <p:cNvPr name="Freeform 7" id="7"/>
+          <p:cNvPr id="7" name="Freeform 7"/>
           <p:cNvSpPr/>
           <p:nvPr/>
         </p:nvSpPr>
         <p:spPr>
-          <a:xfrm flipH="false" flipV="false" rot="0">
+          <a:xfrm>
             <a:off x="3996308" y="4155310"/>
             <a:ext cx="1128293" cy="2618078"/>
           </a:xfrm>
@@ -8724,9 +8706,9 @@
             <a:gdLst/>
             <a:ahLst/>
             <a:cxnLst/>
-            <a:rect r="r" b="b" t="t" l="l"/>
+            <a:rect l="l" t="t" r="r" b="b"/>
             <a:pathLst>
-              <a:path h="2618078" w="1128293">
+              <a:path w="1128293" h="2618078">
                 <a:moveTo>
                   <a:pt x="0" y="0"/>
                 </a:moveTo>
@@ -8749,19 +8731,19 @@
           <a:blipFill>
             <a:blip r:embed="rId3"/>
             <a:stretch>
-              <a:fillRect l="0" t="0" r="0" b="0"/>
+              <a:fillRect/>
             </a:stretch>
           </a:blipFill>
         </p:spPr>
       </p:sp>
       <p:sp>
         <p:nvSpPr>
-          <p:cNvPr name="Freeform 8" id="8"/>
+          <p:cNvPr id="8" name="Freeform 8"/>
           <p:cNvSpPr/>
           <p:nvPr/>
         </p:nvSpPr>
         <p:spPr>
-          <a:xfrm flipH="false" flipV="false" rot="0">
+          <a:xfrm>
             <a:off x="12951871" y="5049956"/>
             <a:ext cx="2732122" cy="1922420"/>
           </a:xfrm>
@@ -8770,9 +8752,9 @@
             <a:gdLst/>
             <a:ahLst/>
             <a:cxnLst/>
-            <a:rect r="r" b="b" t="t" l="l"/>
+            <a:rect l="l" t="t" r="r" b="b"/>
             <a:pathLst>
-              <a:path h="1922420" w="2732122">
+              <a:path w="2732122" h="1922420">
                 <a:moveTo>
                   <a:pt x="0" y="0"/>
                 </a:moveTo>
@@ -8801,19 +8783,19 @@
               </a:extLst>
             </a:blip>
             <a:stretch>
-              <a:fillRect l="0" t="0" r="0" b="0"/>
+              <a:fillRect/>
             </a:stretch>
           </a:blipFill>
         </p:spPr>
       </p:sp>
       <p:sp>
         <p:nvSpPr>
-          <p:cNvPr name="Freeform 9" id="9"/>
+          <p:cNvPr id="9" name="Freeform 9"/>
           <p:cNvSpPr/>
           <p:nvPr/>
         </p:nvSpPr>
         <p:spPr>
-          <a:xfrm flipH="false" flipV="false" rot="0">
+          <a:xfrm>
             <a:off x="7053344" y="8162615"/>
             <a:ext cx="1509994" cy="853833"/>
           </a:xfrm>
@@ -8822,9 +8804,9 @@
             <a:gdLst/>
             <a:ahLst/>
             <a:cxnLst/>
-            <a:rect r="r" b="b" t="t" l="l"/>
+            <a:rect l="l" t="t" r="r" b="b"/>
             <a:pathLst>
-              <a:path h="853833" w="1509994">
+              <a:path w="1509994" h="853833">
                 <a:moveTo>
                   <a:pt x="0" y="0"/>
                 </a:moveTo>
@@ -8853,19 +8835,19 @@
               </a:extLst>
             </a:blip>
             <a:stretch>
-              <a:fillRect l="0" t="0" r="0" b="0"/>
+              <a:fillRect/>
             </a:stretch>
           </a:blipFill>
         </p:spPr>
       </p:sp>
       <p:sp>
         <p:nvSpPr>
-          <p:cNvPr name="Freeform 10" id="10"/>
+          <p:cNvPr id="10" name="Freeform 10"/>
           <p:cNvSpPr/>
           <p:nvPr/>
         </p:nvSpPr>
         <p:spPr>
-          <a:xfrm flipH="false" flipV="false" rot="0">
+          <a:xfrm>
             <a:off x="9880436" y="7949347"/>
             <a:ext cx="1447064" cy="1447064"/>
           </a:xfrm>
@@ -8874,9 +8856,9 @@
             <a:gdLst/>
             <a:ahLst/>
             <a:cxnLst/>
-            <a:rect r="r" b="b" t="t" l="l"/>
+            <a:rect l="l" t="t" r="r" b="b"/>
             <a:pathLst>
-              <a:path h="1447064" w="1447064">
+              <a:path w="1447064" h="1447064">
                 <a:moveTo>
                   <a:pt x="0" y="0"/>
                 </a:moveTo>
@@ -8905,19 +8887,19 @@
               </a:extLst>
             </a:blip>
             <a:stretch>
-              <a:fillRect l="0" t="0" r="0" b="0"/>
+              <a:fillRect/>
             </a:stretch>
           </a:blipFill>
         </p:spPr>
       </p:sp>
       <p:sp>
         <p:nvSpPr>
-          <p:cNvPr name="Freeform 11" id="11"/>
+          <p:cNvPr id="11" name="Freeform 11"/>
           <p:cNvSpPr/>
           <p:nvPr/>
         </p:nvSpPr>
         <p:spPr>
-          <a:xfrm flipH="false" flipV="false" rot="0">
+          <a:xfrm>
             <a:off x="8653704" y="2401394"/>
             <a:ext cx="773368" cy="1175007"/>
           </a:xfrm>
@@ -8926,9 +8908,9 @@
             <a:gdLst/>
             <a:ahLst/>
             <a:cxnLst/>
-            <a:rect r="r" b="b" t="t" l="l"/>
+            <a:rect l="l" t="t" r="r" b="b"/>
             <a:pathLst>
-              <a:path h="1175007" w="773368">
+              <a:path w="773368" h="1175007">
                 <a:moveTo>
                   <a:pt x="0" y="0"/>
                 </a:moveTo>
@@ -8957,19 +8939,19 @@
               </a:extLst>
             </a:blip>
             <a:stretch>
-              <a:fillRect l="0" t="0" r="0" b="0"/>
+              <a:fillRect/>
             </a:stretch>
           </a:blipFill>
         </p:spPr>
       </p:sp>
       <p:sp>
         <p:nvSpPr>
-          <p:cNvPr name="Freeform 12" id="12"/>
+          <p:cNvPr id="12" name="Freeform 12"/>
           <p:cNvSpPr/>
           <p:nvPr/>
         </p:nvSpPr>
         <p:spPr>
-          <a:xfrm flipH="false" flipV="false" rot="0">
+          <a:xfrm>
             <a:off x="5349174" y="5687700"/>
             <a:ext cx="2786154" cy="842812"/>
           </a:xfrm>
@@ -8978,9 +8960,9 @@
             <a:gdLst/>
             <a:ahLst/>
             <a:cxnLst/>
-            <a:rect r="r" b="b" t="t" l="l"/>
+            <a:rect l="l" t="t" r="r" b="b"/>
             <a:pathLst>
-              <a:path h="842812" w="2786154">
+              <a:path w="2786154" h="842812">
                 <a:moveTo>
                   <a:pt x="0" y="0"/>
                 </a:moveTo>
@@ -9009,7 +8991,7 @@
               </a:extLst>
             </a:blip>
             <a:stretch>
-              <a:fillRect l="0" t="0" r="0" b="0"/>
+              <a:fillRect/>
             </a:stretch>
           </a:blipFill>
           <a:ln cap="sq">
@@ -9021,12 +9003,12 @@
       </p:sp>
       <p:sp>
         <p:nvSpPr>
-          <p:cNvPr name="Freeform 13" id="13"/>
+          <p:cNvPr id="13" name="Freeform 13"/>
           <p:cNvSpPr/>
           <p:nvPr/>
         </p:nvSpPr>
         <p:spPr>
-          <a:xfrm flipH="false" flipV="false" rot="1744547">
+          <a:xfrm rot="1744547">
             <a:off x="7963577" y="6690132"/>
             <a:ext cx="513494" cy="1325923"/>
           </a:xfrm>
@@ -9035,9 +9017,9 @@
             <a:gdLst/>
             <a:ahLst/>
             <a:cxnLst/>
-            <a:rect r="r" b="b" t="t" l="l"/>
+            <a:rect l="l" t="t" r="r" b="b"/>
             <a:pathLst>
-              <a:path h="1325923" w="513494">
+              <a:path w="513494" h="1325923">
                 <a:moveTo>
                   <a:pt x="0" y="0"/>
                 </a:moveTo>
@@ -9066,7 +9048,7 @@
               </a:extLst>
             </a:blip>
             <a:stretch>
-              <a:fillRect l="0" t="0" r="0" b="0"/>
+              <a:fillRect/>
             </a:stretch>
           </a:blipFill>
           <a:ln cap="sq">
@@ -9078,12 +9060,12 @@
       </p:sp>
       <p:sp>
         <p:nvSpPr>
-          <p:cNvPr name="Freeform 14" id="14"/>
+          <p:cNvPr id="14" name="Freeform 14"/>
           <p:cNvSpPr/>
           <p:nvPr/>
         </p:nvSpPr>
         <p:spPr>
-          <a:xfrm flipH="false" flipV="false" rot="0">
+          <a:xfrm>
             <a:off x="9823754" y="5687700"/>
             <a:ext cx="2786154" cy="842812"/>
           </a:xfrm>
@@ -9092,9 +9074,9 @@
             <a:gdLst/>
             <a:ahLst/>
             <a:cxnLst/>
-            <a:rect r="r" b="b" t="t" l="l"/>
+            <a:rect l="l" t="t" r="r" b="b"/>
             <a:pathLst>
-              <a:path h="842812" w="2786154">
+              <a:path w="2786154" h="842812">
                 <a:moveTo>
                   <a:pt x="0" y="0"/>
                 </a:moveTo>
@@ -9123,7 +9105,7 @@
               </a:extLst>
             </a:blip>
             <a:stretch>
-              <a:fillRect l="0" t="0" r="0" b="0"/>
+              <a:fillRect/>
             </a:stretch>
           </a:blipFill>
           <a:ln cap="sq">
@@ -9135,12 +9117,12 @@
       </p:sp>
       <p:sp>
         <p:nvSpPr>
-          <p:cNvPr name="Freeform 15" id="15"/>
+          <p:cNvPr id="15" name="Freeform 15"/>
           <p:cNvSpPr/>
           <p:nvPr/>
         </p:nvSpPr>
         <p:spPr>
-          <a:xfrm flipH="false" flipV="false" rot="-1330098">
+          <a:xfrm rot="-1330098">
             <a:off x="9808906" y="6699880"/>
             <a:ext cx="546738" cy="1411764"/>
           </a:xfrm>
@@ -9149,9 +9131,9 @@
             <a:gdLst/>
             <a:ahLst/>
             <a:cxnLst/>
-            <a:rect r="r" b="b" t="t" l="l"/>
+            <a:rect l="l" t="t" r="r" b="b"/>
             <a:pathLst>
-              <a:path h="1411764" w="546738">
+              <a:path w="546738" h="1411764">
                 <a:moveTo>
                   <a:pt x="0" y="0"/>
                 </a:moveTo>
@@ -9180,7 +9162,7 @@
               </a:extLst>
             </a:blip>
             <a:stretch>
-              <a:fillRect l="0" t="0" r="0" b="0"/>
+              <a:fillRect/>
             </a:stretch>
           </a:blipFill>
           <a:ln cap="sq">
@@ -9192,12 +9174,12 @@
       </p:sp>
       <p:sp>
         <p:nvSpPr>
-          <p:cNvPr name="Freeform 16" id="16"/>
+          <p:cNvPr id="16" name="Freeform 16"/>
           <p:cNvSpPr/>
           <p:nvPr/>
         </p:nvSpPr>
         <p:spPr>
-          <a:xfrm flipH="false" flipV="false" rot="10673749">
+          <a:xfrm rot="10673749">
             <a:off x="8889410" y="3715053"/>
             <a:ext cx="513494" cy="1325923"/>
           </a:xfrm>
@@ -9206,9 +9188,9 @@
             <a:gdLst/>
             <a:ahLst/>
             <a:cxnLst/>
-            <a:rect r="r" b="b" t="t" l="l"/>
+            <a:rect l="l" t="t" r="r" b="b"/>
             <a:pathLst>
-              <a:path h="1325923" w="513494">
+              <a:path w="513494" h="1325923">
                 <a:moveTo>
                   <a:pt x="0" y="0"/>
                 </a:moveTo>
@@ -9237,7 +9219,7 @@
               </a:extLst>
             </a:blip>
             <a:stretch>
-              <a:fillRect l="0" t="0" r="0" b="0"/>
+              <a:fillRect/>
             </a:stretch>
           </a:blipFill>
           <a:ln cap="sq">
@@ -9249,12 +9231,12 @@
       </p:sp>
       <p:sp>
         <p:nvSpPr>
-          <p:cNvPr name="Freeform 17" id="17"/>
+          <p:cNvPr id="17" name="Freeform 17"/>
           <p:cNvSpPr/>
           <p:nvPr/>
         </p:nvSpPr>
         <p:spPr>
-          <a:xfrm flipH="false" flipV="false" rot="0">
+          <a:xfrm>
             <a:off x="-4673466" y="3968464"/>
             <a:ext cx="9927390" cy="10855894"/>
           </a:xfrm>
@@ -9263,9 +9245,9 @@
             <a:gdLst/>
             <a:ahLst/>
             <a:cxnLst/>
-            <a:rect r="r" b="b" t="t" l="l"/>
+            <a:rect l="l" t="t" r="r" b="b"/>
             <a:pathLst>
-              <a:path h="10855894" w="9927390">
+              <a:path w="9927390" h="10855894">
                 <a:moveTo>
                   <a:pt x="0" y="0"/>
                 </a:moveTo>
@@ -9294,19 +9276,19 @@
               </a:extLst>
             </a:blip>
             <a:stretch>
-              <a:fillRect l="0" t="0" r="0" b="0"/>
+              <a:fillRect/>
             </a:stretch>
           </a:blipFill>
         </p:spPr>
       </p:sp>
       <p:sp>
         <p:nvSpPr>
-          <p:cNvPr name="Freeform 18" id="18"/>
+          <p:cNvPr id="18" name="Freeform 18"/>
           <p:cNvSpPr/>
           <p:nvPr/>
         </p:nvSpPr>
         <p:spPr>
-          <a:xfrm flipH="false" flipV="false" rot="0">
+          <a:xfrm>
             <a:off x="13515117" y="-4844728"/>
             <a:ext cx="9927390" cy="10855894"/>
           </a:xfrm>
@@ -9315,9 +9297,9 @@
             <a:gdLst/>
             <a:ahLst/>
             <a:cxnLst/>
-            <a:rect r="r" b="b" t="t" l="l"/>
+            <a:rect l="l" t="t" r="r" b="b"/>
             <a:pathLst>
-              <a:path h="10855894" w="9927390">
+              <a:path w="9927390" h="10855894">
                 <a:moveTo>
                   <a:pt x="0" y="0"/>
                 </a:moveTo>
@@ -9346,20 +9328,20 @@
               </a:extLst>
             </a:blip>
             <a:stretch>
-              <a:fillRect l="0" t="0" r="0" b="0"/>
+              <a:fillRect/>
             </a:stretch>
           </a:blipFill>
         </p:spPr>
       </p:sp>
       <p:sp>
         <p:nvSpPr>
-          <p:cNvPr name="Freeform 19" id="19"/>
+          <p:cNvPr id="19" name="Freeform 19"/>
           <p:cNvSpPr/>
           <p:nvPr/>
         </p:nvSpPr>
         <p:spPr>
-          <a:xfrm flipH="false" flipV="false" rot="0">
-            <a:off x="8766892" y="5183306"/>
+          <a:xfrm>
+            <a:off x="8653704" y="5200566"/>
             <a:ext cx="879556" cy="1621200"/>
           </a:xfrm>
           <a:custGeom>
@@ -9367,9 +9349,9 @@
             <a:gdLst/>
             <a:ahLst/>
             <a:cxnLst/>
-            <a:rect r="r" b="b" t="t" l="l"/>
+            <a:rect l="l" t="t" r="r" b="b"/>
             <a:pathLst>
-              <a:path h="1621200" w="879556">
+              <a:path w="879556" h="1621200">
                 <a:moveTo>
                   <a:pt x="0" y="0"/>
                 </a:moveTo>
@@ -9398,11 +9380,144 @@
               </a:extLst>
             </a:blip>
             <a:stretch>
-              <a:fillRect l="0" t="0" r="0" b="0"/>
+              <a:fillRect/>
             </a:stretch>
           </a:blipFill>
         </p:spPr>
       </p:sp>
+      <p:grpSp>
+        <p:nvGrpSpPr>
+          <p:cNvPr id="20" name="Group 20"/>
+          <p:cNvGrpSpPr/>
+          <p:nvPr/>
+        </p:nvGrpSpPr>
+        <p:grpSpPr>
+          <a:xfrm>
+            <a:off x="8204840" y="5464349"/>
+            <a:ext cx="1618914" cy="998850"/>
+            <a:chOff x="0" y="0"/>
+            <a:chExt cx="426381" cy="263072"/>
+          </a:xfrm>
+        </p:grpSpPr>
+        <p:sp>
+          <p:nvSpPr>
+            <p:cNvPr id="21" name="Freeform 21"/>
+            <p:cNvSpPr/>
+            <p:nvPr/>
+          </p:nvSpPr>
+          <p:spPr>
+            <a:xfrm>
+              <a:off x="0" y="0"/>
+              <a:ext cx="426381" cy="263072"/>
+            </a:xfrm>
+            <a:custGeom>
+              <a:avLst/>
+              <a:gdLst/>
+              <a:ahLst/>
+              <a:cxnLst/>
+              <a:rect l="l" t="t" r="r" b="b"/>
+              <a:pathLst>
+                <a:path w="426381" h="263072">
+                  <a:moveTo>
+                    <a:pt x="131536" y="0"/>
+                  </a:moveTo>
+                  <a:lnTo>
+                    <a:pt x="294845" y="0"/>
+                  </a:lnTo>
+                  <a:cubicBezTo>
+                    <a:pt x="367490" y="0"/>
+                    <a:pt x="426381" y="58891"/>
+                    <a:pt x="426381" y="131536"/>
+                  </a:cubicBezTo>
+                  <a:lnTo>
+                    <a:pt x="426381" y="131536"/>
+                  </a:lnTo>
+                  <a:cubicBezTo>
+                    <a:pt x="426381" y="204181"/>
+                    <a:pt x="367490" y="263072"/>
+                    <a:pt x="294845" y="263072"/>
+                  </a:cubicBezTo>
+                  <a:lnTo>
+                    <a:pt x="131536" y="263072"/>
+                  </a:lnTo>
+                  <a:cubicBezTo>
+                    <a:pt x="58891" y="263072"/>
+                    <a:pt x="0" y="204181"/>
+                    <a:pt x="0" y="131536"/>
+                  </a:cubicBezTo>
+                  <a:lnTo>
+                    <a:pt x="0" y="131536"/>
+                  </a:lnTo>
+                  <a:cubicBezTo>
+                    <a:pt x="0" y="58891"/>
+                    <a:pt x="58891" y="0"/>
+                    <a:pt x="131536" y="0"/>
+                  </a:cubicBezTo>
+                  <a:close/>
+                </a:path>
+              </a:pathLst>
+            </a:custGeom>
+            <a:solidFill>
+              <a:srgbClr val="FEF8E9">
+                <a:alpha val="76863"/>
+              </a:srgbClr>
+            </a:solidFill>
+            <a:ln w="38100" cap="rnd">
+              <a:solidFill>
+                <a:srgbClr val="000000">
+                  <a:alpha val="76863"/>
+                </a:srgbClr>
+              </a:solidFill>
+              <a:prstDash val="solid"/>
+              <a:round/>
+            </a:ln>
+          </p:spPr>
+        </p:sp>
+        <p:sp>
+          <p:nvSpPr>
+            <p:cNvPr id="22" name="TextBox 22"/>
+            <p:cNvSpPr txBox="1"/>
+            <p:nvPr/>
+          </p:nvSpPr>
+          <p:spPr>
+            <a:xfrm>
+              <a:off x="0" y="-38100"/>
+              <a:ext cx="426381" cy="301172"/>
+            </a:xfrm>
+            <a:prstGeom prst="rect">
+              <a:avLst/>
+            </a:prstGeom>
+          </p:spPr>
+          <p:txBody>
+            <a:bodyPr lIns="50800" tIns="50800" rIns="50800" bIns="50800" rtlCol="0" anchor="ctr"/>
+            <a:lstStyle/>
+            <a:p>
+              <a:pPr algn="ctr">
+                <a:lnSpc>
+                  <a:spcPts val="2659"/>
+                </a:lnSpc>
+                <a:spcBef>
+                  <a:spcPct val="0"/>
+                </a:spcBef>
+              </a:pPr>
+              <a:r>
+                <a:rPr lang="en-US" sz="1899" b="1">
+                  <a:solidFill>
+                    <a:srgbClr val="000000">
+                      <a:alpha val="76863"/>
+                    </a:srgbClr>
+                  </a:solidFill>
+                  <a:latin typeface="Open Sans Bold"/>
+                  <a:ea typeface="Open Sans Bold"/>
+                  <a:cs typeface="Open Sans Bold"/>
+                  <a:sym typeface="Open Sans Bold"/>
+                </a:rPr>
+                <a:t>Grow Up Your Plant</a:t>
+              </a:r>
+            </a:p>
+          </p:txBody>
+        </p:sp>
+      </p:grpSp>
     </p:spTree>
   </p:cSld>
   <p:clrMapOvr>
@@ -9412,7 +9527,7 @@
 </file>
 
 <file path=ppt/slides/slide5.xml><?xml version="1.0" encoding="utf-8"?>
-<p:sld xmlns:p="http://schemas.openxmlformats.org/presentationml/2006/main" xmlns:a="http://schemas.openxmlformats.org/drawingml/2006/main" xmlns:r="http://schemas.openxmlformats.org/officeDocument/2006/relationships">
+<p:sld xmlns:a="http://schemas.openxmlformats.org/drawingml/2006/main" xmlns:r="http://schemas.openxmlformats.org/officeDocument/2006/relationships" xmlns:p="http://schemas.openxmlformats.org/presentationml/2006/main">
   <p:cSld>
     <p:spTree>
       <p:nvGrpSpPr>
@@ -9430,12 +9545,12 @@
       </p:grpSpPr>
       <p:grpSp>
         <p:nvGrpSpPr>
-          <p:cNvPr name="Group 2" id="2"/>
+          <p:cNvPr id="2" name="Group 2"/>
           <p:cNvGrpSpPr/>
           <p:nvPr/>
         </p:nvGrpSpPr>
         <p:grpSpPr>
-          <a:xfrm rot="0">
+          <a:xfrm>
             <a:off x="1440000" y="1455600"/>
             <a:ext cx="5319917" cy="544800"/>
             <a:chOff x="0" y="0"/>
@@ -9444,12 +9559,12 @@
         </p:grpSpPr>
         <p:sp>
           <p:nvSpPr>
-            <p:cNvPr name="Freeform 3" id="3"/>
+            <p:cNvPr id="3" name="Freeform 3"/>
             <p:cNvSpPr/>
             <p:nvPr/>
           </p:nvSpPr>
           <p:spPr>
-            <a:xfrm flipH="false" flipV="false" rot="0">
+            <a:xfrm>
               <a:off x="0" y="0"/>
               <a:ext cx="7093243" cy="726440"/>
             </a:xfrm>
@@ -9458,9 +9573,9 @@
               <a:gdLst/>
               <a:ahLst/>
               <a:cxnLst/>
-              <a:rect r="r" b="b" t="t" l="l"/>
+              <a:rect l="l" t="t" r="r" b="b"/>
               <a:pathLst>
-                <a:path h="726440" w="7093243">
+                <a:path w="7093243" h="726440">
                   <a:moveTo>
                     <a:pt x="0" y="363220"/>
                   </a:moveTo>
@@ -9502,12 +9617,12 @@
       </p:grpSp>
       <p:sp>
         <p:nvSpPr>
-          <p:cNvPr name="Freeform 4" id="4"/>
+          <p:cNvPr id="4" name="Freeform 4"/>
           <p:cNvSpPr/>
           <p:nvPr/>
         </p:nvSpPr>
         <p:spPr>
-          <a:xfrm flipH="false" flipV="false" rot="0">
+          <a:xfrm>
             <a:off x="12327672" y="6605143"/>
             <a:ext cx="9863256" cy="8835872"/>
           </a:xfrm>
@@ -9516,9 +9631,9 @@
             <a:gdLst/>
             <a:ahLst/>
             <a:cxnLst/>
-            <a:rect r="r" b="b" t="t" l="l"/>
+            <a:rect l="l" t="t" r="r" b="b"/>
             <a:pathLst>
-              <a:path h="8835872" w="9863256">
+              <a:path w="9863256" h="8835872">
                 <a:moveTo>
                   <a:pt x="0" y="0"/>
                 </a:moveTo>
@@ -9547,19 +9662,19 @@
               </a:extLst>
             </a:blip>
             <a:stretch>
-              <a:fillRect l="0" t="0" r="0" b="0"/>
+              <a:fillRect/>
             </a:stretch>
           </a:blipFill>
         </p:spPr>
       </p:sp>
       <p:grpSp>
         <p:nvGrpSpPr>
-          <p:cNvPr name="Group 5" id="5"/>
+          <p:cNvPr id="5" name="Group 5"/>
           <p:cNvGrpSpPr/>
           <p:nvPr/>
         </p:nvGrpSpPr>
         <p:grpSpPr>
-          <a:xfrm rot="0">
+          <a:xfrm>
             <a:off x="1440000" y="775200"/>
             <a:ext cx="5319917" cy="1590904"/>
             <a:chOff x="0" y="0"/>
@@ -9568,12 +9683,12 @@
         </p:grpSpPr>
         <p:sp>
           <p:nvSpPr>
-            <p:cNvPr name="Freeform 6" id="6"/>
+            <p:cNvPr id="6" name="Freeform 6"/>
             <p:cNvSpPr/>
             <p:nvPr/>
           </p:nvSpPr>
           <p:spPr>
-            <a:xfrm flipH="false" flipV="false" rot="0">
+            <a:xfrm>
               <a:off x="0" y="0"/>
               <a:ext cx="7093222" cy="2121205"/>
             </a:xfrm>
@@ -9582,9 +9697,9 @@
               <a:gdLst/>
               <a:ahLst/>
               <a:cxnLst/>
-              <a:rect r="r" b="b" t="t" l="l"/>
+              <a:rect l="l" t="t" r="r" b="b"/>
               <a:pathLst>
-                <a:path h="2121205" w="7093222">
+                <a:path w="7093222" h="2121205">
                   <a:moveTo>
                     <a:pt x="0" y="0"/>
                   </a:moveTo>
@@ -9610,8 +9725,8 @@
         </p:sp>
         <p:sp>
           <p:nvSpPr>
-            <p:cNvPr name="TextBox 7" id="7"/>
-            <p:cNvSpPr txBox="true"/>
+            <p:cNvPr id="7" name="TextBox 7"/>
+            <p:cNvSpPr txBox="1"/>
             <p:nvPr/>
           </p:nvSpPr>
           <p:spPr>
@@ -9624,7 +9739,7 @@
             </a:prstGeom>
           </p:spPr>
           <p:txBody>
-            <a:bodyPr anchor="t" rtlCol="false" tIns="0" lIns="0" bIns="0" rIns="0"/>
+            <a:bodyPr lIns="0" tIns="0" rIns="0" bIns="0" rtlCol="0" anchor="t"/>
             <a:lstStyle/>
             <a:p>
               <a:pPr algn="l">
@@ -9650,12 +9765,12 @@
       </p:grpSp>
       <p:sp>
         <p:nvSpPr>
-          <p:cNvPr name="Freeform 8" id="8"/>
+          <p:cNvPr id="8" name="Freeform 8"/>
           <p:cNvSpPr/>
           <p:nvPr/>
         </p:nvSpPr>
         <p:spPr>
-          <a:xfrm flipH="false" flipV="false" rot="0">
+          <a:xfrm>
             <a:off x="6091717" y="2456554"/>
             <a:ext cx="6104567" cy="6801746"/>
           </a:xfrm>
@@ -9664,9 +9779,9 @@
             <a:gdLst/>
             <a:ahLst/>
             <a:cxnLst/>
-            <a:rect r="r" b="b" t="t" l="l"/>
+            <a:rect l="l" t="t" r="r" b="b"/>
             <a:pathLst>
-              <a:path h="6801746" w="6104567">
+              <a:path w="6104567" h="6801746">
                 <a:moveTo>
                   <a:pt x="0" y="0"/>
                 </a:moveTo>
@@ -9689,7 +9804,7 @@
           <a:blipFill>
             <a:blip r:embed="rId5"/>
             <a:stretch>
-              <a:fillRect l="0" t="0" r="0" b="0"/>
+              <a:fillRect/>
             </a:stretch>
           </a:blipFill>
         </p:spPr>
@@ -9703,7 +9818,7 @@
 </file>
 
 <file path=ppt/slides/slide6.xml><?xml version="1.0" encoding="utf-8"?>
-<p:sld xmlns:p="http://schemas.openxmlformats.org/presentationml/2006/main" xmlns:a="http://schemas.openxmlformats.org/drawingml/2006/main" xmlns:r="http://schemas.openxmlformats.org/officeDocument/2006/relationships">
+<p:sld xmlns:a="http://schemas.openxmlformats.org/drawingml/2006/main" xmlns:r="http://schemas.openxmlformats.org/officeDocument/2006/relationships" xmlns:p="http://schemas.openxmlformats.org/presentationml/2006/main">
   <p:cSld>
     <p:spTree>
       <p:nvGrpSpPr>
@@ -9721,12 +9836,12 @@
       </p:grpSpPr>
       <p:grpSp>
         <p:nvGrpSpPr>
-          <p:cNvPr name="Group 2" id="2"/>
+          <p:cNvPr id="2" name="Group 2"/>
           <p:cNvGrpSpPr/>
           <p:nvPr/>
         </p:nvGrpSpPr>
         <p:grpSpPr>
-          <a:xfrm rot="0">
+          <a:xfrm>
             <a:off x="1440000" y="1455600"/>
             <a:ext cx="11556000" cy="544800"/>
             <a:chOff x="0" y="0"/>
@@ -9735,12 +9850,12 @@
         </p:grpSpPr>
         <p:sp>
           <p:nvSpPr>
-            <p:cNvPr name="Freeform 3" id="3"/>
+            <p:cNvPr id="3" name="Freeform 3"/>
             <p:cNvSpPr/>
             <p:nvPr/>
           </p:nvSpPr>
           <p:spPr>
-            <a:xfrm flipH="false" flipV="false" rot="0">
+            <a:xfrm>
               <a:off x="0" y="0"/>
               <a:ext cx="15408021" cy="726440"/>
             </a:xfrm>
@@ -9749,9 +9864,9 @@
               <a:gdLst/>
               <a:ahLst/>
               <a:cxnLst/>
-              <a:rect r="r" b="b" t="t" l="l"/>
+              <a:rect l="l" t="t" r="r" b="b"/>
               <a:pathLst>
-                <a:path h="726440" w="15408021">
+                <a:path w="15408021" h="726440">
                   <a:moveTo>
                     <a:pt x="0" y="363220"/>
                   </a:moveTo>
@@ -9793,12 +9908,12 @@
       </p:grpSp>
       <p:grpSp>
         <p:nvGrpSpPr>
-          <p:cNvPr name="Group 4" id="4"/>
+          <p:cNvPr id="4" name="Group 4"/>
           <p:cNvGrpSpPr/>
           <p:nvPr/>
         </p:nvGrpSpPr>
         <p:grpSpPr>
-          <a:xfrm rot="0">
+          <a:xfrm>
             <a:off x="1440000" y="775200"/>
             <a:ext cx="15408000" cy="1590904"/>
             <a:chOff x="0" y="0"/>
@@ -9807,12 +9922,12 @@
         </p:grpSpPr>
         <p:sp>
           <p:nvSpPr>
-            <p:cNvPr name="Freeform 5" id="5"/>
+            <p:cNvPr id="5" name="Freeform 5"/>
             <p:cNvSpPr/>
             <p:nvPr/>
           </p:nvSpPr>
           <p:spPr>
-            <a:xfrm flipH="false" flipV="false" rot="0">
+            <a:xfrm>
               <a:off x="0" y="0"/>
               <a:ext cx="20544000" cy="2121205"/>
             </a:xfrm>
@@ -9821,9 +9936,9 @@
               <a:gdLst/>
               <a:ahLst/>
               <a:cxnLst/>
-              <a:rect r="r" b="b" t="t" l="l"/>
+              <a:rect l="l" t="t" r="r" b="b"/>
               <a:pathLst>
-                <a:path h="2121205" w="20544000">
+                <a:path w="20544000" h="2121205">
                   <a:moveTo>
                     <a:pt x="0" y="0"/>
                   </a:moveTo>
@@ -9849,8 +9964,8 @@
         </p:sp>
         <p:sp>
           <p:nvSpPr>
-            <p:cNvPr name="TextBox 6" id="6"/>
-            <p:cNvSpPr txBox="true"/>
+            <p:cNvPr id="6" name="TextBox 6"/>
+            <p:cNvSpPr txBox="1"/>
             <p:nvPr/>
           </p:nvSpPr>
           <p:spPr>
@@ -9863,7 +9978,7 @@
             </a:prstGeom>
           </p:spPr>
           <p:txBody>
-            <a:bodyPr anchor="t" rtlCol="false" tIns="0" lIns="0" bIns="0" rIns="0"/>
+            <a:bodyPr lIns="0" tIns="0" rIns="0" bIns="0" rtlCol="0" anchor="t"/>
             <a:lstStyle/>
             <a:p>
               <a:pPr algn="l">
@@ -9889,12 +10004,12 @@
       </p:grpSp>
       <p:sp>
         <p:nvSpPr>
-          <p:cNvPr name="Freeform 7" id="7"/>
+          <p:cNvPr id="7" name="Freeform 7"/>
           <p:cNvSpPr/>
           <p:nvPr/>
         </p:nvSpPr>
         <p:spPr>
-          <a:xfrm flipH="false" flipV="false" rot="0">
+          <a:xfrm>
             <a:off x="573302" y="2942632"/>
             <a:ext cx="17276932" cy="4103271"/>
           </a:xfrm>
@@ -9903,9 +10018,9 @@
             <a:gdLst/>
             <a:ahLst/>
             <a:cxnLst/>
-            <a:rect r="r" b="b" t="t" l="l"/>
+            <a:rect l="l" t="t" r="r" b="b"/>
             <a:pathLst>
-              <a:path h="4103271" w="17276932">
+              <a:path w="17276932" h="4103271">
                 <a:moveTo>
                   <a:pt x="0" y="0"/>
                 </a:moveTo>
@@ -9928,7 +10043,7 @@
           <a:blipFill>
             <a:blip r:embed="rId3"/>
             <a:stretch>
-              <a:fillRect l="0" t="0" r="0" b="0"/>
+              <a:fillRect/>
             </a:stretch>
           </a:blipFill>
         </p:spPr>
@@ -9942,7 +10057,7 @@
 </file>
 
 <file path=ppt/slides/slide7.xml><?xml version="1.0" encoding="utf-8"?>
-<p:sld xmlns:p="http://schemas.openxmlformats.org/presentationml/2006/main" xmlns:a="http://schemas.openxmlformats.org/drawingml/2006/main" xmlns:r="http://schemas.openxmlformats.org/officeDocument/2006/relationships">
+<p:sld xmlns:a="http://schemas.openxmlformats.org/drawingml/2006/main" xmlns:r="http://schemas.openxmlformats.org/officeDocument/2006/relationships" xmlns:p="http://schemas.openxmlformats.org/presentationml/2006/main">
   <p:cSld>
     <p:spTree>
       <p:nvGrpSpPr>
@@ -9960,12 +10075,12 @@
       </p:grpSpPr>
       <p:grpSp>
         <p:nvGrpSpPr>
-          <p:cNvPr name="Group 2" id="2"/>
+          <p:cNvPr id="2" name="Group 2"/>
           <p:cNvGrpSpPr/>
           <p:nvPr/>
         </p:nvGrpSpPr>
         <p:grpSpPr>
-          <a:xfrm rot="0">
+          <a:xfrm>
             <a:off x="1440000" y="1455600"/>
             <a:ext cx="12826578" cy="544800"/>
             <a:chOff x="0" y="0"/>
@@ -9974,12 +10089,12 @@
         </p:grpSpPr>
         <p:sp>
           <p:nvSpPr>
-            <p:cNvPr name="Freeform 3" id="3"/>
+            <p:cNvPr id="3" name="Freeform 3"/>
             <p:cNvSpPr/>
             <p:nvPr/>
           </p:nvSpPr>
           <p:spPr>
-            <a:xfrm flipH="false" flipV="false" rot="0">
+            <a:xfrm>
               <a:off x="0" y="0"/>
               <a:ext cx="17102125" cy="726440"/>
             </a:xfrm>
@@ -9988,9 +10103,9 @@
               <a:gdLst/>
               <a:ahLst/>
               <a:cxnLst/>
-              <a:rect r="r" b="b" t="t" l="l"/>
+              <a:rect l="l" t="t" r="r" b="b"/>
               <a:pathLst>
-                <a:path h="726440" w="17102125">
+                <a:path w="17102125" h="726440">
                   <a:moveTo>
                     <a:pt x="0" y="363220"/>
                   </a:moveTo>
@@ -10032,12 +10147,12 @@
       </p:grpSp>
       <p:sp>
         <p:nvSpPr>
-          <p:cNvPr name="Freeform 4" id="4"/>
+          <p:cNvPr id="4" name="Freeform 4"/>
           <p:cNvSpPr/>
           <p:nvPr/>
         </p:nvSpPr>
         <p:spPr>
-          <a:xfrm flipH="false" flipV="false" rot="0">
+          <a:xfrm>
             <a:off x="15685657" y="-3387687"/>
             <a:ext cx="8098534" cy="5954130"/>
           </a:xfrm>
@@ -10046,9 +10161,9 @@
             <a:gdLst/>
             <a:ahLst/>
             <a:cxnLst/>
-            <a:rect r="r" b="b" t="t" l="l"/>
+            <a:rect l="l" t="t" r="r" b="b"/>
             <a:pathLst>
-              <a:path h="5954130" w="8098534">
+              <a:path w="8098534" h="5954130">
                 <a:moveTo>
                   <a:pt x="0" y="0"/>
                 </a:moveTo>
@@ -10077,19 +10192,19 @@
               </a:extLst>
             </a:blip>
             <a:stretch>
-              <a:fillRect l="0" t="0" r="0" b="0"/>
+              <a:fillRect/>
             </a:stretch>
           </a:blipFill>
         </p:spPr>
       </p:sp>
       <p:grpSp>
         <p:nvGrpSpPr>
-          <p:cNvPr name="Group 5" id="5"/>
+          <p:cNvPr id="5" name="Group 5"/>
           <p:cNvGrpSpPr/>
           <p:nvPr/>
         </p:nvGrpSpPr>
         <p:grpSpPr>
-          <a:xfrm rot="0">
+          <a:xfrm>
             <a:off x="1440000" y="932548"/>
             <a:ext cx="15408000" cy="1590904"/>
             <a:chOff x="0" y="0"/>
@@ -10098,12 +10213,12 @@
         </p:grpSpPr>
         <p:sp>
           <p:nvSpPr>
-            <p:cNvPr name="Freeform 6" id="6"/>
+            <p:cNvPr id="6" name="Freeform 6"/>
             <p:cNvSpPr/>
             <p:nvPr/>
           </p:nvSpPr>
           <p:spPr>
-            <a:xfrm flipH="false" flipV="false" rot="0">
+            <a:xfrm>
               <a:off x="0" y="0"/>
               <a:ext cx="20544000" cy="2121205"/>
             </a:xfrm>
@@ -10112,9 +10227,9 @@
               <a:gdLst/>
               <a:ahLst/>
               <a:cxnLst/>
-              <a:rect r="r" b="b" t="t" l="l"/>
+              <a:rect l="l" t="t" r="r" b="b"/>
               <a:pathLst>
-                <a:path h="2121205" w="20544000">
+                <a:path w="20544000" h="2121205">
                   <a:moveTo>
                     <a:pt x="0" y="0"/>
                   </a:moveTo>
@@ -10140,8 +10255,8 @@
         </p:sp>
         <p:sp>
           <p:nvSpPr>
-            <p:cNvPr name="TextBox 7" id="7"/>
-            <p:cNvSpPr txBox="true"/>
+            <p:cNvPr id="7" name="TextBox 7"/>
+            <p:cNvSpPr txBox="1"/>
             <p:nvPr/>
           </p:nvSpPr>
           <p:spPr>
@@ -10154,7 +10269,7 @@
             </a:prstGeom>
           </p:spPr>
           <p:txBody>
-            <a:bodyPr anchor="t" rtlCol="false" tIns="0" lIns="0" bIns="0" rIns="0"/>
+            <a:bodyPr lIns="0" tIns="0" rIns="0" bIns="0" rtlCol="0" anchor="t"/>
             <a:lstStyle/>
             <a:p>
               <a:pPr algn="l">
@@ -10180,34 +10295,34 @@
       </p:grpSp>
       <p:sp>
         <p:nvSpPr>
-          <p:cNvPr name="Freeform 8" id="8"/>
+          <p:cNvPr id="8" name="Freeform 8"/>
           <p:cNvSpPr/>
           <p:nvPr/>
         </p:nvSpPr>
         <p:spPr>
-          <a:xfrm flipH="false" flipV="false" rot="0">
-            <a:off x="573302" y="3531927"/>
-            <a:ext cx="17540927" cy="3223145"/>
+          <a:xfrm>
+            <a:off x="406065" y="3774913"/>
+            <a:ext cx="17542546" cy="3223443"/>
           </a:xfrm>
           <a:custGeom>
             <a:avLst/>
             <a:gdLst/>
             <a:ahLst/>
             <a:cxnLst/>
-            <a:rect r="r" b="b" t="t" l="l"/>
+            <a:rect l="l" t="t" r="r" b="b"/>
             <a:pathLst>
-              <a:path h="3223145" w="17540927">
+              <a:path w="17542546" h="3223443">
                 <a:moveTo>
                   <a:pt x="0" y="0"/>
                 </a:moveTo>
                 <a:lnTo>
-                  <a:pt x="17540927" y="0"/>
+                  <a:pt x="17542545" y="0"/>
                 </a:lnTo>
                 <a:lnTo>
-                  <a:pt x="17540927" y="3223146"/>
+                  <a:pt x="17542545" y="3223443"/>
                 </a:lnTo>
                 <a:lnTo>
-                  <a:pt x="0" y="3223146"/>
+                  <a:pt x="0" y="3223443"/>
                 </a:lnTo>
                 <a:lnTo>
                   <a:pt x="0" y="0"/>
@@ -10219,7 +10334,7 @@
           <a:blipFill>
             <a:blip r:embed="rId5"/>
             <a:stretch>
-              <a:fillRect l="0" t="0" r="0" b="0"/>
+              <a:fillRect/>
             </a:stretch>
           </a:blipFill>
         </p:spPr>
@@ -10233,7 +10348,7 @@
 </file>
 
 <file path=ppt/slides/slide8.xml><?xml version="1.0" encoding="utf-8"?>
-<p:sld xmlns:p="http://schemas.openxmlformats.org/presentationml/2006/main" xmlns:a="http://schemas.openxmlformats.org/drawingml/2006/main" xmlns:r="http://schemas.openxmlformats.org/officeDocument/2006/relationships">
+<p:sld xmlns:a="http://schemas.openxmlformats.org/drawingml/2006/main" xmlns:r="http://schemas.openxmlformats.org/officeDocument/2006/relationships" xmlns:p="http://schemas.openxmlformats.org/presentationml/2006/main">
   <p:cSld>
     <p:spTree>
       <p:nvGrpSpPr>
@@ -10251,12 +10366,12 @@
       </p:grpSpPr>
       <p:grpSp>
         <p:nvGrpSpPr>
-          <p:cNvPr name="Group 2" id="2"/>
+          <p:cNvPr id="2" name="Group 2"/>
           <p:cNvGrpSpPr/>
           <p:nvPr/>
         </p:nvGrpSpPr>
         <p:grpSpPr>
-          <a:xfrm rot="0">
+          <a:xfrm>
             <a:off x="1440000" y="1455600"/>
             <a:ext cx="11556000" cy="544800"/>
             <a:chOff x="0" y="0"/>
@@ -10265,12 +10380,12 @@
         </p:grpSpPr>
         <p:sp>
           <p:nvSpPr>
-            <p:cNvPr name="Freeform 3" id="3"/>
+            <p:cNvPr id="3" name="Freeform 3"/>
             <p:cNvSpPr/>
             <p:nvPr/>
           </p:nvSpPr>
           <p:spPr>
-            <a:xfrm flipH="false" flipV="false" rot="0">
+            <a:xfrm>
               <a:off x="0" y="0"/>
               <a:ext cx="15408021" cy="726440"/>
             </a:xfrm>
@@ -10279,9 +10394,9 @@
               <a:gdLst/>
               <a:ahLst/>
               <a:cxnLst/>
-              <a:rect r="r" b="b" t="t" l="l"/>
+              <a:rect l="l" t="t" r="r" b="b"/>
               <a:pathLst>
-                <a:path h="726440" w="15408021">
+                <a:path w="15408021" h="726440">
                   <a:moveTo>
                     <a:pt x="0" y="363220"/>
                   </a:moveTo>
@@ -10323,12 +10438,12 @@
       </p:grpSp>
       <p:sp>
         <p:nvSpPr>
-          <p:cNvPr name="Freeform 4" id="4"/>
+          <p:cNvPr id="4" name="Freeform 4"/>
           <p:cNvSpPr/>
           <p:nvPr/>
         </p:nvSpPr>
         <p:spPr>
-          <a:xfrm flipH="false" flipV="false" rot="0">
+          <a:xfrm>
             <a:off x="14366759" y="-4340916"/>
             <a:ext cx="9212140" cy="9992728"/>
           </a:xfrm>
@@ -10337,9 +10452,9 @@
             <a:gdLst/>
             <a:ahLst/>
             <a:cxnLst/>
-            <a:rect r="r" b="b" t="t" l="l"/>
+            <a:rect l="l" t="t" r="r" b="b"/>
             <a:pathLst>
-              <a:path h="9992728" w="9212140">
+              <a:path w="9212140" h="9992728">
                 <a:moveTo>
                   <a:pt x="0" y="0"/>
                 </a:moveTo>
@@ -10368,19 +10483,19 @@
               </a:extLst>
             </a:blip>
             <a:stretch>
-              <a:fillRect l="0" t="0" r="0" b="0"/>
+              <a:fillRect/>
             </a:stretch>
           </a:blipFill>
         </p:spPr>
       </p:sp>
       <p:grpSp>
         <p:nvGrpSpPr>
-          <p:cNvPr name="Group 5" id="5"/>
+          <p:cNvPr id="5" name="Group 5"/>
           <p:cNvGrpSpPr/>
           <p:nvPr/>
         </p:nvGrpSpPr>
         <p:grpSpPr>
-          <a:xfrm rot="0">
+          <a:xfrm>
             <a:off x="1440000" y="775200"/>
             <a:ext cx="15408000" cy="1590904"/>
             <a:chOff x="0" y="0"/>
@@ -10389,12 +10504,12 @@
         </p:grpSpPr>
         <p:sp>
           <p:nvSpPr>
-            <p:cNvPr name="Freeform 6" id="6"/>
+            <p:cNvPr id="6" name="Freeform 6"/>
             <p:cNvSpPr/>
             <p:nvPr/>
           </p:nvSpPr>
           <p:spPr>
-            <a:xfrm flipH="false" flipV="false" rot="0">
+            <a:xfrm>
               <a:off x="0" y="0"/>
               <a:ext cx="20544000" cy="2121205"/>
             </a:xfrm>
@@ -10403,9 +10518,9 @@
               <a:gdLst/>
               <a:ahLst/>
               <a:cxnLst/>
-              <a:rect r="r" b="b" t="t" l="l"/>
+              <a:rect l="l" t="t" r="r" b="b"/>
               <a:pathLst>
-                <a:path h="2121205" w="20544000">
+                <a:path w="20544000" h="2121205">
                   <a:moveTo>
                     <a:pt x="0" y="0"/>
                   </a:moveTo>
@@ -10431,8 +10546,8 @@
         </p:sp>
         <p:sp>
           <p:nvSpPr>
-            <p:cNvPr name="TextBox 7" id="7"/>
-            <p:cNvSpPr txBox="true"/>
+            <p:cNvPr id="7" name="TextBox 7"/>
+            <p:cNvSpPr txBox="1"/>
             <p:nvPr/>
           </p:nvSpPr>
           <p:spPr>
@@ -10445,7 +10560,7 @@
             </a:prstGeom>
           </p:spPr>
           <p:txBody>
-            <a:bodyPr anchor="t" rtlCol="false" tIns="0" lIns="0" bIns="0" rIns="0"/>
+            <a:bodyPr lIns="0" tIns="0" rIns="0" bIns="0" rtlCol="0" anchor="t"/>
             <a:lstStyle/>
             <a:p>
               <a:pPr algn="l">
@@ -10471,12 +10586,12 @@
       </p:grpSp>
       <p:sp>
         <p:nvSpPr>
-          <p:cNvPr name="Freeform 8" id="8"/>
+          <p:cNvPr id="8" name="Freeform 8"/>
           <p:cNvSpPr/>
           <p:nvPr/>
         </p:nvSpPr>
         <p:spPr>
-          <a:xfrm flipH="false" flipV="false" rot="0">
+          <a:xfrm>
             <a:off x="339628" y="4101292"/>
             <a:ext cx="17608744" cy="3543760"/>
           </a:xfrm>
@@ -10485,9 +10600,9 @@
             <a:gdLst/>
             <a:ahLst/>
             <a:cxnLst/>
-            <a:rect r="r" b="b" t="t" l="l"/>
+            <a:rect l="l" t="t" r="r" b="b"/>
             <a:pathLst>
-              <a:path h="3543760" w="17608744">
+              <a:path w="17608744" h="3543760">
                 <a:moveTo>
                   <a:pt x="0" y="0"/>
                 </a:moveTo>
@@ -10510,7 +10625,7 @@
           <a:blipFill>
             <a:blip r:embed="rId5"/>
             <a:stretch>
-              <a:fillRect l="0" t="0" r="0" b="0"/>
+              <a:fillRect/>
             </a:stretch>
           </a:blipFill>
         </p:spPr>
@@ -10524,7 +10639,7 @@
 </file>
 
 <file path=ppt/slides/slide9.xml><?xml version="1.0" encoding="utf-8"?>
-<p:sld xmlns:p="http://schemas.openxmlformats.org/presentationml/2006/main" xmlns:a="http://schemas.openxmlformats.org/drawingml/2006/main" xmlns:r="http://schemas.openxmlformats.org/officeDocument/2006/relationships">
+<p:sld xmlns:a="http://schemas.openxmlformats.org/drawingml/2006/main" xmlns:r="http://schemas.openxmlformats.org/officeDocument/2006/relationships" xmlns:p="http://schemas.openxmlformats.org/presentationml/2006/main">
   <p:cSld>
     <p:spTree>
       <p:nvGrpSpPr>
@@ -10542,13 +10657,13 @@
       </p:grpSpPr>
       <p:grpSp>
         <p:nvGrpSpPr>
-          <p:cNvPr name="Group 2" id="2"/>
+          <p:cNvPr id="2" name="Group 2"/>
           <p:cNvGrpSpPr/>
           <p:nvPr/>
         </p:nvGrpSpPr>
         <p:grpSpPr>
-          <a:xfrm rot="0">
-            <a:off x="1440000" y="1455600"/>
+          <a:xfrm>
+            <a:off x="1028700" y="1462006"/>
             <a:ext cx="5319917" cy="544800"/>
             <a:chOff x="0" y="0"/>
             <a:chExt cx="7093222" cy="726400"/>
@@ -10556,12 +10671,12 @@
         </p:grpSpPr>
         <p:sp>
           <p:nvSpPr>
-            <p:cNvPr name="Freeform 3" id="3"/>
+            <p:cNvPr id="3" name="Freeform 3"/>
             <p:cNvSpPr/>
             <p:nvPr/>
           </p:nvSpPr>
           <p:spPr>
-            <a:xfrm flipH="false" flipV="false" rot="0">
+            <a:xfrm>
               <a:off x="0" y="0"/>
               <a:ext cx="7093243" cy="726440"/>
             </a:xfrm>
@@ -10570,9 +10685,9 @@
               <a:gdLst/>
               <a:ahLst/>
               <a:cxnLst/>
-              <a:rect r="r" b="b" t="t" l="l"/>
+              <a:rect l="l" t="t" r="r" b="b"/>
               <a:pathLst>
-                <a:path h="726440" w="7093243">
+                <a:path w="7093243" h="726440">
                   <a:moveTo>
                     <a:pt x="0" y="363220"/>
                   </a:moveTo>
@@ -10614,12 +10729,12 @@
       </p:grpSp>
       <p:sp>
         <p:nvSpPr>
-          <p:cNvPr name="Freeform 4" id="4"/>
+          <p:cNvPr id="4" name="Freeform 4"/>
           <p:cNvSpPr/>
           <p:nvPr/>
         </p:nvSpPr>
         <p:spPr>
-          <a:xfrm flipH="false" flipV="false" rot="0">
+          <a:xfrm>
             <a:off x="12327672" y="6605143"/>
             <a:ext cx="9863256" cy="8835872"/>
           </a:xfrm>
@@ -10628,9 +10743,9 @@
             <a:gdLst/>
             <a:ahLst/>
             <a:cxnLst/>
-            <a:rect r="r" b="b" t="t" l="l"/>
+            <a:rect l="l" t="t" r="r" b="b"/>
             <a:pathLst>
-              <a:path h="8835872" w="9863256">
+              <a:path w="9863256" h="8835872">
                 <a:moveTo>
                   <a:pt x="0" y="0"/>
                 </a:moveTo>
@@ -10659,20 +10774,20 @@
               </a:extLst>
             </a:blip>
             <a:stretch>
-              <a:fillRect l="0" t="0" r="0" b="0"/>
+              <a:fillRect/>
             </a:stretch>
           </a:blipFill>
         </p:spPr>
       </p:sp>
       <p:grpSp>
         <p:nvGrpSpPr>
-          <p:cNvPr name="Group 5" id="5"/>
+          <p:cNvPr id="5" name="Group 5"/>
           <p:cNvGrpSpPr/>
           <p:nvPr/>
         </p:nvGrpSpPr>
         <p:grpSpPr>
-          <a:xfrm rot="0">
-            <a:off x="1440000" y="775200"/>
+          <a:xfrm>
+            <a:off x="1151129" y="666554"/>
             <a:ext cx="5319917" cy="1590904"/>
             <a:chOff x="0" y="0"/>
             <a:chExt cx="7093222" cy="2121205"/>
@@ -10680,12 +10795,12 @@
         </p:grpSpPr>
         <p:sp>
           <p:nvSpPr>
-            <p:cNvPr name="Freeform 6" id="6"/>
+            <p:cNvPr id="6" name="Freeform 6"/>
             <p:cNvSpPr/>
             <p:nvPr/>
           </p:nvSpPr>
           <p:spPr>
-            <a:xfrm flipH="false" flipV="false" rot="0">
+            <a:xfrm>
               <a:off x="0" y="0"/>
               <a:ext cx="7093222" cy="2121205"/>
             </a:xfrm>
@@ -10694,9 +10809,9 @@
               <a:gdLst/>
               <a:ahLst/>
               <a:cxnLst/>
-              <a:rect r="r" b="b" t="t" l="l"/>
+              <a:rect l="l" t="t" r="r" b="b"/>
               <a:pathLst>
-                <a:path h="2121205" w="7093222">
+                <a:path w="7093222" h="2121205">
                   <a:moveTo>
                     <a:pt x="0" y="0"/>
                   </a:moveTo>
@@ -10722,8 +10837,8 @@
         </p:sp>
         <p:sp>
           <p:nvSpPr>
-            <p:cNvPr name="TextBox 7" id="7"/>
-            <p:cNvSpPr txBox="true"/>
+            <p:cNvPr id="7" name="TextBox 7"/>
+            <p:cNvSpPr txBox="1"/>
             <p:nvPr/>
           </p:nvSpPr>
           <p:spPr>
@@ -10736,7 +10851,7 @@
             </a:prstGeom>
           </p:spPr>
           <p:txBody>
-            <a:bodyPr anchor="t" rtlCol="false" tIns="0" lIns="0" bIns="0" rIns="0"/>
+            <a:bodyPr lIns="0" tIns="0" rIns="0" bIns="0" rtlCol="0" anchor="t"/>
             <a:lstStyle/>
             <a:p>
               <a:pPr algn="l">
@@ -10762,34 +10877,34 @@
       </p:grpSp>
       <p:sp>
         <p:nvSpPr>
-          <p:cNvPr name="Freeform 8" id="8"/>
+          <p:cNvPr id="8" name="Freeform 8"/>
           <p:cNvSpPr/>
           <p:nvPr/>
         </p:nvSpPr>
         <p:spPr>
-          <a:xfrm flipH="false" flipV="false" rot="0">
-            <a:off x="516046" y="2886126"/>
-            <a:ext cx="17515873" cy="4335179"/>
+          <a:xfrm>
+            <a:off x="6642707" y="6829276"/>
+            <a:ext cx="5328519" cy="3157112"/>
           </a:xfrm>
           <a:custGeom>
             <a:avLst/>
             <a:gdLst/>
             <a:ahLst/>
             <a:cxnLst/>
-            <a:rect r="r" b="b" t="t" l="l"/>
+            <a:rect l="l" t="t" r="r" b="b"/>
             <a:pathLst>
-              <a:path h="4335179" w="17515873">
+              <a:path w="5328519" h="3157112">
                 <a:moveTo>
                   <a:pt x="0" y="0"/>
                 </a:moveTo>
                 <a:lnTo>
-                  <a:pt x="17515873" y="0"/>
+                  <a:pt x="5328519" y="0"/>
                 </a:lnTo>
                 <a:lnTo>
-                  <a:pt x="17515873" y="4335178"/>
+                  <a:pt x="5328519" y="3157112"/>
                 </a:lnTo>
                 <a:lnTo>
-                  <a:pt x="0" y="4335178"/>
+                  <a:pt x="0" y="3157112"/>
                 </a:lnTo>
                 <a:lnTo>
                   <a:pt x="0" y="0"/>
@@ -10801,7 +10916,53 @@
           <a:blipFill>
             <a:blip r:embed="rId5"/>
             <a:stretch>
-              <a:fillRect l="0" t="0" r="0" b="0"/>
+              <a:fillRect/>
+            </a:stretch>
+          </a:blipFill>
+        </p:spPr>
+      </p:sp>
+      <p:sp>
+        <p:nvSpPr>
+          <p:cNvPr id="9" name="Freeform 9"/>
+          <p:cNvSpPr/>
+          <p:nvPr/>
+        </p:nvSpPr>
+        <p:spPr>
+          <a:xfrm>
+            <a:off x="1880176" y="2257458"/>
+            <a:ext cx="14853581" cy="4288972"/>
+          </a:xfrm>
+          <a:custGeom>
+            <a:avLst/>
+            <a:gdLst/>
+            <a:ahLst/>
+            <a:cxnLst/>
+            <a:rect l="l" t="t" r="r" b="b"/>
+            <a:pathLst>
+              <a:path w="14853581" h="4288972">
+                <a:moveTo>
+                  <a:pt x="0" y="0"/>
+                </a:moveTo>
+                <a:lnTo>
+                  <a:pt x="14853581" y="0"/>
+                </a:lnTo>
+                <a:lnTo>
+                  <a:pt x="14853581" y="4288972"/>
+                </a:lnTo>
+                <a:lnTo>
+                  <a:pt x="0" y="4288972"/>
+                </a:lnTo>
+                <a:lnTo>
+                  <a:pt x="0" y="0"/>
+                </a:lnTo>
+                <a:close/>
+              </a:path>
+            </a:pathLst>
+          </a:custGeom>
+          <a:blipFill>
+            <a:blip r:embed="rId6"/>
+            <a:stretch>
+              <a:fillRect/>
             </a:stretch>
           </a:blipFill>
         </p:spPr>

--- a/Project/Context/GUYP.context.pptx
+++ b/Project/Context/GUYP.context.pptx
@@ -24,6 +24,10 @@
     <p:embeddedFont>
       <p:font typeface="Poppins" charset="1" panose="00000500000000000000"/>
       <p:regular r:id="rId18"/>
+    </p:embeddedFont>
+    <p:embeddedFont>
+      <p:font typeface="Open Sans Bold" charset="1" panose="020B0806030504020204"/>
+      <p:regular r:id="rId22"/>
     </p:embeddedFont>
   </p:embeddedFontLst>
   <p:defaultTextStyle>
@@ -9359,7 +9363,7 @@
         </p:nvSpPr>
         <p:spPr>
           <a:xfrm flipH="false" flipV="false" rot="0">
-            <a:off x="8766892" y="5183306"/>
+            <a:off x="8653704" y="5200566"/>
             <a:ext cx="879556" cy="1621200"/>
           </a:xfrm>
           <a:custGeom>
@@ -9403,6 +9407,139 @@
           </a:blipFill>
         </p:spPr>
       </p:sp>
+      <p:grpSp>
+        <p:nvGrpSpPr>
+          <p:cNvPr name="Group 20" id="20"/>
+          <p:cNvGrpSpPr/>
+          <p:nvPr/>
+        </p:nvGrpSpPr>
+        <p:grpSpPr>
+          <a:xfrm rot="0">
+            <a:off x="8204840" y="5464349"/>
+            <a:ext cx="1618914" cy="998850"/>
+            <a:chOff x="0" y="0"/>
+            <a:chExt cx="426381" cy="263072"/>
+          </a:xfrm>
+        </p:grpSpPr>
+        <p:sp>
+          <p:nvSpPr>
+            <p:cNvPr name="Freeform 21" id="21"/>
+            <p:cNvSpPr/>
+            <p:nvPr/>
+          </p:nvSpPr>
+          <p:spPr>
+            <a:xfrm flipH="false" flipV="false" rot="0">
+              <a:off x="0" y="0"/>
+              <a:ext cx="426381" cy="263072"/>
+            </a:xfrm>
+            <a:custGeom>
+              <a:avLst/>
+              <a:gdLst/>
+              <a:ahLst/>
+              <a:cxnLst/>
+              <a:rect r="r" b="b" t="t" l="l"/>
+              <a:pathLst>
+                <a:path h="263072" w="426381">
+                  <a:moveTo>
+                    <a:pt x="131536" y="0"/>
+                  </a:moveTo>
+                  <a:lnTo>
+                    <a:pt x="294845" y="0"/>
+                  </a:lnTo>
+                  <a:cubicBezTo>
+                    <a:pt x="367490" y="0"/>
+                    <a:pt x="426381" y="58891"/>
+                    <a:pt x="426381" y="131536"/>
+                  </a:cubicBezTo>
+                  <a:lnTo>
+                    <a:pt x="426381" y="131536"/>
+                  </a:lnTo>
+                  <a:cubicBezTo>
+                    <a:pt x="426381" y="204181"/>
+                    <a:pt x="367490" y="263072"/>
+                    <a:pt x="294845" y="263072"/>
+                  </a:cubicBezTo>
+                  <a:lnTo>
+                    <a:pt x="131536" y="263072"/>
+                  </a:lnTo>
+                  <a:cubicBezTo>
+                    <a:pt x="58891" y="263072"/>
+                    <a:pt x="0" y="204181"/>
+                    <a:pt x="0" y="131536"/>
+                  </a:cubicBezTo>
+                  <a:lnTo>
+                    <a:pt x="0" y="131536"/>
+                  </a:lnTo>
+                  <a:cubicBezTo>
+                    <a:pt x="0" y="58891"/>
+                    <a:pt x="58891" y="0"/>
+                    <a:pt x="131536" y="0"/>
+                  </a:cubicBezTo>
+                  <a:close/>
+                </a:path>
+              </a:pathLst>
+            </a:custGeom>
+            <a:solidFill>
+              <a:srgbClr val="FEF8E9">
+                <a:alpha val="76863"/>
+              </a:srgbClr>
+            </a:solidFill>
+            <a:ln w="38100" cap="rnd">
+              <a:solidFill>
+                <a:srgbClr val="000000">
+                  <a:alpha val="76863"/>
+                </a:srgbClr>
+              </a:solidFill>
+              <a:prstDash val="solid"/>
+              <a:round/>
+            </a:ln>
+          </p:spPr>
+        </p:sp>
+        <p:sp>
+          <p:nvSpPr>
+            <p:cNvPr name="TextBox 22" id="22"/>
+            <p:cNvSpPr txBox="true"/>
+            <p:nvPr/>
+          </p:nvSpPr>
+          <p:spPr>
+            <a:xfrm>
+              <a:off x="0" y="-38100"/>
+              <a:ext cx="426381" cy="301172"/>
+            </a:xfrm>
+            <a:prstGeom prst="rect">
+              <a:avLst/>
+            </a:prstGeom>
+          </p:spPr>
+          <p:txBody>
+            <a:bodyPr anchor="ctr" rtlCol="false" tIns="50800" lIns="50800" bIns="50800" rIns="50800"/>
+            <a:lstStyle/>
+            <a:p>
+              <a:pPr algn="ctr">
+                <a:lnSpc>
+                  <a:spcPts val="2659"/>
+                </a:lnSpc>
+                <a:spcBef>
+                  <a:spcPct val="0"/>
+                </a:spcBef>
+              </a:pPr>
+              <a:r>
+                <a:rPr lang="en-US" b="true" sz="1899">
+                  <a:solidFill>
+                    <a:srgbClr val="000000">
+                      <a:alpha val="76863"/>
+                    </a:srgbClr>
+                  </a:solidFill>
+                  <a:latin typeface="Open Sans Bold"/>
+                  <a:ea typeface="Open Sans Bold"/>
+                  <a:cs typeface="Open Sans Bold"/>
+                  <a:sym typeface="Open Sans Bold"/>
+                </a:rPr>
+                <a:t>Grow Up Your Plant</a:t>
+              </a:r>
+            </a:p>
+          </p:txBody>
+        </p:sp>
+      </p:grpSp>
     </p:spTree>
   </p:cSld>
   <p:clrMapOvr>
@@ -10186,8 +10323,8 @@
         </p:nvSpPr>
         <p:spPr>
           <a:xfrm flipH="false" flipV="false" rot="0">
-            <a:off x="573302" y="3531927"/>
-            <a:ext cx="17540927" cy="3223145"/>
+            <a:off x="406065" y="3774913"/>
+            <a:ext cx="17542546" cy="3223443"/>
           </a:xfrm>
           <a:custGeom>
             <a:avLst/>
@@ -10196,18 +10333,18 @@
             <a:cxnLst/>
             <a:rect r="r" b="b" t="t" l="l"/>
             <a:pathLst>
-              <a:path h="3223145" w="17540927">
+              <a:path h="3223443" w="17542546">
                 <a:moveTo>
                   <a:pt x="0" y="0"/>
                 </a:moveTo>
                 <a:lnTo>
-                  <a:pt x="17540927" y="0"/>
+                  <a:pt x="17542545" y="0"/>
                 </a:lnTo>
                 <a:lnTo>
-                  <a:pt x="17540927" y="3223146"/>
+                  <a:pt x="17542545" y="3223443"/>
                 </a:lnTo>
                 <a:lnTo>
-                  <a:pt x="0" y="3223146"/>
+                  <a:pt x="0" y="3223443"/>
                 </a:lnTo>
                 <a:lnTo>
                   <a:pt x="0" y="0"/>
@@ -10548,7 +10685,7 @@
         </p:nvGrpSpPr>
         <p:grpSpPr>
           <a:xfrm rot="0">
-            <a:off x="1440000" y="1455600"/>
+            <a:off x="1028700" y="1462006"/>
             <a:ext cx="5319917" cy="544800"/>
             <a:chOff x="0" y="0"/>
             <a:chExt cx="7093222" cy="726400"/>
@@ -10672,7 +10809,7 @@
         </p:nvGrpSpPr>
         <p:grpSpPr>
           <a:xfrm rot="0">
-            <a:off x="1440000" y="775200"/>
+            <a:off x="1151129" y="666554"/>
             <a:ext cx="5319917" cy="1590904"/>
             <a:chOff x="0" y="0"/>
             <a:chExt cx="7093222" cy="2121205"/>
@@ -10768,8 +10905,8 @@
         </p:nvSpPr>
         <p:spPr>
           <a:xfrm flipH="false" flipV="false" rot="0">
-            <a:off x="516046" y="2886126"/>
-            <a:ext cx="17515873" cy="4335179"/>
+            <a:off x="6642707" y="6829276"/>
+            <a:ext cx="5328519" cy="3157112"/>
           </a:xfrm>
           <a:custGeom>
             <a:avLst/>
@@ -10778,18 +10915,18 @@
             <a:cxnLst/>
             <a:rect r="r" b="b" t="t" l="l"/>
             <a:pathLst>
-              <a:path h="4335179" w="17515873">
+              <a:path h="3157112" w="5328519">
                 <a:moveTo>
                   <a:pt x="0" y="0"/>
                 </a:moveTo>
                 <a:lnTo>
-                  <a:pt x="17515873" y="0"/>
+                  <a:pt x="5328519" y="0"/>
                 </a:lnTo>
                 <a:lnTo>
-                  <a:pt x="17515873" y="4335178"/>
+                  <a:pt x="5328519" y="3157112"/>
                 </a:lnTo>
                 <a:lnTo>
-                  <a:pt x="0" y="4335178"/>
+                  <a:pt x="0" y="3157112"/>
                 </a:lnTo>
                 <a:lnTo>
                   <a:pt x="0" y="0"/>
@@ -10800,6 +10937,52 @@
           </a:custGeom>
           <a:blipFill>
             <a:blip r:embed="rId5"/>
+            <a:stretch>
+              <a:fillRect l="0" t="0" r="0" b="0"/>
+            </a:stretch>
+          </a:blipFill>
+        </p:spPr>
+      </p:sp>
+      <p:sp>
+        <p:nvSpPr>
+          <p:cNvPr name="Freeform 9" id="9"/>
+          <p:cNvSpPr/>
+          <p:nvPr/>
+        </p:nvSpPr>
+        <p:spPr>
+          <a:xfrm flipH="false" flipV="false" rot="0">
+            <a:off x="1880176" y="2257458"/>
+            <a:ext cx="14853581" cy="4288972"/>
+          </a:xfrm>
+          <a:custGeom>
+            <a:avLst/>
+            <a:gdLst/>
+            <a:ahLst/>
+            <a:cxnLst/>
+            <a:rect r="r" b="b" t="t" l="l"/>
+            <a:pathLst>
+              <a:path h="4288972" w="14853581">
+                <a:moveTo>
+                  <a:pt x="0" y="0"/>
+                </a:moveTo>
+                <a:lnTo>
+                  <a:pt x="14853581" y="0"/>
+                </a:lnTo>
+                <a:lnTo>
+                  <a:pt x="14853581" y="4288972"/>
+                </a:lnTo>
+                <a:lnTo>
+                  <a:pt x="0" y="4288972"/>
+                </a:lnTo>
+                <a:lnTo>
+                  <a:pt x="0" y="0"/>
+                </a:lnTo>
+                <a:close/>
+              </a:path>
+            </a:pathLst>
+          </a:custGeom>
+          <a:blipFill>
+            <a:blip r:embed="rId6"/>
             <a:stretch>
               <a:fillRect l="0" t="0" r="0" b="0"/>
             </a:stretch>
